--- a/empresa_transportes.pptx
+++ b/empresa_transportes.pptx
@@ -4,22 +4,22 @@
   <p:sldMasterIdLst>
     <p:sldMasterId id="2147483672" r:id="rId1"/>
   </p:sldMasterIdLst>
+  <p:notesMasterIdLst>
+    <p:notesMasterId r:id="rId14"/>
+  </p:notesMasterIdLst>
   <p:sldIdLst>
     <p:sldId id="256" r:id="rId2"/>
     <p:sldId id="257" r:id="rId3"/>
     <p:sldId id="258" r:id="rId4"/>
-    <p:sldId id="270" r:id="rId5"/>
-    <p:sldId id="259" r:id="rId6"/>
-    <p:sldId id="260" r:id="rId7"/>
-    <p:sldId id="261" r:id="rId8"/>
-    <p:sldId id="262" r:id="rId9"/>
-    <p:sldId id="263" r:id="rId10"/>
-    <p:sldId id="264" r:id="rId11"/>
-    <p:sldId id="269" r:id="rId12"/>
-    <p:sldId id="265" r:id="rId13"/>
-    <p:sldId id="266" r:id="rId14"/>
-    <p:sldId id="267" r:id="rId15"/>
-    <p:sldId id="268" r:id="rId16"/>
+    <p:sldId id="272" r:id="rId5"/>
+    <p:sldId id="262" r:id="rId6"/>
+    <p:sldId id="264" r:id="rId7"/>
+    <p:sldId id="269" r:id="rId8"/>
+    <p:sldId id="273" r:id="rId9"/>
+    <p:sldId id="268" r:id="rId10"/>
+    <p:sldId id="265" r:id="rId11"/>
+    <p:sldId id="266" r:id="rId12"/>
+    <p:sldId id="267" r:id="rId13"/>
   </p:sldIdLst>
   <p:sldSz cx="12192000" cy="6858000"/>
   <p:notesSz cx="6858000" cy="9144000"/>
@@ -126,6 +126,439 @@
 </p:presentation>
 </file>
 
+<file path=ppt/notesMasters/notesMaster1.xml><?xml version="1.0" encoding="utf-8"?>
+<p:notesMaster xmlns:a="http://schemas.openxmlformats.org/drawingml/2006/main" xmlns:r="http://schemas.openxmlformats.org/officeDocument/2006/relationships" xmlns:p="http://schemas.openxmlformats.org/presentationml/2006/main">
+  <p:cSld>
+    <p:bg>
+      <p:bgRef idx="1001">
+        <a:schemeClr val="bg1"/>
+      </p:bgRef>
+    </p:bg>
+    <p:spTree>
+      <p:nvGrpSpPr>
+        <p:cNvPr id="1" name=""/>
+        <p:cNvGrpSpPr/>
+        <p:nvPr/>
+      </p:nvGrpSpPr>
+      <p:grpSpPr>
+        <a:xfrm>
+          <a:off x="0" y="0"/>
+          <a:ext cx="0" cy="0"/>
+          <a:chOff x="0" y="0"/>
+          <a:chExt cx="0" cy="0"/>
+        </a:xfrm>
+      </p:grpSpPr>
+      <p:sp>
+        <p:nvSpPr>
+          <p:cNvPr id="2" name="Marcador de Posição do Cabeçalho 1"/>
+          <p:cNvSpPr>
+            <a:spLocks noGrp="1"/>
+          </p:cNvSpPr>
+          <p:nvPr>
+            <p:ph type="hdr" sz="quarter"/>
+          </p:nvPr>
+        </p:nvSpPr>
+        <p:spPr>
+          <a:xfrm>
+            <a:off x="0" y="0"/>
+            <a:ext cx="2971800" cy="458788"/>
+          </a:xfrm>
+          <a:prstGeom prst="rect">
+            <a:avLst/>
+          </a:prstGeom>
+        </p:spPr>
+        <p:txBody>
+          <a:bodyPr vert="horz" lIns="91440" tIns="45720" rIns="91440" bIns="45720" rtlCol="0"/>
+          <a:lstStyle>
+            <a:lvl1pPr algn="l">
+              <a:defRPr sz="1200"/>
+            </a:lvl1pPr>
+          </a:lstStyle>
+          <a:p>
+            <a:endParaRPr lang="pt-PT"/>
+          </a:p>
+        </p:txBody>
+      </p:sp>
+      <p:sp>
+        <p:nvSpPr>
+          <p:cNvPr id="3" name="Marcador de Posição da Data 2"/>
+          <p:cNvSpPr>
+            <a:spLocks noGrp="1"/>
+          </p:cNvSpPr>
+          <p:nvPr>
+            <p:ph type="dt" idx="1"/>
+          </p:nvPr>
+        </p:nvSpPr>
+        <p:spPr>
+          <a:xfrm>
+            <a:off x="3884613" y="0"/>
+            <a:ext cx="2971800" cy="458788"/>
+          </a:xfrm>
+          <a:prstGeom prst="rect">
+            <a:avLst/>
+          </a:prstGeom>
+        </p:spPr>
+        <p:txBody>
+          <a:bodyPr vert="horz" lIns="91440" tIns="45720" rIns="91440" bIns="45720" rtlCol="0"/>
+          <a:lstStyle>
+            <a:lvl1pPr algn="r">
+              <a:defRPr sz="1200"/>
+            </a:lvl1pPr>
+          </a:lstStyle>
+          <a:p>
+            <a:fld id="{8E46E5FD-2FAE-460F-A3B4-899AE2469349}" type="datetimeFigureOut">
+              <a:rPr lang="pt-PT" smtClean="0"/>
+              <a:t>02/01/2020</a:t>
+            </a:fld>
+            <a:endParaRPr lang="pt-PT"/>
+          </a:p>
+        </p:txBody>
+      </p:sp>
+      <p:sp>
+        <p:nvSpPr>
+          <p:cNvPr id="4" name="Marcador de Posição da Imagem do Diapositivo 3"/>
+          <p:cNvSpPr>
+            <a:spLocks noGrp="1" noRot="1" noChangeAspect="1"/>
+          </p:cNvSpPr>
+          <p:nvPr>
+            <p:ph type="sldImg" idx="2"/>
+          </p:nvPr>
+        </p:nvSpPr>
+        <p:spPr>
+          <a:xfrm>
+            <a:off x="685800" y="1143000"/>
+            <a:ext cx="5486400" cy="3086100"/>
+          </a:xfrm>
+          <a:prstGeom prst="rect">
+            <a:avLst/>
+          </a:prstGeom>
+          <a:noFill/>
+          <a:ln w="12700">
+            <a:solidFill>
+              <a:prstClr val="black"/>
+            </a:solidFill>
+          </a:ln>
+        </p:spPr>
+        <p:txBody>
+          <a:bodyPr vert="horz" lIns="91440" tIns="45720" rIns="91440" bIns="45720" rtlCol="0" anchor="ctr"/>
+          <a:lstStyle/>
+          <a:p>
+            <a:endParaRPr lang="pt-PT"/>
+          </a:p>
+        </p:txBody>
+      </p:sp>
+      <p:sp>
+        <p:nvSpPr>
+          <p:cNvPr id="5" name="Marcador de Posição de Notas 4"/>
+          <p:cNvSpPr>
+            <a:spLocks noGrp="1"/>
+          </p:cNvSpPr>
+          <p:nvPr>
+            <p:ph type="body" sz="quarter" idx="3"/>
+          </p:nvPr>
+        </p:nvSpPr>
+        <p:spPr>
+          <a:xfrm>
+            <a:off x="685800" y="4400550"/>
+            <a:ext cx="5486400" cy="3600450"/>
+          </a:xfrm>
+          <a:prstGeom prst="rect">
+            <a:avLst/>
+          </a:prstGeom>
+        </p:spPr>
+        <p:txBody>
+          <a:bodyPr vert="horz" lIns="91440" tIns="45720" rIns="91440" bIns="45720" rtlCol="0"/>
+          <a:lstStyle/>
+          <a:p>
+            <a:pPr lvl="0"/>
+            <a:r>
+              <a:rPr lang="pt-PT"/>
+              <a:t>Clique para editar os estilos do texto de Modelo Global</a:t>
+            </a:r>
+          </a:p>
+          <a:p>
+            <a:pPr lvl="1"/>
+            <a:r>
+              <a:rPr lang="pt-PT"/>
+              <a:t>Segundo nível</a:t>
+            </a:r>
+          </a:p>
+          <a:p>
+            <a:pPr lvl="2"/>
+            <a:r>
+              <a:rPr lang="pt-PT"/>
+              <a:t>Terceiro nível</a:t>
+            </a:r>
+          </a:p>
+          <a:p>
+            <a:pPr lvl="3"/>
+            <a:r>
+              <a:rPr lang="pt-PT"/>
+              <a:t>Quarto nível</a:t>
+            </a:r>
+          </a:p>
+          <a:p>
+            <a:pPr lvl="4"/>
+            <a:r>
+              <a:rPr lang="pt-PT"/>
+              <a:t>Quinto nível</a:t>
+            </a:r>
+          </a:p>
+        </p:txBody>
+      </p:sp>
+      <p:sp>
+        <p:nvSpPr>
+          <p:cNvPr id="6" name="Marcador de Posição do Rodapé 5"/>
+          <p:cNvSpPr>
+            <a:spLocks noGrp="1"/>
+          </p:cNvSpPr>
+          <p:nvPr>
+            <p:ph type="ftr" sz="quarter" idx="4"/>
+          </p:nvPr>
+        </p:nvSpPr>
+        <p:spPr>
+          <a:xfrm>
+            <a:off x="0" y="8685213"/>
+            <a:ext cx="2971800" cy="458787"/>
+          </a:xfrm>
+          <a:prstGeom prst="rect">
+            <a:avLst/>
+          </a:prstGeom>
+        </p:spPr>
+        <p:txBody>
+          <a:bodyPr vert="horz" lIns="91440" tIns="45720" rIns="91440" bIns="45720" rtlCol="0" anchor="b"/>
+          <a:lstStyle>
+            <a:lvl1pPr algn="l">
+              <a:defRPr sz="1200"/>
+            </a:lvl1pPr>
+          </a:lstStyle>
+          <a:p>
+            <a:endParaRPr lang="pt-PT"/>
+          </a:p>
+        </p:txBody>
+      </p:sp>
+      <p:sp>
+        <p:nvSpPr>
+          <p:cNvPr id="7" name="Marcador de Posição do Número do Diapositivo 6"/>
+          <p:cNvSpPr>
+            <a:spLocks noGrp="1"/>
+          </p:cNvSpPr>
+          <p:nvPr>
+            <p:ph type="sldNum" sz="quarter" idx="5"/>
+          </p:nvPr>
+        </p:nvSpPr>
+        <p:spPr>
+          <a:xfrm>
+            <a:off x="3884613" y="8685213"/>
+            <a:ext cx="2971800" cy="458787"/>
+          </a:xfrm>
+          <a:prstGeom prst="rect">
+            <a:avLst/>
+          </a:prstGeom>
+        </p:spPr>
+        <p:txBody>
+          <a:bodyPr vert="horz" lIns="91440" tIns="45720" rIns="91440" bIns="45720" rtlCol="0" anchor="b"/>
+          <a:lstStyle>
+            <a:lvl1pPr algn="r">
+              <a:defRPr sz="1200"/>
+            </a:lvl1pPr>
+          </a:lstStyle>
+          <a:p>
+            <a:fld id="{F4C79413-99CE-4A79-AE50-D1EE29F2FB7C}" type="slidenum">
+              <a:rPr lang="pt-PT" smtClean="0"/>
+              <a:t>‹nº›</a:t>
+            </a:fld>
+            <a:endParaRPr lang="pt-PT"/>
+          </a:p>
+        </p:txBody>
+      </p:sp>
+    </p:spTree>
+    <p:extLst>
+      <p:ext uri="{BB962C8B-B14F-4D97-AF65-F5344CB8AC3E}">
+        <p14:creationId xmlns:p14="http://schemas.microsoft.com/office/powerpoint/2010/main" val="3178553264"/>
+      </p:ext>
+    </p:extLst>
+  </p:cSld>
+  <p:clrMap bg1="lt1" tx1="dk1" bg2="lt2" tx2="dk2" accent1="accent1" accent2="accent2" accent3="accent3" accent4="accent4" accent5="accent5" accent6="accent6" hlink="hlink" folHlink="folHlink"/>
+  <p:notesStyle>
+    <a:lvl1pPr marL="0" algn="l" defTabSz="914400" rtl="0" eaLnBrk="1" latinLnBrk="0" hangingPunct="1">
+      <a:defRPr sz="1200" kern="1200">
+        <a:solidFill>
+          <a:schemeClr val="tx1"/>
+        </a:solidFill>
+        <a:latin typeface="+mn-lt"/>
+        <a:ea typeface="+mn-ea"/>
+        <a:cs typeface="+mn-cs"/>
+      </a:defRPr>
+    </a:lvl1pPr>
+    <a:lvl2pPr marL="457200" algn="l" defTabSz="914400" rtl="0" eaLnBrk="1" latinLnBrk="0" hangingPunct="1">
+      <a:defRPr sz="1200" kern="1200">
+        <a:solidFill>
+          <a:schemeClr val="tx1"/>
+        </a:solidFill>
+        <a:latin typeface="+mn-lt"/>
+        <a:ea typeface="+mn-ea"/>
+        <a:cs typeface="+mn-cs"/>
+      </a:defRPr>
+    </a:lvl2pPr>
+    <a:lvl3pPr marL="914400" algn="l" defTabSz="914400" rtl="0" eaLnBrk="1" latinLnBrk="0" hangingPunct="1">
+      <a:defRPr sz="1200" kern="1200">
+        <a:solidFill>
+          <a:schemeClr val="tx1"/>
+        </a:solidFill>
+        <a:latin typeface="+mn-lt"/>
+        <a:ea typeface="+mn-ea"/>
+        <a:cs typeface="+mn-cs"/>
+      </a:defRPr>
+    </a:lvl3pPr>
+    <a:lvl4pPr marL="1371600" algn="l" defTabSz="914400" rtl="0" eaLnBrk="1" latinLnBrk="0" hangingPunct="1">
+      <a:defRPr sz="1200" kern="1200">
+        <a:solidFill>
+          <a:schemeClr val="tx1"/>
+        </a:solidFill>
+        <a:latin typeface="+mn-lt"/>
+        <a:ea typeface="+mn-ea"/>
+        <a:cs typeface="+mn-cs"/>
+      </a:defRPr>
+    </a:lvl4pPr>
+    <a:lvl5pPr marL="1828800" algn="l" defTabSz="914400" rtl="0" eaLnBrk="1" latinLnBrk="0" hangingPunct="1">
+      <a:defRPr sz="1200" kern="1200">
+        <a:solidFill>
+          <a:schemeClr val="tx1"/>
+        </a:solidFill>
+        <a:latin typeface="+mn-lt"/>
+        <a:ea typeface="+mn-ea"/>
+        <a:cs typeface="+mn-cs"/>
+      </a:defRPr>
+    </a:lvl5pPr>
+    <a:lvl6pPr marL="2286000" algn="l" defTabSz="914400" rtl="0" eaLnBrk="1" latinLnBrk="0" hangingPunct="1">
+      <a:defRPr sz="1200" kern="1200">
+        <a:solidFill>
+          <a:schemeClr val="tx1"/>
+        </a:solidFill>
+        <a:latin typeface="+mn-lt"/>
+        <a:ea typeface="+mn-ea"/>
+        <a:cs typeface="+mn-cs"/>
+      </a:defRPr>
+    </a:lvl6pPr>
+    <a:lvl7pPr marL="2743200" algn="l" defTabSz="914400" rtl="0" eaLnBrk="1" latinLnBrk="0" hangingPunct="1">
+      <a:defRPr sz="1200" kern="1200">
+        <a:solidFill>
+          <a:schemeClr val="tx1"/>
+        </a:solidFill>
+        <a:latin typeface="+mn-lt"/>
+        <a:ea typeface="+mn-ea"/>
+        <a:cs typeface="+mn-cs"/>
+      </a:defRPr>
+    </a:lvl7pPr>
+    <a:lvl8pPr marL="3200400" algn="l" defTabSz="914400" rtl="0" eaLnBrk="1" latinLnBrk="0" hangingPunct="1">
+      <a:defRPr sz="1200" kern="1200">
+        <a:solidFill>
+          <a:schemeClr val="tx1"/>
+        </a:solidFill>
+        <a:latin typeface="+mn-lt"/>
+        <a:ea typeface="+mn-ea"/>
+        <a:cs typeface="+mn-cs"/>
+      </a:defRPr>
+    </a:lvl8pPr>
+    <a:lvl9pPr marL="3657600" algn="l" defTabSz="914400" rtl="0" eaLnBrk="1" latinLnBrk="0" hangingPunct="1">
+      <a:defRPr sz="1200" kern="1200">
+        <a:solidFill>
+          <a:schemeClr val="tx1"/>
+        </a:solidFill>
+        <a:latin typeface="+mn-lt"/>
+        <a:ea typeface="+mn-ea"/>
+        <a:cs typeface="+mn-cs"/>
+      </a:defRPr>
+    </a:lvl9pPr>
+  </p:notesStyle>
+</p:notesMaster>
+</file>
+
+<file path=ppt/notesSlides/notesSlide1.xml><?xml version="1.0" encoding="utf-8"?>
+<p:notes xmlns:a="http://schemas.openxmlformats.org/drawingml/2006/main" xmlns:r="http://schemas.openxmlformats.org/officeDocument/2006/relationships" xmlns:p="http://schemas.openxmlformats.org/presentationml/2006/main">
+  <p:cSld>
+    <p:spTree>
+      <p:nvGrpSpPr>
+        <p:cNvPr id="1" name=""/>
+        <p:cNvGrpSpPr/>
+        <p:nvPr/>
+      </p:nvGrpSpPr>
+      <p:grpSpPr>
+        <a:xfrm>
+          <a:off x="0" y="0"/>
+          <a:ext cx="0" cy="0"/>
+          <a:chOff x="0" y="0"/>
+          <a:chExt cx="0" cy="0"/>
+        </a:xfrm>
+      </p:grpSpPr>
+      <p:sp>
+        <p:nvSpPr>
+          <p:cNvPr id="2" name="Marcador de Posição da Imagem do Diapositivo 1"/>
+          <p:cNvSpPr>
+            <a:spLocks noGrp="1" noRot="1" noChangeAspect="1"/>
+          </p:cNvSpPr>
+          <p:nvPr>
+            <p:ph type="sldImg"/>
+          </p:nvPr>
+        </p:nvSpPr>
+        <p:spPr/>
+      </p:sp>
+      <p:sp>
+        <p:nvSpPr>
+          <p:cNvPr id="3" name="Marcador de Posição de Notas 2"/>
+          <p:cNvSpPr>
+            <a:spLocks noGrp="1"/>
+          </p:cNvSpPr>
+          <p:nvPr>
+            <p:ph type="body" idx="1"/>
+          </p:nvPr>
+        </p:nvSpPr>
+        <p:spPr/>
+        <p:txBody>
+          <a:bodyPr/>
+          <a:lstStyle/>
+          <a:p>
+            <a:endParaRPr lang="pt-PT" dirty="0"/>
+          </a:p>
+        </p:txBody>
+      </p:sp>
+      <p:sp>
+        <p:nvSpPr>
+          <p:cNvPr id="4" name="Marcador de Posição do Número do Diapositivo 3"/>
+          <p:cNvSpPr>
+            <a:spLocks noGrp="1"/>
+          </p:cNvSpPr>
+          <p:nvPr>
+            <p:ph type="sldNum" sz="quarter" idx="5"/>
+          </p:nvPr>
+        </p:nvSpPr>
+        <p:spPr/>
+        <p:txBody>
+          <a:bodyPr/>
+          <a:lstStyle/>
+          <a:p>
+            <a:fld id="{F4C79413-99CE-4A79-AE50-D1EE29F2FB7C}" type="slidenum">
+              <a:rPr lang="pt-PT" smtClean="0"/>
+              <a:t>6</a:t>
+            </a:fld>
+            <a:endParaRPr lang="pt-PT"/>
+          </a:p>
+        </p:txBody>
+      </p:sp>
+    </p:spTree>
+    <p:extLst>
+      <p:ext uri="{BB962C8B-B14F-4D97-AF65-F5344CB8AC3E}">
+        <p14:creationId xmlns:p14="http://schemas.microsoft.com/office/powerpoint/2010/main" val="2894549303"/>
+      </p:ext>
+    </p:extLst>
+  </p:cSld>
+  <p:clrMapOvr>
+    <a:masterClrMapping/>
+  </p:clrMapOvr>
+</p:notes>
+</file>
+
 <file path=ppt/slideLayouts/slideLayout1.xml><?xml version="1.0" encoding="utf-8"?>
 <p:sldLayout xmlns:a="http://schemas.openxmlformats.org/drawingml/2006/main" xmlns:r="http://schemas.openxmlformats.org/officeDocument/2006/relationships" xmlns:p="http://schemas.openxmlformats.org/presentationml/2006/main" type="title" preserve="1">
   <p:cSld name="Diapositivo de Título">
@@ -311,7 +744,7 @@
           <a:p>
             <a:fld id="{AC7A7699-1FF8-489F-80BC-322EFC6E40CC}" type="datetimeFigureOut">
               <a:rPr lang="en-US" smtClean="0"/>
-              <a:t>11/16/2019</a:t>
+              <a:t>1/2/2020</a:t>
             </a:fld>
             <a:endParaRPr lang="en-US"/>
           </a:p>
@@ -609,7 +1042,7 @@
           <a:p>
             <a:fld id="{AC7A7699-1FF8-489F-80BC-322EFC6E40CC}" type="datetimeFigureOut">
               <a:rPr lang="en-US" smtClean="0"/>
-              <a:t>11/16/2019</a:t>
+              <a:t>1/2/2020</a:t>
             </a:fld>
             <a:endParaRPr lang="en-US"/>
           </a:p>
@@ -801,7 +1234,7 @@
           <a:p>
             <a:fld id="{AC7A7699-1FF8-489F-80BC-322EFC6E40CC}" type="datetimeFigureOut">
               <a:rPr lang="en-US" smtClean="0"/>
-              <a:t>11/16/2019</a:t>
+              <a:t>1/2/2020</a:t>
             </a:fld>
             <a:endParaRPr lang="en-US"/>
           </a:p>
@@ -1062,7 +1495,7 @@
           <a:p>
             <a:fld id="{AC7A7699-1FF8-489F-80BC-322EFC6E40CC}" type="datetimeFigureOut">
               <a:rPr lang="en-US" smtClean="0"/>
-              <a:t>11/16/2019</a:t>
+              <a:t>1/2/2020</a:t>
             </a:fld>
             <a:endParaRPr lang="en-US"/>
           </a:p>
@@ -1486,7 +1919,7 @@
           <a:p>
             <a:fld id="{AC7A7699-1FF8-489F-80BC-322EFC6E40CC}" type="datetimeFigureOut">
               <a:rPr lang="en-US" smtClean="0"/>
-              <a:t>11/16/2019</a:t>
+              <a:t>1/2/2020</a:t>
             </a:fld>
             <a:endParaRPr lang="en-US"/>
           </a:p>
@@ -2023,7 +2456,7 @@
           <a:p>
             <a:fld id="{AC7A7699-1FF8-489F-80BC-322EFC6E40CC}" type="datetimeFigureOut">
               <a:rPr lang="en-US" smtClean="0"/>
-              <a:t>11/16/2019</a:t>
+              <a:t>1/2/2020</a:t>
             </a:fld>
             <a:endParaRPr lang="en-US"/>
           </a:p>
@@ -2887,7 +3320,7 @@
           <a:p>
             <a:fld id="{AC7A7699-1FF8-489F-80BC-322EFC6E40CC}" type="datetimeFigureOut">
               <a:rPr lang="en-US" smtClean="0"/>
-              <a:t>11/16/2019</a:t>
+              <a:t>1/2/2020</a:t>
             </a:fld>
             <a:endParaRPr lang="en-US"/>
           </a:p>
@@ -3057,7 +3490,7 @@
           <a:p>
             <a:fld id="{AC7A7699-1FF8-489F-80BC-322EFC6E40CC}" type="datetimeFigureOut">
               <a:rPr lang="en-US" smtClean="0"/>
-              <a:t>11/16/2019</a:t>
+              <a:t>1/2/2020</a:t>
             </a:fld>
             <a:endParaRPr lang="en-US"/>
           </a:p>
@@ -3241,7 +3674,7 @@
           <a:p>
             <a:fld id="{AC7A7699-1FF8-489F-80BC-322EFC6E40CC}" type="datetimeFigureOut">
               <a:rPr lang="en-US" smtClean="0"/>
-              <a:t>11/16/2019</a:t>
+              <a:t>1/2/2020</a:t>
             </a:fld>
             <a:endParaRPr lang="en-US"/>
           </a:p>
@@ -3411,7 +3844,7 @@
           <a:p>
             <a:fld id="{AC7A7699-1FF8-489F-80BC-322EFC6E40CC}" type="datetimeFigureOut">
               <a:rPr lang="en-US" smtClean="0"/>
-              <a:t>11/16/2019</a:t>
+              <a:t>1/2/2020</a:t>
             </a:fld>
             <a:endParaRPr lang="en-US"/>
           </a:p>
@@ -3655,7 +4088,7 @@
           <a:p>
             <a:fld id="{AC7A7699-1FF8-489F-80BC-322EFC6E40CC}" type="datetimeFigureOut">
               <a:rPr lang="en-US" smtClean="0"/>
-              <a:t>11/16/2019</a:t>
+              <a:t>1/2/2020</a:t>
             </a:fld>
             <a:endParaRPr lang="en-US"/>
           </a:p>
@@ -3891,7 +4324,7 @@
           <a:p>
             <a:fld id="{AC7A7699-1FF8-489F-80BC-322EFC6E40CC}" type="datetimeFigureOut">
               <a:rPr lang="en-US" smtClean="0"/>
-              <a:t>11/16/2019</a:t>
+              <a:t>1/2/2020</a:t>
             </a:fld>
             <a:endParaRPr lang="en-US"/>
           </a:p>
@@ -4357,7 +4790,7 @@
           <a:p>
             <a:fld id="{AC7A7699-1FF8-489F-80BC-322EFC6E40CC}" type="datetimeFigureOut">
               <a:rPr lang="en-US" smtClean="0"/>
-              <a:t>11/16/2019</a:t>
+              <a:t>1/2/2020</a:t>
             </a:fld>
             <a:endParaRPr lang="en-US"/>
           </a:p>
@@ -4475,7 +4908,7 @@
           <a:p>
             <a:fld id="{AC7A7699-1FF8-489F-80BC-322EFC6E40CC}" type="datetimeFigureOut">
               <a:rPr lang="en-US" smtClean="0"/>
-              <a:t>11/16/2019</a:t>
+              <a:t>1/2/2020</a:t>
             </a:fld>
             <a:endParaRPr lang="en-US"/>
           </a:p>
@@ -4570,7 +5003,7 @@
           <a:p>
             <a:fld id="{AC7A7699-1FF8-489F-80BC-322EFC6E40CC}" type="datetimeFigureOut">
               <a:rPr lang="en-US" smtClean="0"/>
-              <a:t>11/16/2019</a:t>
+              <a:t>1/2/2020</a:t>
             </a:fld>
             <a:endParaRPr lang="en-US"/>
           </a:p>
@@ -4825,7 +5258,7 @@
           <a:p>
             <a:fld id="{AC7A7699-1FF8-489F-80BC-322EFC6E40CC}" type="datetimeFigureOut">
               <a:rPr lang="en-US" smtClean="0"/>
-              <a:t>11/16/2019</a:t>
+              <a:t>1/2/2020</a:t>
             </a:fld>
             <a:endParaRPr lang="en-US"/>
           </a:p>
@@ -5125,7 +5558,7 @@
           <a:p>
             <a:fld id="{AC7A7699-1FF8-489F-80BC-322EFC6E40CC}" type="datetimeFigureOut">
               <a:rPr lang="en-US" smtClean="0"/>
-              <a:t>11/16/2019</a:t>
+              <a:t>1/2/2020</a:t>
             </a:fld>
             <a:endParaRPr lang="en-US"/>
           </a:p>
@@ -5359,7 +5792,7 @@
           <a:p>
             <a:fld id="{AC7A7699-1FF8-489F-80BC-322EFC6E40CC}" type="datetimeFigureOut">
               <a:rPr lang="en-US" smtClean="0"/>
-              <a:t>11/16/2019</a:t>
+              <a:t>1/2/2020</a:t>
             </a:fld>
             <a:endParaRPr lang="en-US"/>
           </a:p>
@@ -6161,7 +6594,7 @@
           <p:cNvPr id="2" name="Título 1">
             <a:extLst>
               <a:ext uri="{FF2B5EF4-FFF2-40B4-BE49-F238E27FC236}">
-                <a16:creationId xmlns:a16="http://schemas.microsoft.com/office/drawing/2014/main" id="{0FAD64EA-43B4-44DC-ACFD-1095DB9DDE5C}"/>
+                <a16:creationId xmlns:a16="http://schemas.microsoft.com/office/drawing/2014/main" id="{CD0DA318-3968-4201-8CF9-DC5C0B34D7CA}"/>
               </a:ext>
             </a:extLst>
           </p:cNvPr>
@@ -6177,9 +6610,10 @@
           <a:bodyPr/>
           <a:lstStyle/>
           <a:p>
+            <a:pPr algn="l"/>
             <a:r>
               <a:rPr lang="pt-PT" dirty="0"/>
-              <a:t>Funcionalidades Implementadas</a:t>
+              <a:t>Funcionalidade em Destaque</a:t>
             </a:r>
           </a:p>
         </p:txBody>
@@ -6189,7 +6623,7 @@
           <p:cNvPr id="3" name="Marcador de Posição de Conteúdo 2">
             <a:extLst>
               <a:ext uri="{FF2B5EF4-FFF2-40B4-BE49-F238E27FC236}">
-                <a16:creationId xmlns:a16="http://schemas.microsoft.com/office/drawing/2014/main" id="{B624AF00-5928-47B2-BD5D-4BD3D085C2C7}"/>
+                <a16:creationId xmlns:a16="http://schemas.microsoft.com/office/drawing/2014/main" id="{B080F173-EE68-4C1D-9A76-068EECEDBAA4}"/>
               </a:ext>
             </a:extLst>
           </p:cNvPr>
@@ -6205,47 +6639,86 @@
           <a:bodyPr/>
           <a:lstStyle/>
           <a:p>
+            <a:pPr algn="just"/>
             <a:r>
               <a:rPr lang="pt-PT" dirty="0"/>
-              <a:t>Como já referido anteriormente, foram implementadas no programa todas as funcionalidades que permitem adição, remoção e edição de objetos das classes </a:t>
+              <a:t>Uma das funcionalidades extra (não exigidas pelo enunciado do problema), é o horário de trabalho dos funcionários e dos serviços de transporte, que têm que coincidir para que o serviço de transporte seja bem sucedido, isto é, para que um serviço de transporte se possa realizar, é necessário que exista pelo menos um motorista devidamente preparado, cujo horário de trabalho abranja o horário marcado para o serviço de transporte. Caso isto não aconteça, é lançada a exceção </a:t>
             </a:r>
             <a:r>
               <a:rPr lang="pt-PT" dirty="0" err="1"/>
-              <a:t>Camiao</a:t>
+              <a:t>MotoristasIndisponiveis</a:t>
             </a:r>
             <a:r>
               <a:rPr lang="pt-PT" dirty="0"/>
-              <a:t>, Cliente, </a:t>
-            </a:r>
-            <a:r>
-              <a:rPr lang="pt-PT" dirty="0" err="1"/>
-              <a:t>ServicoTransporte</a:t>
-            </a:r>
-            <a:r>
-              <a:rPr lang="pt-PT" dirty="0"/>
-              <a:t> e Motorista.</a:t>
-            </a:r>
-          </a:p>
-          <a:p>
-            <a:r>
-              <a:rPr lang="pt-PT" dirty="0"/>
-              <a:t>Para além disso, é possível também visualizar toda a informação da empresa: acerca dos seus clientes, motoristas e camiões (</a:t>
-            </a:r>
-            <a:r>
-              <a:rPr lang="pt-PT" dirty="0" err="1"/>
-              <a:t>overload</a:t>
-            </a:r>
-            <a:r>
-              <a:rPr lang="pt-PT" dirty="0"/>
-              <a:t> dos operadores de extração), bem como a informação financeira (mensal) da empresa.</a:t>
-            </a:r>
-          </a:p>
-        </p:txBody>
-      </p:sp>
+              <a:t>.</a:t>
+            </a:r>
+          </a:p>
+        </p:txBody>
+      </p:sp>
+      <p:pic>
+        <p:nvPicPr>
+          <p:cNvPr id="4" name="Imagem 3">
+            <a:extLst>
+              <a:ext uri="{FF2B5EF4-FFF2-40B4-BE49-F238E27FC236}">
+                <a16:creationId xmlns:a16="http://schemas.microsoft.com/office/drawing/2014/main" id="{D543CAE2-134B-40BA-8357-9E52BD6098A5}"/>
+              </a:ext>
+            </a:extLst>
+          </p:cNvPr>
+          <p:cNvPicPr>
+            <a:picLocks noChangeAspect="1"/>
+          </p:cNvPicPr>
+          <p:nvPr/>
+        </p:nvPicPr>
+        <p:blipFill>
+          <a:blip r:embed="rId2"/>
+          <a:stretch>
+            <a:fillRect/>
+          </a:stretch>
+        </p:blipFill>
+        <p:spPr>
+          <a:xfrm>
+            <a:off x="1143037" y="4192466"/>
+            <a:ext cx="4344372" cy="1498059"/>
+          </a:xfrm>
+          <a:prstGeom prst="rect">
+            <a:avLst/>
+          </a:prstGeom>
+        </p:spPr>
+      </p:pic>
+      <p:pic>
+        <p:nvPicPr>
+          <p:cNvPr id="5" name="Imagem 4">
+            <a:extLst>
+              <a:ext uri="{FF2B5EF4-FFF2-40B4-BE49-F238E27FC236}">
+                <a16:creationId xmlns:a16="http://schemas.microsoft.com/office/drawing/2014/main" id="{D213EB43-F017-4487-ABC3-BCB7224665C1}"/>
+              </a:ext>
+            </a:extLst>
+          </p:cNvPr>
+          <p:cNvPicPr>
+            <a:picLocks noChangeAspect="1"/>
+          </p:cNvPicPr>
+          <p:nvPr/>
+        </p:nvPicPr>
+        <p:blipFill>
+          <a:blip r:embed="rId3"/>
+          <a:stretch>
+            <a:fillRect/>
+          </a:stretch>
+        </p:blipFill>
+        <p:spPr>
+          <a:xfrm>
+            <a:off x="6391387" y="4192466"/>
+            <a:ext cx="4801016" cy="1699407"/>
+          </a:xfrm>
+          <a:prstGeom prst="rect">
+            <a:avLst/>
+          </a:prstGeom>
+        </p:spPr>
+      </p:pic>
     </p:spTree>
     <p:extLst>
       <p:ext uri="{BB962C8B-B14F-4D97-AF65-F5344CB8AC3E}">
-        <p14:creationId xmlns:p14="http://schemas.microsoft.com/office/powerpoint/2010/main" val="2385203287"/>
+        <p14:creationId xmlns:p14="http://schemas.microsoft.com/office/powerpoint/2010/main" val="700172078"/>
       </p:ext>
     </p:extLst>
   </p:cSld>
@@ -6277,7 +6750,7 @@
           <p:cNvPr id="2" name="Título 1">
             <a:extLst>
               <a:ext uri="{FF2B5EF4-FFF2-40B4-BE49-F238E27FC236}">
-                <a16:creationId xmlns:a16="http://schemas.microsoft.com/office/drawing/2014/main" id="{EF1D8FB9-AD72-4842-AADB-02BBD8866358}"/>
+                <a16:creationId xmlns:a16="http://schemas.microsoft.com/office/drawing/2014/main" id="{A2C31183-EE6C-4F02-BCCE-B5F7CC0DDD46}"/>
               </a:ext>
             </a:extLst>
           </p:cNvPr>
@@ -6293,9 +6766,10 @@
           <a:bodyPr/>
           <a:lstStyle/>
           <a:p>
+            <a:pPr algn="l"/>
             <a:r>
               <a:rPr lang="pt-PT" dirty="0"/>
-              <a:t>Objetivos Globais</a:t>
+              <a:t>Principais Dificuldades</a:t>
             </a:r>
           </a:p>
         </p:txBody>
@@ -6305,7 +6779,7 @@
           <p:cNvPr id="3" name="Marcador de Posição de Conteúdo 2">
             <a:extLst>
               <a:ext uri="{FF2B5EF4-FFF2-40B4-BE49-F238E27FC236}">
-                <a16:creationId xmlns:a16="http://schemas.microsoft.com/office/drawing/2014/main" id="{645AB9E9-AD6F-45E8-AA0A-A4A1FC15B1EA}"/>
+                <a16:creationId xmlns:a16="http://schemas.microsoft.com/office/drawing/2014/main" id="{21B612F9-37F6-42C6-B407-01D31B1F702F}"/>
               </a:ext>
             </a:extLst>
           </p:cNvPr>
@@ -6321,10 +6795,37 @@
           <a:bodyPr/>
           <a:lstStyle/>
           <a:p>
+            <a:pPr algn="just"/>
             <a:r>
               <a:rPr lang="pt-PT" dirty="0"/>
-              <a:t>Relativamente aos objetivos do projeto no geral, consideramos que estes foram cumpridos, dado que se encontram funcionais no programa, sendo assim possível ao utilizador realizar operações de CRUD.</a:t>
-            </a:r>
+              <a:t>Ao longo do projeto, foram surgindo diversos erros e bugs.</a:t>
+            </a:r>
+          </a:p>
+          <a:p>
+            <a:pPr algn="just"/>
+            <a:r>
+              <a:rPr lang="pt-PT" dirty="0"/>
+              <a:t>Um dos principais problemas foi o acesso a informações específicas de cada classe derivada de </a:t>
+            </a:r>
+            <a:r>
+              <a:rPr lang="pt-PT" dirty="0" err="1"/>
+              <a:t>Camiao</a:t>
+            </a:r>
+            <a:r>
+              <a:rPr lang="pt-PT" dirty="0"/>
+              <a:t>, quando acedíamos a esse objeto através do vetor de apontadores de camiões. A solução encontrada foi o uso do </a:t>
+            </a:r>
+            <a:r>
+              <a:rPr lang="pt-PT" dirty="0" err="1"/>
+              <a:t>dynamic_cast</a:t>
+            </a:r>
+            <a:r>
+              <a:rPr lang="pt-PT" dirty="0"/>
+              <a:t>.</a:t>
+            </a:r>
+          </a:p>
+          <a:p>
+            <a:endParaRPr lang="pt-PT" dirty="0"/>
           </a:p>
         </p:txBody>
       </p:sp>
@@ -6333,7 +6834,7 @@
           <p:cNvPr id="4" name="Imagem 3">
             <a:extLst>
               <a:ext uri="{FF2B5EF4-FFF2-40B4-BE49-F238E27FC236}">
-                <a16:creationId xmlns:a16="http://schemas.microsoft.com/office/drawing/2014/main" id="{428F22BE-98DC-4156-9A9A-8B75A19C2535}"/>
+                <a16:creationId xmlns:a16="http://schemas.microsoft.com/office/drawing/2014/main" id="{107F79EF-4541-4ECF-9DDE-FB5C55D4CC0A}"/>
               </a:ext>
             </a:extLst>
           </p:cNvPr>
@@ -6350,18 +6851,107 @@
         </p:blipFill>
         <p:spPr>
           <a:xfrm>
-            <a:off x="6090676" y="3539924"/>
-            <a:ext cx="3734124" cy="1638442"/>
+            <a:off x="6575035" y="3428999"/>
+            <a:ext cx="4977240" cy="1678459"/>
           </a:xfrm>
           <a:prstGeom prst="rect">
             <a:avLst/>
           </a:prstGeom>
         </p:spPr>
       </p:pic>
+      <p:sp>
+        <p:nvSpPr>
+          <p:cNvPr id="5" name="CaixaDeTexto 4">
+            <a:extLst>
+              <a:ext uri="{FF2B5EF4-FFF2-40B4-BE49-F238E27FC236}">
+                <a16:creationId xmlns:a16="http://schemas.microsoft.com/office/drawing/2014/main" id="{7CF76C95-806B-4BE9-AC19-E4358BE27A5A}"/>
+              </a:ext>
+            </a:extLst>
+          </p:cNvPr>
+          <p:cNvSpPr txBox="1"/>
+          <p:nvPr/>
+        </p:nvSpPr>
+        <p:spPr>
+          <a:xfrm>
+            <a:off x="1035270" y="3307724"/>
+            <a:ext cx="5055406" cy="2862322"/>
+          </a:xfrm>
+          <a:prstGeom prst="rect">
+            <a:avLst/>
+          </a:prstGeom>
+          <a:noFill/>
+        </p:spPr>
+        <p:txBody>
+          <a:bodyPr wrap="square" rtlCol="0">
+            <a:spAutoFit/>
+          </a:bodyPr>
+          <a:lstStyle/>
+          <a:p>
+            <a:pPr marL="342900" indent="-342900" algn="just">
+              <a:buFont typeface="Arial" panose="020B0604020202020204" pitchFamily="34" charset="0"/>
+              <a:buChar char="•"/>
+            </a:pPr>
+            <a:r>
+              <a:rPr lang="pt-PT" sz="2000" dirty="0">
+                <a:ln>
+                  <a:solidFill>
+                    <a:schemeClr val="bg1">
+                      <a:lumMod val="75000"/>
+                      <a:lumOff val="25000"/>
+                      <a:alpha val="10000"/>
+                    </a:schemeClr>
+                  </a:solidFill>
+                </a:ln>
+                <a:solidFill>
+                  <a:schemeClr val="tx2"/>
+                </a:solidFill>
+                <a:effectLst>
+                  <a:outerShdw blurRad="9525" dist="25400" dir="14640000" algn="tl" rotWithShape="0">
+                    <a:schemeClr val="bg1">
+                      <a:alpha val="30000"/>
+                    </a:schemeClr>
+                  </a:outerShdw>
+                </a:effectLst>
+              </a:rPr>
+              <a:t>Outra dificuldade encontrada foi a organização e distribuição da informação nos ficheiros de texto.</a:t>
+            </a:r>
+          </a:p>
+          <a:p>
+            <a:pPr marL="342900" indent="-342900" algn="just">
+              <a:buFont typeface="Arial" panose="020B0604020202020204" pitchFamily="34" charset="0"/>
+              <a:buChar char="•"/>
+            </a:pPr>
+            <a:r>
+              <a:rPr lang="pt-PT" sz="2000" dirty="0">
+                <a:ln>
+                  <a:solidFill>
+                    <a:schemeClr val="bg1">
+                      <a:lumMod val="75000"/>
+                      <a:lumOff val="25000"/>
+                      <a:alpha val="10000"/>
+                    </a:schemeClr>
+                  </a:solidFill>
+                </a:ln>
+                <a:solidFill>
+                  <a:schemeClr val="tx2"/>
+                </a:solidFill>
+                <a:effectLst>
+                  <a:outerShdw blurRad="9525" dist="25400" dir="14640000" algn="tl" rotWithShape="0">
+                    <a:schemeClr val="bg1">
+                      <a:alpha val="30000"/>
+                    </a:schemeClr>
+                  </a:outerShdw>
+                </a:effectLst>
+              </a:rPr>
+              <a:t>Para além disso, o enunciado parecia-nos um pouco vago, o que acabou por nos dar mais liberdade no desenvolvimento do projeto, mas que, no início, nos deixou um pouco confusos sobre como deveriam ser implementados diversos objetivos.</a:t>
+            </a:r>
+          </a:p>
+        </p:txBody>
+      </p:sp>
     </p:spTree>
     <p:extLst>
       <p:ext uri="{BB962C8B-B14F-4D97-AF65-F5344CB8AC3E}">
-        <p14:creationId xmlns:p14="http://schemas.microsoft.com/office/powerpoint/2010/main" val="614668911"/>
+        <p14:creationId xmlns:p14="http://schemas.microsoft.com/office/powerpoint/2010/main" val="2492074555"/>
       </p:ext>
     </p:extLst>
   </p:cSld>
@@ -6393,326 +6983,6 @@
           <p:cNvPr id="2" name="Título 1">
             <a:extLst>
               <a:ext uri="{FF2B5EF4-FFF2-40B4-BE49-F238E27FC236}">
-                <a16:creationId xmlns:a16="http://schemas.microsoft.com/office/drawing/2014/main" id="{CD0DA318-3968-4201-8CF9-DC5C0B34D7CA}"/>
-              </a:ext>
-            </a:extLst>
-          </p:cNvPr>
-          <p:cNvSpPr>
-            <a:spLocks noGrp="1"/>
-          </p:cNvSpPr>
-          <p:nvPr>
-            <p:ph type="title"/>
-          </p:nvPr>
-        </p:nvSpPr>
-        <p:spPr/>
-        <p:txBody>
-          <a:bodyPr/>
-          <a:lstStyle/>
-          <a:p>
-            <a:r>
-              <a:rPr lang="pt-PT" dirty="0"/>
-              <a:t>Funcionalidade em Destaque</a:t>
-            </a:r>
-          </a:p>
-        </p:txBody>
-      </p:sp>
-      <p:sp>
-        <p:nvSpPr>
-          <p:cNvPr id="3" name="Marcador de Posição de Conteúdo 2">
-            <a:extLst>
-              <a:ext uri="{FF2B5EF4-FFF2-40B4-BE49-F238E27FC236}">
-                <a16:creationId xmlns:a16="http://schemas.microsoft.com/office/drawing/2014/main" id="{B080F173-EE68-4C1D-9A76-068EECEDBAA4}"/>
-              </a:ext>
-            </a:extLst>
-          </p:cNvPr>
-          <p:cNvSpPr>
-            <a:spLocks noGrp="1"/>
-          </p:cNvSpPr>
-          <p:nvPr>
-            <p:ph idx="1"/>
-          </p:nvPr>
-        </p:nvSpPr>
-        <p:spPr/>
-        <p:txBody>
-          <a:bodyPr/>
-          <a:lstStyle/>
-          <a:p>
-            <a:r>
-              <a:rPr lang="pt-PT" dirty="0"/>
-              <a:t>Uma das funcionalidades extra (não exigidas pelo enunciado do problema), é o horário de trabalho dos funcionários e dos serviços de transporte, que têm que coincidir para que o serviço de transporte seja bem sucedido, isto é, para que um serviço de transporte se possa realizar, é necessário que exista pelo menos um motorista devidamente preparado, cujo horário de trabalho abranja o horário marcado para o serviço de transporte. Caso isto não aconteça, é lançada a exceção </a:t>
-            </a:r>
-            <a:r>
-              <a:rPr lang="pt-PT" dirty="0" err="1"/>
-              <a:t>MotoristasIndisponiveis</a:t>
-            </a:r>
-            <a:r>
-              <a:rPr lang="pt-PT" dirty="0"/>
-              <a:t>.</a:t>
-            </a:r>
-          </a:p>
-        </p:txBody>
-      </p:sp>
-      <p:pic>
-        <p:nvPicPr>
-          <p:cNvPr id="4" name="Imagem 3">
-            <a:extLst>
-              <a:ext uri="{FF2B5EF4-FFF2-40B4-BE49-F238E27FC236}">
-                <a16:creationId xmlns:a16="http://schemas.microsoft.com/office/drawing/2014/main" id="{D543CAE2-134B-40BA-8357-9E52BD6098A5}"/>
-              </a:ext>
-            </a:extLst>
-          </p:cNvPr>
-          <p:cNvPicPr>
-            <a:picLocks noChangeAspect="1"/>
-          </p:cNvPicPr>
-          <p:nvPr/>
-        </p:nvPicPr>
-        <p:blipFill>
-          <a:blip r:embed="rId2"/>
-          <a:stretch>
-            <a:fillRect/>
-          </a:stretch>
-        </p:blipFill>
-        <p:spPr>
-          <a:xfrm>
-            <a:off x="6718001" y="4445540"/>
-            <a:ext cx="4344372" cy="1498059"/>
-          </a:xfrm>
-          <a:prstGeom prst="rect">
-            <a:avLst/>
-          </a:prstGeom>
-        </p:spPr>
-      </p:pic>
-    </p:spTree>
-    <p:extLst>
-      <p:ext uri="{BB962C8B-B14F-4D97-AF65-F5344CB8AC3E}">
-        <p14:creationId xmlns:p14="http://schemas.microsoft.com/office/powerpoint/2010/main" val="700172078"/>
-      </p:ext>
-    </p:extLst>
-  </p:cSld>
-  <p:clrMapOvr>
-    <a:masterClrMapping/>
-  </p:clrMapOvr>
-</p:sld>
-</file>
-
-<file path=ppt/slides/slide13.xml><?xml version="1.0" encoding="utf-8"?>
-<p:sld xmlns:a="http://schemas.openxmlformats.org/drawingml/2006/main" xmlns:r="http://schemas.openxmlformats.org/officeDocument/2006/relationships" xmlns:p="http://schemas.openxmlformats.org/presentationml/2006/main">
-  <p:cSld>
-    <p:spTree>
-      <p:nvGrpSpPr>
-        <p:cNvPr id="1" name=""/>
-        <p:cNvGrpSpPr/>
-        <p:nvPr/>
-      </p:nvGrpSpPr>
-      <p:grpSpPr>
-        <a:xfrm>
-          <a:off x="0" y="0"/>
-          <a:ext cx="0" cy="0"/>
-          <a:chOff x="0" y="0"/>
-          <a:chExt cx="0" cy="0"/>
-        </a:xfrm>
-      </p:grpSpPr>
-      <p:sp>
-        <p:nvSpPr>
-          <p:cNvPr id="2" name="Título 1">
-            <a:extLst>
-              <a:ext uri="{FF2B5EF4-FFF2-40B4-BE49-F238E27FC236}">
-                <a16:creationId xmlns:a16="http://schemas.microsoft.com/office/drawing/2014/main" id="{A2C31183-EE6C-4F02-BCCE-B5F7CC0DDD46}"/>
-              </a:ext>
-            </a:extLst>
-          </p:cNvPr>
-          <p:cNvSpPr>
-            <a:spLocks noGrp="1"/>
-          </p:cNvSpPr>
-          <p:nvPr>
-            <p:ph type="title"/>
-          </p:nvPr>
-        </p:nvSpPr>
-        <p:spPr/>
-        <p:txBody>
-          <a:bodyPr/>
-          <a:lstStyle/>
-          <a:p>
-            <a:r>
-              <a:rPr lang="pt-PT" dirty="0"/>
-              <a:t>Principais Dificuldades</a:t>
-            </a:r>
-          </a:p>
-        </p:txBody>
-      </p:sp>
-      <p:sp>
-        <p:nvSpPr>
-          <p:cNvPr id="3" name="Marcador de Posição de Conteúdo 2">
-            <a:extLst>
-              <a:ext uri="{FF2B5EF4-FFF2-40B4-BE49-F238E27FC236}">
-                <a16:creationId xmlns:a16="http://schemas.microsoft.com/office/drawing/2014/main" id="{21B612F9-37F6-42C6-B407-01D31B1F702F}"/>
-              </a:ext>
-            </a:extLst>
-          </p:cNvPr>
-          <p:cNvSpPr>
-            <a:spLocks noGrp="1"/>
-          </p:cNvSpPr>
-          <p:nvPr>
-            <p:ph idx="1"/>
-          </p:nvPr>
-        </p:nvSpPr>
-        <p:spPr/>
-        <p:txBody>
-          <a:bodyPr/>
-          <a:lstStyle/>
-          <a:p>
-            <a:r>
-              <a:rPr lang="pt-PT" dirty="0"/>
-              <a:t>Ao longo do projeto, foram surgindo diversos erros e bugs.</a:t>
-            </a:r>
-          </a:p>
-          <a:p>
-            <a:r>
-              <a:rPr lang="pt-PT" dirty="0"/>
-              <a:t>Um dos principais problemas foi o acesso a informações específicas de cada classe derivada de </a:t>
-            </a:r>
-            <a:r>
-              <a:rPr lang="pt-PT" dirty="0" err="1"/>
-              <a:t>Camiao</a:t>
-            </a:r>
-            <a:r>
-              <a:rPr lang="pt-PT" dirty="0"/>
-              <a:t>, quando acedíamos a esse objeto através do vetor de apontadores de camiões. A solução encontrada foi o uso do </a:t>
-            </a:r>
-            <a:r>
-              <a:rPr lang="pt-PT" dirty="0" err="1"/>
-              <a:t>dynamic_cast</a:t>
-            </a:r>
-            <a:r>
-              <a:rPr lang="pt-PT" dirty="0"/>
-              <a:t>.</a:t>
-            </a:r>
-          </a:p>
-          <a:p>
-            <a:endParaRPr lang="pt-PT" dirty="0"/>
-          </a:p>
-        </p:txBody>
-      </p:sp>
-      <p:pic>
-        <p:nvPicPr>
-          <p:cNvPr id="4" name="Imagem 3">
-            <a:extLst>
-              <a:ext uri="{FF2B5EF4-FFF2-40B4-BE49-F238E27FC236}">
-                <a16:creationId xmlns:a16="http://schemas.microsoft.com/office/drawing/2014/main" id="{107F79EF-4541-4ECF-9DDE-FB5C55D4CC0A}"/>
-              </a:ext>
-            </a:extLst>
-          </p:cNvPr>
-          <p:cNvPicPr>
-            <a:picLocks noChangeAspect="1"/>
-          </p:cNvPicPr>
-          <p:nvPr/>
-        </p:nvPicPr>
-        <p:blipFill>
-          <a:blip r:embed="rId2"/>
-          <a:stretch>
-            <a:fillRect/>
-          </a:stretch>
-        </p:blipFill>
-        <p:spPr>
-          <a:xfrm>
-            <a:off x="7192651" y="3429000"/>
-            <a:ext cx="4359623" cy="1470182"/>
-          </a:xfrm>
-          <a:prstGeom prst="rect">
-            <a:avLst/>
-          </a:prstGeom>
-        </p:spPr>
-      </p:pic>
-      <p:sp>
-        <p:nvSpPr>
-          <p:cNvPr id="5" name="CaixaDeTexto 4">
-            <a:extLst>
-              <a:ext uri="{FF2B5EF4-FFF2-40B4-BE49-F238E27FC236}">
-                <a16:creationId xmlns:a16="http://schemas.microsoft.com/office/drawing/2014/main" id="{7CF76C95-806B-4BE9-AC19-E4358BE27A5A}"/>
-              </a:ext>
-            </a:extLst>
-          </p:cNvPr>
-          <p:cNvSpPr txBox="1"/>
-          <p:nvPr/>
-        </p:nvSpPr>
-        <p:spPr>
-          <a:xfrm>
-            <a:off x="1234911" y="3619893"/>
-            <a:ext cx="5401559" cy="1015663"/>
-          </a:xfrm>
-          <a:prstGeom prst="rect">
-            <a:avLst/>
-          </a:prstGeom>
-          <a:noFill/>
-        </p:spPr>
-        <p:txBody>
-          <a:bodyPr wrap="square" rtlCol="0">
-            <a:spAutoFit/>
-          </a:bodyPr>
-          <a:lstStyle/>
-          <a:p>
-            <a:r>
-              <a:rPr lang="pt-PT" sz="2000" dirty="0">
-                <a:ln>
-                  <a:solidFill>
-                    <a:schemeClr val="bg1">
-                      <a:lumMod val="75000"/>
-                      <a:lumOff val="25000"/>
-                      <a:alpha val="10000"/>
-                    </a:schemeClr>
-                  </a:solidFill>
-                </a:ln>
-                <a:solidFill>
-                  <a:schemeClr val="tx2"/>
-                </a:solidFill>
-                <a:effectLst>
-                  <a:outerShdw blurRad="9525" dist="25400" dir="14640000" algn="tl" rotWithShape="0">
-                    <a:schemeClr val="bg1">
-                      <a:alpha val="30000"/>
-                    </a:schemeClr>
-                  </a:outerShdw>
-                </a:effectLst>
-              </a:rPr>
-              <a:t>Outra dificuldade encontrada foi a organização e distribuição da informação nos ficheiros de texto.</a:t>
-            </a:r>
-          </a:p>
-        </p:txBody>
-      </p:sp>
-    </p:spTree>
-    <p:extLst>
-      <p:ext uri="{BB962C8B-B14F-4D97-AF65-F5344CB8AC3E}">
-        <p14:creationId xmlns:p14="http://schemas.microsoft.com/office/powerpoint/2010/main" val="2492074555"/>
-      </p:ext>
-    </p:extLst>
-  </p:cSld>
-  <p:clrMapOvr>
-    <a:masterClrMapping/>
-  </p:clrMapOvr>
-</p:sld>
-</file>
-
-<file path=ppt/slides/slide14.xml><?xml version="1.0" encoding="utf-8"?>
-<p:sld xmlns:a="http://schemas.openxmlformats.org/drawingml/2006/main" xmlns:r="http://schemas.openxmlformats.org/officeDocument/2006/relationships" xmlns:p="http://schemas.openxmlformats.org/presentationml/2006/main">
-  <p:cSld>
-    <p:spTree>
-      <p:nvGrpSpPr>
-        <p:cNvPr id="1" name=""/>
-        <p:cNvGrpSpPr/>
-        <p:nvPr/>
-      </p:nvGrpSpPr>
-      <p:grpSpPr>
-        <a:xfrm>
-          <a:off x="0" y="0"/>
-          <a:ext cx="0" cy="0"/>
-          <a:chOff x="0" y="0"/>
-          <a:chExt cx="0" cy="0"/>
-        </a:xfrm>
-      </p:grpSpPr>
-      <p:sp>
-        <p:nvSpPr>
-          <p:cNvPr id="2" name="Título 1">
-            <a:extLst>
-              <a:ext uri="{FF2B5EF4-FFF2-40B4-BE49-F238E27FC236}">
                 <a16:creationId xmlns:a16="http://schemas.microsoft.com/office/drawing/2014/main" id="{7B59CF01-BF46-4991-BF97-F142CA6D5993}"/>
               </a:ext>
             </a:extLst>
@@ -6729,6 +6999,7 @@
           <a:bodyPr/>
           <a:lstStyle/>
           <a:p>
+            <a:pPr algn="l"/>
             <a:r>
               <a:rPr lang="pt-PT" dirty="0"/>
               <a:t>Participação dos elementos do grupo</a:t>
@@ -6757,6 +7028,7 @@
           <a:bodyPr/>
           <a:lstStyle/>
           <a:p>
+            <a:pPr algn="just"/>
             <a:r>
               <a:rPr lang="pt-PT" dirty="0"/>
               <a:t>Durante a realização do projeto, conseguimos estabelecer uma organização adequada, de modo que todos os elementos do grupo contribuíram de igual forma para o resultado final alcançado.</a:t>
@@ -6768,300 +7040,6 @@
     <p:extLst>
       <p:ext uri="{BB962C8B-B14F-4D97-AF65-F5344CB8AC3E}">
         <p14:creationId xmlns:p14="http://schemas.microsoft.com/office/powerpoint/2010/main" val="1009568702"/>
-      </p:ext>
-    </p:extLst>
-  </p:cSld>
-  <p:clrMapOvr>
-    <a:masterClrMapping/>
-  </p:clrMapOvr>
-</p:sld>
-</file>
-
-<file path=ppt/slides/slide15.xml><?xml version="1.0" encoding="utf-8"?>
-<p:sld xmlns:a="http://schemas.openxmlformats.org/drawingml/2006/main" xmlns:r="http://schemas.openxmlformats.org/officeDocument/2006/relationships" xmlns:p="http://schemas.openxmlformats.org/presentationml/2006/main">
-  <p:cSld>
-    <p:spTree>
-      <p:nvGrpSpPr>
-        <p:cNvPr id="1" name=""/>
-        <p:cNvGrpSpPr/>
-        <p:nvPr/>
-      </p:nvGrpSpPr>
-      <p:grpSpPr>
-        <a:xfrm>
-          <a:off x="0" y="0"/>
-          <a:ext cx="0" cy="0"/>
-          <a:chOff x="0" y="0"/>
-          <a:chExt cx="0" cy="0"/>
-        </a:xfrm>
-      </p:grpSpPr>
-      <p:sp>
-        <p:nvSpPr>
-          <p:cNvPr id="2" name="Título 1">
-            <a:extLst>
-              <a:ext uri="{FF2B5EF4-FFF2-40B4-BE49-F238E27FC236}">
-                <a16:creationId xmlns:a16="http://schemas.microsoft.com/office/drawing/2014/main" id="{05BABEE3-4BA3-4573-9CBB-8EBB1E61DC05}"/>
-              </a:ext>
-            </a:extLst>
-          </p:cNvPr>
-          <p:cNvSpPr>
-            <a:spLocks noGrp="1"/>
-          </p:cNvSpPr>
-          <p:nvPr>
-            <p:ph type="title"/>
-          </p:nvPr>
-        </p:nvSpPr>
-        <p:spPr/>
-        <p:txBody>
-          <a:bodyPr/>
-          <a:lstStyle/>
-          <a:p>
-            <a:r>
-              <a:rPr lang="pt-PT" dirty="0"/>
-              <a:t>Outras funcionalidades</a:t>
-            </a:r>
-          </a:p>
-        </p:txBody>
-      </p:sp>
-      <p:pic>
-        <p:nvPicPr>
-          <p:cNvPr id="4" name="Imagem 3">
-            <a:extLst>
-              <a:ext uri="{FF2B5EF4-FFF2-40B4-BE49-F238E27FC236}">
-                <a16:creationId xmlns:a16="http://schemas.microsoft.com/office/drawing/2014/main" id="{90F998BA-A8FF-452E-8C93-B84E223B9D5E}"/>
-              </a:ext>
-            </a:extLst>
-          </p:cNvPr>
-          <p:cNvPicPr>
-            <a:picLocks noChangeAspect="1"/>
-          </p:cNvPicPr>
-          <p:nvPr/>
-        </p:nvPicPr>
-        <p:blipFill>
-          <a:blip r:embed="rId2"/>
-          <a:stretch>
-            <a:fillRect/>
-          </a:stretch>
-        </p:blipFill>
-        <p:spPr>
-          <a:xfrm>
-            <a:off x="8476961" y="1505817"/>
-            <a:ext cx="2903472" cy="4313294"/>
-          </a:xfrm>
-          <a:prstGeom prst="rect">
-            <a:avLst/>
-          </a:prstGeom>
-        </p:spPr>
-      </p:pic>
-      <p:sp>
-        <p:nvSpPr>
-          <p:cNvPr id="5" name="CaixaDeTexto 4">
-            <a:extLst>
-              <a:ext uri="{FF2B5EF4-FFF2-40B4-BE49-F238E27FC236}">
-                <a16:creationId xmlns:a16="http://schemas.microsoft.com/office/drawing/2014/main" id="{D0EE12EA-351C-4DE8-BC1B-63C2A170A415}"/>
-              </a:ext>
-            </a:extLst>
-          </p:cNvPr>
-          <p:cNvSpPr txBox="1"/>
-          <p:nvPr/>
-        </p:nvSpPr>
-        <p:spPr>
-          <a:xfrm>
-            <a:off x="778213" y="1867711"/>
-            <a:ext cx="7110919" cy="4062651"/>
-          </a:xfrm>
-          <a:prstGeom prst="rect">
-            <a:avLst/>
-          </a:prstGeom>
-          <a:noFill/>
-        </p:spPr>
-        <p:txBody>
-          <a:bodyPr wrap="square" rtlCol="0">
-            <a:spAutoFit/>
-          </a:bodyPr>
-          <a:lstStyle/>
-          <a:p>
-            <a:r>
-              <a:rPr lang="pt-PT" sz="2000" dirty="0">
-                <a:ln>
-                  <a:solidFill>
-                    <a:schemeClr val="bg1">
-                      <a:lumMod val="75000"/>
-                      <a:lumOff val="25000"/>
-                      <a:alpha val="10000"/>
-                    </a:schemeClr>
-                  </a:solidFill>
-                </a:ln>
-                <a:solidFill>
-                  <a:schemeClr val="tx2"/>
-                </a:solidFill>
-                <a:effectLst>
-                  <a:outerShdw blurRad="9525" dist="25400" dir="14640000" algn="tl" rotWithShape="0">
-                    <a:schemeClr val="bg1">
-                      <a:alpha val="30000"/>
-                    </a:schemeClr>
-                  </a:outerShdw>
-                </a:effectLst>
-              </a:rPr>
-              <a:t>Para além das funcionalidades já referidas anteriormente, implementamos também algumas funções e métodos que permitiram auxiliar a organização da informação e, de modo geral, a resolução do problema dado.</a:t>
-            </a:r>
-          </a:p>
-          <a:p>
-            <a:endParaRPr lang="pt-PT" dirty="0"/>
-          </a:p>
-          <a:p>
-            <a:r>
-              <a:rPr lang="pt-PT" sz="2000" dirty="0">
-                <a:ln>
-                  <a:solidFill>
-                    <a:schemeClr val="bg1">
-                      <a:lumMod val="75000"/>
-                      <a:lumOff val="25000"/>
-                      <a:alpha val="10000"/>
-                    </a:schemeClr>
-                  </a:solidFill>
-                </a:ln>
-                <a:solidFill>
-                  <a:schemeClr val="tx2"/>
-                </a:solidFill>
-                <a:effectLst>
-                  <a:outerShdw blurRad="9525" dist="25400" dir="14640000" algn="tl" rotWithShape="0">
-                    <a:schemeClr val="bg1">
-                      <a:alpha val="30000"/>
-                    </a:schemeClr>
-                  </a:outerShdw>
-                </a:effectLst>
-              </a:rPr>
-              <a:t>Uma dessas funcionalidades é o método público </a:t>
-            </a:r>
-            <a:r>
-              <a:rPr lang="pt-PT" sz="2000" dirty="0" err="1">
-                <a:ln>
-                  <a:solidFill>
-                    <a:schemeClr val="bg1">
-                      <a:lumMod val="75000"/>
-                      <a:lumOff val="25000"/>
-                      <a:alpha val="10000"/>
-                    </a:schemeClr>
-                  </a:solidFill>
-                </a:ln>
-                <a:solidFill>
-                  <a:schemeClr val="tx2"/>
-                </a:solidFill>
-                <a:effectLst>
-                  <a:outerShdw blurRad="9525" dist="25400" dir="14640000" algn="tl" rotWithShape="0">
-                    <a:schemeClr val="bg1">
-                      <a:alpha val="30000"/>
-                    </a:schemeClr>
-                  </a:outerShdw>
-                </a:effectLst>
-              </a:rPr>
-              <a:t>getPreco</a:t>
-            </a:r>
-            <a:r>
-              <a:rPr lang="pt-PT" sz="2000" dirty="0">
-                <a:ln>
-                  <a:solidFill>
-                    <a:schemeClr val="bg1">
-                      <a:lumMod val="75000"/>
-                      <a:lumOff val="25000"/>
-                      <a:alpha val="10000"/>
-                    </a:schemeClr>
-                  </a:solidFill>
-                </a:ln>
-                <a:solidFill>
-                  <a:schemeClr val="tx2"/>
-                </a:solidFill>
-                <a:effectLst>
-                  <a:outerShdw blurRad="9525" dist="25400" dir="14640000" algn="tl" rotWithShape="0">
-                    <a:schemeClr val="bg1">
-                      <a:alpha val="30000"/>
-                    </a:schemeClr>
-                  </a:outerShdw>
-                </a:effectLst>
-              </a:rPr>
-              <a:t>() da classe </a:t>
-            </a:r>
-            <a:r>
-              <a:rPr lang="pt-PT" sz="2000" dirty="0" err="1">
-                <a:ln>
-                  <a:solidFill>
-                    <a:schemeClr val="bg1">
-                      <a:lumMod val="75000"/>
-                      <a:lumOff val="25000"/>
-                      <a:alpha val="10000"/>
-                    </a:schemeClr>
-                  </a:solidFill>
-                </a:ln>
-                <a:solidFill>
-                  <a:schemeClr val="tx2"/>
-                </a:solidFill>
-                <a:effectLst>
-                  <a:outerShdw blurRad="9525" dist="25400" dir="14640000" algn="tl" rotWithShape="0">
-                    <a:schemeClr val="bg1">
-                      <a:alpha val="30000"/>
-                    </a:schemeClr>
-                  </a:outerShdw>
-                </a:effectLst>
-              </a:rPr>
-              <a:t>ServicoTransporte</a:t>
-            </a:r>
-            <a:r>
-              <a:rPr lang="pt-PT" sz="2000" dirty="0">
-                <a:ln>
-                  <a:solidFill>
-                    <a:schemeClr val="bg1">
-                      <a:lumMod val="75000"/>
-                      <a:lumOff val="25000"/>
-                      <a:alpha val="10000"/>
-                    </a:schemeClr>
-                  </a:solidFill>
-                </a:ln>
-                <a:solidFill>
-                  <a:schemeClr val="tx2"/>
-                </a:solidFill>
-                <a:effectLst>
-                  <a:outerShdw blurRad="9525" dist="25400" dir="14640000" algn="tl" rotWithShape="0">
-                    <a:schemeClr val="bg1">
-                      <a:alpha val="30000"/>
-                    </a:schemeClr>
-                  </a:outerShdw>
-                </a:effectLst>
-              </a:rPr>
-              <a:t>. O preço de cada serviço de transporte é, deste modo, calculado a partir da distância entre a origem e o destino, sendo que esta informação se encontra guardada no ficheiro distancias.txt.</a:t>
-            </a:r>
-          </a:p>
-          <a:p>
-            <a:r>
-              <a:rPr lang="pt-PT" sz="2000" dirty="0">
-                <a:ln>
-                  <a:solidFill>
-                    <a:schemeClr val="bg1">
-                      <a:lumMod val="75000"/>
-                      <a:lumOff val="25000"/>
-                      <a:alpha val="10000"/>
-                    </a:schemeClr>
-                  </a:solidFill>
-                </a:ln>
-                <a:solidFill>
-                  <a:schemeClr val="tx2"/>
-                </a:solidFill>
-                <a:effectLst>
-                  <a:outerShdw blurRad="9525" dist="25400" dir="14640000" algn="tl" rotWithShape="0">
-                    <a:schemeClr val="bg1">
-                      <a:alpha val="30000"/>
-                    </a:schemeClr>
-                  </a:outerShdw>
-                </a:effectLst>
-              </a:rPr>
-              <a:t>O preço tem em conta também outras características do serviço, como o número de camiões necessários e o tipo de mercadorias transportadas.</a:t>
-            </a:r>
-          </a:p>
-        </p:txBody>
-      </p:sp>
-    </p:spTree>
-    <p:extLst>
-      <p:ext uri="{BB962C8B-B14F-4D97-AF65-F5344CB8AC3E}">
-        <p14:creationId xmlns:p14="http://schemas.microsoft.com/office/powerpoint/2010/main" val="2519560806"/>
       </p:ext>
     </p:extLst>
   </p:cSld>
@@ -7195,6 +7173,18 @@
                 <a:cs typeface="Calibri" panose="020F0502020204030204" pitchFamily="34" charset="0"/>
               </a:rPr>
               <a:t>	Os clientes da empresa são identificados pelo nome e NIF, podendo adquirir diferentes serviços de transporte.</a:t>
+            </a:r>
+          </a:p>
+          <a:p>
+            <a:pPr marL="0" indent="0" algn="just">
+              <a:buNone/>
+            </a:pPr>
+            <a:r>
+              <a:rPr lang="pt-PT" dirty="0">
+                <a:latin typeface="Calibri" panose="020F0502020204030204" pitchFamily="34" charset="0"/>
+                <a:cs typeface="Calibri" panose="020F0502020204030204" pitchFamily="34" charset="0"/>
+              </a:rPr>
+              <a:t>	Os camiões também necessitam de serviços de manutenção, prestados pelas oficinas, as quais se especializam em determinadas marcas.</a:t>
             </a:r>
           </a:p>
           <a:p>
@@ -7290,14 +7280,20 @@
             <p:ph type="title"/>
           </p:nvPr>
         </p:nvSpPr>
-        <p:spPr/>
+        <p:spPr>
+          <a:xfrm>
+            <a:off x="913795" y="609600"/>
+            <a:ext cx="10353762" cy="970450"/>
+          </a:xfrm>
+        </p:spPr>
         <p:txBody>
           <a:bodyPr/>
           <a:lstStyle/>
           <a:p>
+            <a:pPr algn="l"/>
             <a:r>
               <a:rPr lang="pt-PT" dirty="0"/>
-              <a:t>Código utilizado</a:t>
+              <a:t>Uso de estruturas não lineares</a:t>
             </a:r>
             <a:endParaRPr lang="en-US" dirty="0"/>
           </a:p>
@@ -7319,26 +7315,59 @@
             <p:ph idx="1"/>
           </p:nvPr>
         </p:nvSpPr>
-        <p:spPr/>
+        <p:spPr>
+          <a:xfrm>
+            <a:off x="913795" y="1732449"/>
+            <a:ext cx="10353762" cy="4058751"/>
+          </a:xfrm>
+        </p:spPr>
         <p:txBody>
           <a:bodyPr/>
           <a:lstStyle/>
           <a:p>
+            <a:pPr marL="36900" indent="0">
+              <a:buNone/>
+            </a:pPr>
+            <a:r>
+              <a:rPr lang="pt-PT" dirty="0"/>
+              <a:t>	Nesta segunda parte do trabalho, passamos de usar vetores para guardar informação de clientes e de motoristas, para usar estruturas de dados não lineares.</a:t>
+            </a:r>
+          </a:p>
+          <a:p>
+            <a:pPr marL="36900" indent="0">
+              <a:buNone/>
+            </a:pPr>
             <a:r>
               <a:rPr lang="en-US" dirty="0"/>
-              <a:t>Para resolver o </a:t>
+              <a:t>	Para o </a:t>
             </a:r>
             <a:r>
               <a:rPr lang="en-US" dirty="0" err="1"/>
-              <a:t>problema</a:t>
+              <a:t>caso</a:t>
             </a:r>
             <a:r>
               <a:rPr lang="en-US" dirty="0"/>
-              <a:t> dado, </a:t>
+              <a:t> dos </a:t>
             </a:r>
             <a:r>
               <a:rPr lang="en-US" dirty="0" err="1"/>
-              <a:t>implementamos</a:t>
+              <a:t>motoristas</a:t>
+            </a:r>
+            <a:r>
+              <a:rPr lang="en-US" dirty="0"/>
+              <a:t>, </a:t>
+            </a:r>
+            <a:r>
+              <a:rPr lang="en-US" dirty="0" err="1"/>
+              <a:t>passamos</a:t>
+            </a:r>
+            <a:r>
+              <a:rPr lang="en-US" dirty="0"/>
+              <a:t> a </a:t>
+            </a:r>
+            <a:r>
+              <a:rPr lang="en-US" dirty="0" err="1"/>
+              <a:t>usar</a:t>
             </a:r>
             <a:r>
               <a:rPr lang="en-US" dirty="0"/>
@@ -7350,11 +7379,19 @@
             </a:r>
             <a:r>
               <a:rPr lang="en-US" dirty="0"/>
-              <a:t> interface simples que </a:t>
+              <a:t> </a:t>
+            </a:r>
+            <a:r>
+              <a:rPr lang="en-US" u="sng" dirty="0"/>
+              <a:t>BST</a:t>
+            </a:r>
+            <a:r>
+              <a:rPr lang="en-US" dirty="0"/>
+              <a:t> (binary search tree), </a:t>
             </a:r>
             <a:r>
               <a:rPr lang="en-US" dirty="0" err="1"/>
-              <a:t>permite</a:t>
+              <a:t>ordenando-os</a:t>
             </a:r>
             <a:r>
               <a:rPr lang="en-US" dirty="0"/>
@@ -7362,7 +7399,7 @@
             </a:r>
             <a:r>
               <a:rPr lang="en-US" dirty="0" err="1"/>
-              <a:t>ao</a:t>
+              <a:t>pelo</a:t>
             </a:r>
             <a:r>
               <a:rPr lang="en-US" dirty="0"/>
@@ -7370,7 +7407,15 @@
             </a:r>
             <a:r>
               <a:rPr lang="en-US" dirty="0" err="1"/>
-              <a:t>utilizador</a:t>
+              <a:t>número</a:t>
+            </a:r>
+            <a:r>
+              <a:rPr lang="en-US" dirty="0"/>
+              <a:t> de horas </a:t>
+            </a:r>
+            <a:r>
+              <a:rPr lang="en-US" dirty="0" err="1"/>
+              <a:t>díarias</a:t>
             </a:r>
             <a:r>
               <a:rPr lang="en-US" dirty="0"/>
@@ -7378,7 +7423,40 @@
             </a:r>
             <a:r>
               <a:rPr lang="en-US" dirty="0" err="1"/>
-              <a:t>efetuar</a:t>
+              <a:t>efetuadas</a:t>
+            </a:r>
+            <a:r>
+              <a:rPr lang="en-US" dirty="0"/>
+              <a:t>.</a:t>
+            </a:r>
+          </a:p>
+          <a:p>
+            <a:pPr marL="36900" indent="0">
+              <a:buNone/>
+            </a:pPr>
+            <a:r>
+              <a:rPr lang="en-US" dirty="0"/>
+              <a:t>	No </a:t>
+            </a:r>
+            <a:r>
+              <a:rPr lang="en-US" dirty="0" err="1"/>
+              <a:t>caso</a:t>
+            </a:r>
+            <a:r>
+              <a:rPr lang="en-US" dirty="0"/>
+              <a:t> dos </a:t>
+            </a:r>
+            <a:r>
+              <a:rPr lang="en-US" dirty="0" err="1"/>
+              <a:t>clientes</a:t>
+            </a:r>
+            <a:r>
+              <a:rPr lang="en-US" dirty="0"/>
+              <a:t>, </a:t>
+            </a:r>
+            <a:r>
+              <a:rPr lang="en-US" dirty="0" err="1"/>
+              <a:t>criamos</a:t>
             </a:r>
             <a:r>
               <a:rPr lang="en-US" dirty="0"/>
@@ -7386,7 +7464,111 @@
             </a:r>
             <a:r>
               <a:rPr lang="en-US" dirty="0" err="1"/>
-              <a:t>operações</a:t>
+              <a:t>uma</a:t>
+            </a:r>
+            <a:r>
+              <a:rPr lang="en-US" dirty="0"/>
+              <a:t> </a:t>
+            </a:r>
+            <a:r>
+              <a:rPr lang="en-US" u="sng" dirty="0"/>
+              <a:t>hash table</a:t>
+            </a:r>
+            <a:r>
+              <a:rPr lang="en-US" dirty="0"/>
+              <a:t> para </a:t>
+            </a:r>
+            <a:r>
+              <a:rPr lang="en-US" dirty="0" err="1"/>
+              <a:t>guardar</a:t>
+            </a:r>
+            <a:r>
+              <a:rPr lang="en-US" dirty="0"/>
+              <a:t> a </a:t>
+            </a:r>
+            <a:r>
+              <a:rPr lang="en-US" dirty="0" err="1"/>
+              <a:t>informação</a:t>
+            </a:r>
+            <a:r>
+              <a:rPr lang="en-US" dirty="0"/>
+              <a:t> dos </a:t>
+            </a:r>
+            <a:r>
+              <a:rPr lang="en-US" dirty="0" err="1"/>
+              <a:t>clientes</a:t>
+            </a:r>
+            <a:r>
+              <a:rPr lang="en-US" dirty="0"/>
+              <a:t> </a:t>
+            </a:r>
+            <a:r>
+              <a:rPr lang="en-US" dirty="0" err="1"/>
+              <a:t>inativos</a:t>
+            </a:r>
+            <a:r>
+              <a:rPr lang="en-US" dirty="0"/>
+              <a:t>, </a:t>
+            </a:r>
+            <a:r>
+              <a:rPr lang="en-US" dirty="0" err="1"/>
+              <a:t>mantendo</a:t>
+            </a:r>
+            <a:r>
+              <a:rPr lang="en-US" dirty="0"/>
+              <a:t> </a:t>
+            </a:r>
+            <a:r>
+              <a:rPr lang="en-US" dirty="0" err="1"/>
+              <a:t>os</a:t>
+            </a:r>
+            <a:r>
+              <a:rPr lang="en-US" dirty="0"/>
+              <a:t> clients </a:t>
+            </a:r>
+            <a:r>
+              <a:rPr lang="en-US" dirty="0" err="1"/>
+              <a:t>ativos</a:t>
+            </a:r>
+            <a:r>
+              <a:rPr lang="en-US" dirty="0"/>
+              <a:t> num </a:t>
+            </a:r>
+            <a:r>
+              <a:rPr lang="en-US" dirty="0" err="1"/>
+              <a:t>vetor</a:t>
+            </a:r>
+            <a:r>
+              <a:rPr lang="en-US" dirty="0"/>
+              <a:t>. </a:t>
+            </a:r>
+            <a:r>
+              <a:rPr lang="en-US" dirty="0" err="1"/>
+              <a:t>Sempre</a:t>
+            </a:r>
+            <a:r>
+              <a:rPr lang="en-US" dirty="0"/>
+              <a:t> que </a:t>
+            </a:r>
+            <a:r>
+              <a:rPr lang="en-US" dirty="0" err="1"/>
+              <a:t>haja</a:t>
+            </a:r>
+            <a:r>
+              <a:rPr lang="en-US" dirty="0"/>
+              <a:t> </a:t>
+            </a:r>
+            <a:r>
+              <a:rPr lang="en-US" dirty="0" err="1"/>
+              <a:t>uma</a:t>
+            </a:r>
+            <a:r>
+              <a:rPr lang="en-US" dirty="0"/>
+              <a:t> </a:t>
+            </a:r>
+            <a:r>
+              <a:rPr lang="en-US" dirty="0" err="1"/>
+              <a:t>requisição</a:t>
             </a:r>
             <a:r>
               <a:rPr lang="en-US" dirty="0"/>
@@ -7394,7 +7576,39 @@
             </a:r>
             <a:r>
               <a:rPr lang="en-US" dirty="0" err="1"/>
-              <a:t>edição</a:t>
+              <a:t>serviços</a:t>
+            </a:r>
+            <a:r>
+              <a:rPr lang="en-US" dirty="0"/>
+              <a:t> </a:t>
+            </a:r>
+            <a:r>
+              <a:rPr lang="en-US" dirty="0" err="1"/>
+              <a:t>ou</a:t>
+            </a:r>
+            <a:r>
+              <a:rPr lang="en-US" dirty="0"/>
+              <a:t> </a:t>
+            </a:r>
+            <a:r>
+              <a:rPr lang="en-US" dirty="0" err="1"/>
+              <a:t>na</a:t>
+            </a:r>
+            <a:r>
+              <a:rPr lang="en-US" dirty="0"/>
+              <a:t> </a:t>
+            </a:r>
+            <a:r>
+              <a:rPr lang="en-US" dirty="0" err="1"/>
+              <a:t>passagem</a:t>
+            </a:r>
+            <a:r>
+              <a:rPr lang="en-US" dirty="0"/>
+              <a:t> de um </a:t>
+            </a:r>
+            <a:r>
+              <a:rPr lang="en-US" dirty="0" err="1"/>
+              <a:t>dia</a:t>
             </a:r>
             <a:r>
               <a:rPr lang="en-US" dirty="0"/>
@@ -7402,23 +7616,31 @@
             </a:r>
             <a:r>
               <a:rPr lang="en-US" dirty="0" err="1"/>
-              <a:t>remoção</a:t>
+              <a:t>estas</a:t>
             </a:r>
             <a:r>
               <a:rPr lang="en-US" dirty="0"/>
-              <a:t> e </a:t>
+              <a:t> </a:t>
             </a:r>
             <a:r>
               <a:rPr lang="en-US" dirty="0" err="1"/>
-              <a:t>adição</a:t>
+              <a:t>estruturas</a:t>
             </a:r>
             <a:r>
               <a:rPr lang="en-US" dirty="0"/>
-              <a:t> de </a:t>
+              <a:t> de dados </a:t>
             </a:r>
             <a:r>
               <a:rPr lang="en-US" dirty="0" err="1"/>
-              <a:t>elementos</a:t>
+              <a:t>são</a:t>
+            </a:r>
+            <a:r>
+              <a:rPr lang="en-US" dirty="0"/>
+              <a:t> </a:t>
+            </a:r>
+            <a:r>
+              <a:rPr lang="en-US" dirty="0" err="1"/>
+              <a:t>atualizadas</a:t>
             </a:r>
             <a:r>
               <a:rPr lang="en-US" dirty="0"/>
@@ -7426,17 +7648,64 @@
             </a:r>
           </a:p>
           <a:p>
+            <a:pPr marL="36900" indent="0">
+              <a:buNone/>
+            </a:pPr>
+            <a:r>
+              <a:rPr lang="en-US" dirty="0"/>
+              <a:t>	Para </a:t>
+            </a:r>
             <a:r>
               <a:rPr lang="en-US" dirty="0" err="1"/>
-              <a:t>Relativamente</a:t>
+              <a:t>guardar</a:t>
+            </a:r>
+            <a:r>
+              <a:rPr lang="en-US" dirty="0"/>
+              <a:t> a </a:t>
+            </a:r>
+            <a:r>
+              <a:rPr lang="en-US" dirty="0" err="1"/>
+              <a:t>informação</a:t>
+            </a:r>
+            <a:r>
+              <a:rPr lang="en-US" dirty="0"/>
+              <a:t> das </a:t>
+            </a:r>
+            <a:r>
+              <a:rPr lang="en-US" dirty="0" err="1"/>
+              <a:t>oficinas</a:t>
+            </a:r>
+            <a:r>
+              <a:rPr lang="en-US" dirty="0"/>
+              <a:t>, </a:t>
+            </a:r>
+            <a:r>
+              <a:rPr lang="en-US" dirty="0" err="1"/>
+              <a:t>criou</a:t>
+            </a:r>
+            <a:r>
+              <a:rPr lang="en-US" dirty="0"/>
+              <a:t>-se </a:t>
+            </a:r>
+            <a:r>
+              <a:rPr lang="en-US" dirty="0" err="1"/>
+              <a:t>uma</a:t>
             </a:r>
             <a:r>
               <a:rPr lang="en-US" dirty="0"/>
               <a:t> </a:t>
             </a:r>
             <a:r>
+              <a:rPr lang="en-US" u="sng" dirty="0"/>
+              <a:t>priority queue</a:t>
+            </a:r>
+            <a:r>
+              <a:rPr lang="en-US" dirty="0"/>
+              <a:t>, </a:t>
+            </a:r>
+            <a:r>
               <a:rPr lang="en-US" dirty="0" err="1"/>
-              <a:t>aos</a:t>
+              <a:t>estas</a:t>
             </a:r>
             <a:r>
               <a:rPr lang="en-US" dirty="0"/>
@@ -7444,7 +7713,7 @@
             </a:r>
             <a:r>
               <a:rPr lang="en-US" dirty="0" err="1"/>
-              <a:t>métodos</a:t>
+              <a:t>são</a:t>
             </a:r>
             <a:r>
               <a:rPr lang="en-US" dirty="0"/>
@@ -7452,194 +7721,106 @@
             </a:r>
             <a:r>
               <a:rPr lang="en-US" dirty="0" err="1"/>
-              <a:t>usados</a:t>
+              <a:t>guardadas</a:t>
             </a:r>
             <a:r>
               <a:rPr lang="en-US" dirty="0"/>
-              <a:t>, </a:t>
+              <a:t> por </a:t>
             </a:r>
             <a:r>
               <a:rPr lang="en-US" dirty="0" err="1"/>
-              <a:t>implementamos</a:t>
+              <a:t>ordem</a:t>
             </a:r>
             <a:r>
               <a:rPr lang="en-US" dirty="0"/>
-              <a:t> </a:t>
+              <a:t> crescent da </a:t>
             </a:r>
             <a:r>
               <a:rPr lang="en-US" dirty="0" err="1"/>
-              <a:t>os</a:t>
-            </a:r>
-            <a:r>
-              <a:rPr lang="en-US" dirty="0"/>
-              <a:t> </a:t>
-            </a:r>
-            <a:r>
-              <a:rPr lang="en-US" dirty="0" err="1"/>
-              <a:t>algoritmos</a:t>
-            </a:r>
-            <a:r>
-              <a:rPr lang="en-US" dirty="0"/>
-              <a:t> e </a:t>
-            </a:r>
-            <a:r>
-              <a:rPr lang="en-US" dirty="0" err="1"/>
-              <a:t>métodos</a:t>
-            </a:r>
-            <a:r>
-              <a:rPr lang="en-US" dirty="0"/>
-              <a:t> </a:t>
-            </a:r>
-            <a:r>
-              <a:rPr lang="en-US" dirty="0" err="1"/>
-              <a:t>pedidos</a:t>
-            </a:r>
-            <a:r>
-              <a:rPr lang="en-US" dirty="0"/>
-              <a:t> no </a:t>
-            </a:r>
-            <a:r>
-              <a:rPr lang="en-US" dirty="0" err="1"/>
-              <a:t>enunciado</a:t>
-            </a:r>
-            <a:r>
-              <a:rPr lang="en-US" dirty="0"/>
-              <a:t>:</a:t>
-            </a:r>
-          </a:p>
-          <a:p>
-            <a:pPr lvl="1"/>
-            <a:r>
-              <a:rPr lang="en-US" dirty="0" err="1"/>
-              <a:t>Foi</a:t>
-            </a:r>
-            <a:r>
-              <a:rPr lang="en-US" dirty="0"/>
-              <a:t> </a:t>
-            </a:r>
-            <a:r>
-              <a:rPr lang="en-US" dirty="0" err="1"/>
-              <a:t>usado</a:t>
-            </a:r>
-            <a:r>
-              <a:rPr lang="en-US" dirty="0"/>
-              <a:t> </a:t>
-            </a:r>
-            <a:r>
-              <a:rPr lang="en-US" dirty="0" err="1"/>
-              <a:t>derivação</a:t>
-            </a:r>
-            <a:r>
-              <a:rPr lang="en-US" dirty="0"/>
-              <a:t> e </a:t>
-            </a:r>
-            <a:r>
-              <a:rPr lang="en-US" dirty="0" err="1"/>
-              <a:t>polimorfismo</a:t>
-            </a:r>
-            <a:r>
-              <a:rPr lang="en-US" dirty="0"/>
-              <a:t> (</a:t>
-            </a:r>
-            <a:r>
-              <a:rPr lang="en-US" dirty="0" err="1"/>
-              <a:t>nomeadamente</a:t>
-            </a:r>
-            <a:r>
-              <a:rPr lang="en-US" dirty="0"/>
-              <a:t> para a </a:t>
-            </a:r>
-            <a:r>
-              <a:rPr lang="en-US" dirty="0" err="1"/>
-              <a:t>classe</a:t>
-            </a:r>
-            <a:r>
-              <a:rPr lang="en-US" dirty="0"/>
-              <a:t> </a:t>
-            </a:r>
-            <a:r>
-              <a:rPr lang="en-US" dirty="0" err="1"/>
-              <a:t>Camiao</a:t>
-            </a:r>
-            <a:r>
-              <a:rPr lang="en-US" dirty="0"/>
-              <a:t>);</a:t>
-            </a:r>
-          </a:p>
-          <a:p>
-            <a:pPr lvl="1"/>
-            <a:r>
-              <a:rPr lang="en-US" dirty="0" err="1"/>
-              <a:t>Foram</a:t>
-            </a:r>
-            <a:r>
-              <a:rPr lang="en-US" dirty="0"/>
-              <a:t> </a:t>
-            </a:r>
-            <a:r>
-              <a:rPr lang="en-US" dirty="0" err="1"/>
-              <a:t>implementados</a:t>
-            </a:r>
-            <a:r>
-              <a:rPr lang="en-US" dirty="0"/>
-              <a:t> overloads de </a:t>
-            </a:r>
-            <a:r>
-              <a:rPr lang="en-US" dirty="0" err="1"/>
-              <a:t>diversos</a:t>
-            </a:r>
-            <a:r>
-              <a:rPr lang="en-US" dirty="0"/>
-              <a:t> </a:t>
-            </a:r>
-            <a:r>
-              <a:rPr lang="en-US" dirty="0" err="1"/>
-              <a:t>operadores</a:t>
-            </a:r>
-            <a:r>
-              <a:rPr lang="en-US" dirty="0"/>
-              <a:t>, que </a:t>
-            </a:r>
-            <a:r>
-              <a:rPr lang="en-US" dirty="0" err="1"/>
-              <a:t>auxiliaram</a:t>
-            </a:r>
-            <a:r>
-              <a:rPr lang="en-US" dirty="0"/>
-              <a:t> </a:t>
-            </a:r>
-            <a:r>
-              <a:rPr lang="en-US" dirty="0" err="1"/>
-              <a:t>diversas</a:t>
-            </a:r>
-            <a:r>
-              <a:rPr lang="en-US" dirty="0"/>
-              <a:t> </a:t>
-            </a:r>
-            <a:r>
-              <a:rPr lang="en-US" dirty="0" err="1"/>
-              <a:t>operações</a:t>
-            </a:r>
-            <a:r>
-              <a:rPr lang="en-US" dirty="0"/>
-              <a:t> de </a:t>
-            </a:r>
-            <a:r>
-              <a:rPr lang="en-US" dirty="0" err="1"/>
-              <a:t>comparação</a:t>
-            </a:r>
-            <a:r>
-              <a:rPr lang="en-US" dirty="0"/>
-              <a:t> e </a:t>
-            </a:r>
-            <a:r>
-              <a:rPr lang="en-US" dirty="0" err="1"/>
-              <a:t>extração</a:t>
+              <a:t>disponibiliade</a:t>
             </a:r>
             <a:r>
               <a:rPr lang="en-US" dirty="0"/>
               <a:t>.</a:t>
             </a:r>
+          </a:p>
+        </p:txBody>
+      </p:sp>
+      <p:pic>
+        <p:nvPicPr>
+          <p:cNvPr id="5" name="Imagem 4">
+            <a:extLst>
+              <a:ext uri="{FF2B5EF4-FFF2-40B4-BE49-F238E27FC236}">
+                <a16:creationId xmlns:a16="http://schemas.microsoft.com/office/drawing/2014/main" id="{860AFFE9-0EC8-4E98-AB8C-958E0146781F}"/>
+              </a:ext>
+            </a:extLst>
+          </p:cNvPr>
+          <p:cNvPicPr>
+            <a:picLocks noChangeAspect="1"/>
+          </p:cNvPicPr>
+          <p:nvPr/>
+        </p:nvPicPr>
+        <p:blipFill>
+          <a:blip r:embed="rId2"/>
+          <a:stretch>
+            <a:fillRect/>
+          </a:stretch>
+        </p:blipFill>
+        <p:spPr>
+          <a:xfrm>
+            <a:off x="2744361" y="5791200"/>
+            <a:ext cx="6692630" cy="627896"/>
+          </a:xfrm>
+          <a:prstGeom prst="rect">
+            <a:avLst/>
+          </a:prstGeom>
+        </p:spPr>
+      </p:pic>
+      <p:sp>
+        <p:nvSpPr>
+          <p:cNvPr id="12" name="CaixaDeTexto 11">
+            <a:extLst>
+              <a:ext uri="{FF2B5EF4-FFF2-40B4-BE49-F238E27FC236}">
+                <a16:creationId xmlns:a16="http://schemas.microsoft.com/office/drawing/2014/main" id="{995D4BAC-30BC-4A68-B3E8-0E159902E69B}"/>
+              </a:ext>
+            </a:extLst>
+          </p:cNvPr>
+          <p:cNvSpPr txBox="1"/>
+          <p:nvPr/>
+        </p:nvSpPr>
+        <p:spPr>
+          <a:xfrm>
+            <a:off x="2744361" y="5421868"/>
+            <a:ext cx="6692630" cy="369332"/>
+          </a:xfrm>
+          <a:prstGeom prst="rect">
+            <a:avLst/>
+          </a:prstGeom>
+          <a:noFill/>
+        </p:spPr>
+        <p:txBody>
+          <a:bodyPr wrap="square" rtlCol="0">
+            <a:spAutoFit/>
+          </a:bodyPr>
+          <a:lstStyle/>
+          <a:p>
+            <a:r>
+              <a:rPr lang="pt-PT" dirty="0"/>
+              <a:t>Operadores para o uso da </a:t>
+            </a:r>
+            <a:r>
+              <a:rPr lang="pt-PT" dirty="0" err="1"/>
+              <a:t>priority</a:t>
+            </a:r>
+            <a:r>
+              <a:rPr lang="pt-PT" dirty="0"/>
+              <a:t> </a:t>
+            </a:r>
+            <a:r>
+              <a:rPr lang="pt-PT" dirty="0" err="1"/>
+              <a:t>queue</a:t>
+            </a:r>
+            <a:endParaRPr lang="pt-PT" dirty="0"/>
           </a:p>
         </p:txBody>
       </p:sp>
@@ -7678,7 +7859,7 @@
           <p:cNvPr id="2" name="Título 1">
             <a:extLst>
               <a:ext uri="{FF2B5EF4-FFF2-40B4-BE49-F238E27FC236}">
-                <a16:creationId xmlns:a16="http://schemas.microsoft.com/office/drawing/2014/main" id="{42224C0D-1716-4700-A934-5A904E1B705E}"/>
+                <a16:creationId xmlns:a16="http://schemas.microsoft.com/office/drawing/2014/main" id="{4E65AE20-617B-437A-986A-36F3BCB7287E}"/>
               </a:ext>
             </a:extLst>
           </p:cNvPr>
@@ -7691,21 +7872,13 @@
         </p:nvSpPr>
         <p:spPr/>
         <p:txBody>
-          <a:bodyPr>
-            <a:normAutofit fontScale="90000"/>
-          </a:bodyPr>
-          <a:lstStyle/>
-          <a:p>
+          <a:bodyPr/>
+          <a:lstStyle/>
+          <a:p>
+            <a:pPr algn="l"/>
             <a:r>
               <a:rPr lang="pt-PT" dirty="0"/>
-              <a:t>Algoritmos e Métodos</a:t>
-            </a:r>
-            <a:br>
-              <a:rPr lang="pt-PT" dirty="0"/>
-            </a:br>
-            <a:r>
-              <a:rPr lang="pt-PT" dirty="0"/>
-              <a:t>(Continuação)</a:t>
+              <a:t>Uso de estruturas não lineares</a:t>
             </a:r>
           </a:p>
         </p:txBody>
@@ -7715,7 +7888,7 @@
           <p:cNvPr id="3" name="Marcador de Posição de Conteúdo 2">
             <a:extLst>
               <a:ext uri="{FF2B5EF4-FFF2-40B4-BE49-F238E27FC236}">
-                <a16:creationId xmlns:a16="http://schemas.microsoft.com/office/drawing/2014/main" id="{58017E38-127F-4127-9F42-1C94DB996ACE}"/>
+                <a16:creationId xmlns:a16="http://schemas.microsoft.com/office/drawing/2014/main" id="{DF8C88E0-154D-4B08-963A-18D0D5B34969}"/>
               </a:ext>
             </a:extLst>
           </p:cNvPr>
@@ -7731,32 +7904,7 @@
           <a:bodyPr/>
           <a:lstStyle/>
           <a:p>
-            <a:r>
-              <a:rPr lang="pt-PT" dirty="0"/>
-              <a:t>Foram introduzidos também algoritmos de pesquisa e ordenação, que permitem procurar e ordenar as </a:t>
-            </a:r>
-            <a:r>
-              <a:rPr lang="pt-PT" dirty="0" err="1"/>
-              <a:t>diverentes</a:t>
-            </a:r>
-            <a:r>
-              <a:rPr lang="pt-PT" dirty="0"/>
-              <a:t> listagens de objetos necessárias.</a:t>
-            </a:r>
-          </a:p>
-          <a:p>
-            <a:r>
-              <a:rPr lang="pt-PT" dirty="0"/>
-              <a:t>Todas as classes encontram-se devidamente documentadas, tendo sido utilizado </a:t>
-            </a:r>
-            <a:r>
-              <a:rPr lang="pt-PT" dirty="0" err="1"/>
-              <a:t>Doxygen</a:t>
-            </a:r>
-            <a:r>
-              <a:rPr lang="pt-PT" dirty="0"/>
-              <a:t>.</a:t>
-            </a:r>
+            <a:endParaRPr lang="pt-PT" dirty="0"/>
           </a:p>
         </p:txBody>
       </p:sp>
@@ -7765,7 +7913,7 @@
           <p:cNvPr id="4" name="Imagem 3">
             <a:extLst>
               <a:ext uri="{FF2B5EF4-FFF2-40B4-BE49-F238E27FC236}">
-                <a16:creationId xmlns:a16="http://schemas.microsoft.com/office/drawing/2014/main" id="{DAC72BFD-7547-4A0F-B0E3-15DE9E1B2D75}"/>
+                <a16:creationId xmlns:a16="http://schemas.microsoft.com/office/drawing/2014/main" id="{179D7E57-8335-476A-A1B8-66B74095DF2B}"/>
               </a:ext>
             </a:extLst>
           </p:cNvPr>
@@ -7782,123 +7930,20 @@
         </p:blipFill>
         <p:spPr>
           <a:xfrm>
-            <a:off x="6581809" y="5073036"/>
-            <a:ext cx="4801016" cy="1158340"/>
+            <a:off x="1004052" y="3305172"/>
+            <a:ext cx="3612193" cy="1463167"/>
           </a:xfrm>
           <a:prstGeom prst="rect">
             <a:avLst/>
           </a:prstGeom>
         </p:spPr>
       </p:pic>
-      <p:sp>
-        <p:nvSpPr>
-          <p:cNvPr id="5" name="CaixaDeTexto 4">
+      <p:pic>
+        <p:nvPicPr>
+          <p:cNvPr id="5" name="Imagem 4">
             <a:extLst>
               <a:ext uri="{FF2B5EF4-FFF2-40B4-BE49-F238E27FC236}">
-                <a16:creationId xmlns:a16="http://schemas.microsoft.com/office/drawing/2014/main" id="{307399C2-A225-4836-8B5F-BC7B30F11722}"/>
-              </a:ext>
-            </a:extLst>
-          </p:cNvPr>
-          <p:cNvSpPr txBox="1"/>
-          <p:nvPr/>
-        </p:nvSpPr>
-        <p:spPr>
-          <a:xfrm>
-            <a:off x="6538449" y="3014650"/>
-            <a:ext cx="4844375" cy="1631216"/>
-          </a:xfrm>
-          <a:prstGeom prst="rect">
-            <a:avLst/>
-          </a:prstGeom>
-          <a:noFill/>
-        </p:spPr>
-        <p:txBody>
-          <a:bodyPr wrap="square" rtlCol="0">
-            <a:spAutoFit/>
-          </a:bodyPr>
-          <a:lstStyle/>
-          <a:p>
-            <a:r>
-              <a:rPr lang="pt-PT" sz="2000" dirty="0">
-                <a:ln>
-                  <a:solidFill>
-                    <a:schemeClr val="bg1">
-                      <a:lumMod val="75000"/>
-                      <a:lumOff val="25000"/>
-                      <a:alpha val="10000"/>
-                    </a:schemeClr>
-                  </a:solidFill>
-                </a:ln>
-                <a:solidFill>
-                  <a:schemeClr val="tx2"/>
-                </a:solidFill>
-                <a:effectLst>
-                  <a:outerShdw blurRad="9525" dist="25400" dir="14640000" algn="tl" rotWithShape="0">
-                    <a:schemeClr val="bg1">
-                      <a:alpha val="30000"/>
-                    </a:schemeClr>
-                  </a:outerShdw>
-                </a:effectLst>
-              </a:rPr>
-              <a:t>Esta função </a:t>
-            </a:r>
-            <a:r>
-              <a:rPr lang="pt-PT" sz="2000" dirty="0" err="1">
-                <a:ln>
-                  <a:solidFill>
-                    <a:schemeClr val="bg1">
-                      <a:lumMod val="75000"/>
-                      <a:lumOff val="25000"/>
-                      <a:alpha val="10000"/>
-                    </a:schemeClr>
-                  </a:solidFill>
-                </a:ln>
-                <a:solidFill>
-                  <a:schemeClr val="tx2"/>
-                </a:solidFill>
-                <a:effectLst>
-                  <a:outerShdw blurRad="9525" dist="25400" dir="14640000" algn="tl" rotWithShape="0">
-                    <a:schemeClr val="bg1">
-                      <a:alpha val="30000"/>
-                    </a:schemeClr>
-                  </a:outerShdw>
-                </a:effectLst>
-              </a:rPr>
-              <a:t>sort</a:t>
-            </a:r>
-            <a:r>
-              <a:rPr lang="pt-PT" sz="2000" dirty="0">
-                <a:ln>
-                  <a:solidFill>
-                    <a:schemeClr val="bg1">
-                      <a:lumMod val="75000"/>
-                      <a:lumOff val="25000"/>
-                      <a:alpha val="10000"/>
-                    </a:schemeClr>
-                  </a:solidFill>
-                </a:ln>
-                <a:solidFill>
-                  <a:schemeClr val="tx2"/>
-                </a:solidFill>
-                <a:effectLst>
-                  <a:outerShdw blurRad="9525" dist="25400" dir="14640000" algn="tl" rotWithShape="0">
-                    <a:schemeClr val="bg1">
-                      <a:alpha val="30000"/>
-                    </a:schemeClr>
-                  </a:outerShdw>
-                </a:effectLst>
-              </a:rPr>
-              <a:t> permite ordenar os camiões por ordem crescente de quilómetros percorridos, permitindo assim fazer uma gestão eficiente entre os serviços realizados por cada camião.</a:t>
-            </a:r>
-          </a:p>
-        </p:txBody>
-      </p:sp>
-      <p:pic>
-        <p:nvPicPr>
-          <p:cNvPr id="6" name="Imagem 5">
-            <a:extLst>
-              <a:ext uri="{FF2B5EF4-FFF2-40B4-BE49-F238E27FC236}">
-                <a16:creationId xmlns:a16="http://schemas.microsoft.com/office/drawing/2014/main" id="{1ABCA1E1-123E-472B-A538-3AB7F041D78C}"/>
+                <a16:creationId xmlns:a16="http://schemas.microsoft.com/office/drawing/2014/main" id="{194727B3-7A72-4732-A243-98714C70E1CD}"/>
               </a:ext>
             </a:extLst>
           </p:cNvPr>
@@ -7915,8 +7960,8 @@
         </p:blipFill>
         <p:spPr>
           <a:xfrm>
-            <a:off x="1538098" y="4644377"/>
-            <a:ext cx="3901778" cy="1851820"/>
+            <a:off x="6206248" y="3305172"/>
+            <a:ext cx="5151566" cy="1905165"/>
           </a:xfrm>
           <a:prstGeom prst="rect">
             <a:avLst/>
@@ -7925,10 +7970,10 @@
       </p:pic>
       <p:sp>
         <p:nvSpPr>
-          <p:cNvPr id="9" name="CaixaDeTexto 8">
+          <p:cNvPr id="6" name="CaixaDeTexto 5">
             <a:extLst>
               <a:ext uri="{FF2B5EF4-FFF2-40B4-BE49-F238E27FC236}">
-                <a16:creationId xmlns:a16="http://schemas.microsoft.com/office/drawing/2014/main" id="{9DA22223-2F9B-49FB-A788-F32AEE625D6B}"/>
+                <a16:creationId xmlns:a16="http://schemas.microsoft.com/office/drawing/2014/main" id="{3AE6A475-683B-4862-8969-A60E21E4E2FB}"/>
               </a:ext>
             </a:extLst>
           </p:cNvPr>
@@ -7937,8 +7982,8 @@
         </p:nvSpPr>
         <p:spPr>
           <a:xfrm>
-            <a:off x="1225485" y="3167049"/>
-            <a:ext cx="4628560" cy="1323439"/>
+            <a:off x="1004052" y="2834294"/>
+            <a:ext cx="3612193" cy="369332"/>
           </a:xfrm>
           <a:prstGeom prst="rect">
             <a:avLst/>
@@ -7952,28 +7997,67 @@
           <a:lstStyle/>
           <a:p>
             <a:r>
-              <a:rPr lang="pt-PT" sz="2000" dirty="0">
-                <a:ln>
-                  <a:solidFill>
-                    <a:schemeClr val="bg1">
-                      <a:lumMod val="75000"/>
-                      <a:lumOff val="25000"/>
-                      <a:alpha val="10000"/>
-                    </a:schemeClr>
-                  </a:solidFill>
-                </a:ln>
-                <a:solidFill>
-                  <a:schemeClr val="tx2"/>
-                </a:solidFill>
-                <a:effectLst>
-                  <a:outerShdw blurRad="9525" dist="25400" dir="14640000" algn="tl" rotWithShape="0">
-                    <a:schemeClr val="bg1">
-                      <a:alpha val="30000"/>
-                    </a:schemeClr>
-                  </a:outerShdw>
-                </a:effectLst>
-              </a:rPr>
-              <a:t>Um dos algoritmos de pesquisa usados foi a pesquisa binária, cuja implementação está representada na imagem abaixo.</a:t>
+              <a:rPr lang="pt-PT" dirty="0"/>
+              <a:t>Operadores para BST</a:t>
+            </a:r>
+          </a:p>
+        </p:txBody>
+      </p:sp>
+      <p:sp>
+        <p:nvSpPr>
+          <p:cNvPr id="8" name="CaixaDeTexto 7">
+            <a:extLst>
+              <a:ext uri="{FF2B5EF4-FFF2-40B4-BE49-F238E27FC236}">
+                <a16:creationId xmlns:a16="http://schemas.microsoft.com/office/drawing/2014/main" id="{33467F67-CB23-4561-A959-7ACBF47CCF91}"/>
+              </a:ext>
+            </a:extLst>
+          </p:cNvPr>
+          <p:cNvSpPr txBox="1"/>
+          <p:nvPr/>
+        </p:nvSpPr>
+        <p:spPr>
+          <a:xfrm>
+            <a:off x="6206248" y="2677212"/>
+            <a:ext cx="5151566" cy="646331"/>
+          </a:xfrm>
+          <a:prstGeom prst="rect">
+            <a:avLst/>
+          </a:prstGeom>
+          <a:noFill/>
+        </p:spPr>
+        <p:txBody>
+          <a:bodyPr wrap="square" rtlCol="0">
+            <a:spAutoFit/>
+          </a:bodyPr>
+          <a:lstStyle/>
+          <a:p>
+            <a:r>
+              <a:rPr lang="pt-PT" dirty="0"/>
+              <a:t>Criação de uma </a:t>
+            </a:r>
+            <a:r>
+              <a:rPr lang="pt-PT" dirty="0" err="1"/>
+              <a:t>struct</a:t>
+            </a:r>
+            <a:r>
+              <a:rPr lang="pt-PT" dirty="0"/>
+              <a:t> para a </a:t>
+            </a:r>
+            <a:r>
+              <a:rPr lang="pt-PT" dirty="0" err="1"/>
+              <a:t>hash</a:t>
+            </a:r>
+            <a:r>
+              <a:rPr lang="pt-PT" dirty="0"/>
+              <a:t> </a:t>
+            </a:r>
+            <a:r>
+              <a:rPr lang="pt-PT" dirty="0" err="1"/>
+              <a:t>table</a:t>
+            </a:r>
+            <a:r>
+              <a:rPr lang="pt-PT" dirty="0"/>
+              <a:t> dos clientes inativos</a:t>
             </a:r>
           </a:p>
         </p:txBody>
@@ -7981,7 +8065,7 @@
     </p:spTree>
     <p:extLst>
       <p:ext uri="{BB962C8B-B14F-4D97-AF65-F5344CB8AC3E}">
-        <p14:creationId xmlns:p14="http://schemas.microsoft.com/office/powerpoint/2010/main" val="2261345184"/>
+        <p14:creationId xmlns:p14="http://schemas.microsoft.com/office/powerpoint/2010/main" val="3247982087"/>
       </p:ext>
     </p:extLst>
   </p:cSld>
@@ -8008,12 +8092,47 @@
           <a:chExt cx="0" cy="0"/>
         </a:xfrm>
       </p:grpSpPr>
+      <p:sp>
+        <p:nvSpPr>
+          <p:cNvPr id="2" name="Título 1">
+            <a:extLst>
+              <a:ext uri="{FF2B5EF4-FFF2-40B4-BE49-F238E27FC236}">
+                <a16:creationId xmlns:a16="http://schemas.microsoft.com/office/drawing/2014/main" id="{F1EDC7DB-E2C8-46A8-B8B4-18EA92524156}"/>
+              </a:ext>
+            </a:extLst>
+          </p:cNvPr>
+          <p:cNvSpPr>
+            <a:spLocks noGrp="1"/>
+          </p:cNvSpPr>
+          <p:nvPr>
+            <p:ph type="title"/>
+          </p:nvPr>
+        </p:nvSpPr>
+        <p:spPr>
+          <a:xfrm>
+            <a:off x="913795" y="609600"/>
+            <a:ext cx="10353762" cy="970450"/>
+          </a:xfrm>
+        </p:spPr>
+        <p:txBody>
+          <a:bodyPr/>
+          <a:lstStyle/>
+          <a:p>
+            <a:pPr algn="l"/>
+            <a:r>
+              <a:rPr lang="pt-PT" dirty="0"/>
+              <a:t>Estrutura de Ficheiros</a:t>
+            </a:r>
+            <a:endParaRPr lang="en-US" dirty="0"/>
+          </a:p>
+        </p:txBody>
+      </p:sp>
       <p:pic>
         <p:nvPicPr>
-          <p:cNvPr id="5" name="Marcador de Posição de Conteúdo 4">
+          <p:cNvPr id="4" name="Marcador de Posição de Conteúdo 3">
             <a:extLst>
               <a:ext uri="{FF2B5EF4-FFF2-40B4-BE49-F238E27FC236}">
-                <a16:creationId xmlns:a16="http://schemas.microsoft.com/office/drawing/2014/main" id="{5652C2E8-91A4-47C1-A57B-043143D26C5F}"/>
+                <a16:creationId xmlns:a16="http://schemas.microsoft.com/office/drawing/2014/main" id="{BE0AD5C5-4AED-44B7-902D-FF90F91F6FD7}"/>
               </a:ext>
             </a:extLst>
           </p:cNvPr>
@@ -8025,30 +8144,147 @@
           </p:nvPr>
         </p:nvPicPr>
         <p:blipFill>
-          <a:blip r:embed="rId2">
-            <a:extLst>
-              <a:ext uri="{28A0092B-C50C-407E-A947-70E740481C1C}">
-                <a14:useLocalDpi xmlns:a14="http://schemas.microsoft.com/office/drawing/2010/main" val="0"/>
-              </a:ext>
-            </a:extLst>
-          </a:blip>
+          <a:blip r:embed="rId2"/>
           <a:stretch>
             <a:fillRect/>
           </a:stretch>
         </p:blipFill>
         <p:spPr>
           <a:xfrm>
-            <a:off x="2734962" y="223191"/>
-            <a:ext cx="8550875" cy="6411618"/>
-          </a:xfrm>
+            <a:off x="1158188" y="1479074"/>
+            <a:ext cx="1920406" cy="1112616"/>
+          </a:xfrm>
+          <a:prstGeom prst="rect">
+            <a:avLst/>
+          </a:prstGeom>
         </p:spPr>
       </p:pic>
-      <p:sp>
-        <p:nvSpPr>
-          <p:cNvPr id="7" name="CaixaDeTexto 6">
+      <p:pic>
+        <p:nvPicPr>
+          <p:cNvPr id="6" name="Imagem 5">
             <a:extLst>
               <a:ext uri="{FF2B5EF4-FFF2-40B4-BE49-F238E27FC236}">
-                <a16:creationId xmlns:a16="http://schemas.microsoft.com/office/drawing/2014/main" id="{2EF3BC57-35EB-44E8-A957-C074F8F7EDCB}"/>
+                <a16:creationId xmlns:a16="http://schemas.microsoft.com/office/drawing/2014/main" id="{82DFF612-5B4A-4189-8F2F-319D2D570B9C}"/>
+              </a:ext>
+            </a:extLst>
+          </p:cNvPr>
+          <p:cNvPicPr>
+            <a:picLocks noChangeAspect="1"/>
+          </p:cNvPicPr>
+          <p:nvPr/>
+        </p:nvPicPr>
+        <p:blipFill>
+          <a:blip r:embed="rId3"/>
+          <a:stretch>
+            <a:fillRect/>
+          </a:stretch>
+        </p:blipFill>
+        <p:spPr>
+          <a:xfrm>
+            <a:off x="1158188" y="4770236"/>
+            <a:ext cx="1486029" cy="1973751"/>
+          </a:xfrm>
+          <a:prstGeom prst="rect">
+            <a:avLst/>
+          </a:prstGeom>
+        </p:spPr>
+      </p:pic>
+      <p:pic>
+        <p:nvPicPr>
+          <p:cNvPr id="7" name="Imagem 6">
+            <a:extLst>
+              <a:ext uri="{FF2B5EF4-FFF2-40B4-BE49-F238E27FC236}">
+                <a16:creationId xmlns:a16="http://schemas.microsoft.com/office/drawing/2014/main" id="{B6BA7210-8367-42B7-9CE7-343A45F2BAFD}"/>
+              </a:ext>
+            </a:extLst>
+          </p:cNvPr>
+          <p:cNvPicPr>
+            <a:picLocks noChangeAspect="1"/>
+          </p:cNvPicPr>
+          <p:nvPr/>
+        </p:nvPicPr>
+        <p:blipFill>
+          <a:blip r:embed="rId4"/>
+          <a:stretch>
+            <a:fillRect/>
+          </a:stretch>
+        </p:blipFill>
+        <p:spPr>
+          <a:xfrm>
+            <a:off x="4391270" y="4488067"/>
+            <a:ext cx="1514846" cy="2315375"/>
+          </a:xfrm>
+          <a:prstGeom prst="rect">
+            <a:avLst/>
+          </a:prstGeom>
+        </p:spPr>
+      </p:pic>
+      <p:pic>
+        <p:nvPicPr>
+          <p:cNvPr id="8" name="Imagem 7">
+            <a:extLst>
+              <a:ext uri="{FF2B5EF4-FFF2-40B4-BE49-F238E27FC236}">
+                <a16:creationId xmlns:a16="http://schemas.microsoft.com/office/drawing/2014/main" id="{7E0F9D54-73D7-4E2A-A348-A38389E0CF25}"/>
+              </a:ext>
+            </a:extLst>
+          </p:cNvPr>
+          <p:cNvPicPr>
+            <a:picLocks noChangeAspect="1"/>
+          </p:cNvPicPr>
+          <p:nvPr/>
+        </p:nvPicPr>
+        <p:blipFill>
+          <a:blip r:embed="rId5"/>
+          <a:stretch>
+            <a:fillRect/>
+          </a:stretch>
+        </p:blipFill>
+        <p:spPr>
+          <a:xfrm>
+            <a:off x="4391270" y="1476988"/>
+            <a:ext cx="1514846" cy="2954969"/>
+          </a:xfrm>
+          <a:prstGeom prst="rect">
+            <a:avLst/>
+          </a:prstGeom>
+        </p:spPr>
+      </p:pic>
+      <p:pic>
+        <p:nvPicPr>
+          <p:cNvPr id="9" name="Imagem 8">
+            <a:extLst>
+              <a:ext uri="{FF2B5EF4-FFF2-40B4-BE49-F238E27FC236}">
+                <a16:creationId xmlns:a16="http://schemas.microsoft.com/office/drawing/2014/main" id="{848CA364-195A-4263-93F4-C34A8021301E}"/>
+              </a:ext>
+            </a:extLst>
+          </p:cNvPr>
+          <p:cNvPicPr>
+            <a:picLocks noChangeAspect="1"/>
+          </p:cNvPicPr>
+          <p:nvPr/>
+        </p:nvPicPr>
+        <p:blipFill>
+          <a:blip r:embed="rId6"/>
+          <a:stretch>
+            <a:fillRect/>
+          </a:stretch>
+        </p:blipFill>
+        <p:spPr>
+          <a:xfrm>
+            <a:off x="8592629" y="237189"/>
+            <a:ext cx="3292125" cy="3612193"/>
+          </a:xfrm>
+          <a:prstGeom prst="rect">
+            <a:avLst/>
+          </a:prstGeom>
+        </p:spPr>
+      </p:pic>
+      <p:sp>
+        <p:nvSpPr>
+          <p:cNvPr id="10" name="CaixaDeTexto 9">
+            <a:extLst>
+              <a:ext uri="{FF2B5EF4-FFF2-40B4-BE49-F238E27FC236}">
+                <a16:creationId xmlns:a16="http://schemas.microsoft.com/office/drawing/2014/main" id="{907F21C2-D0D8-4220-8AD3-532058FA1580}"/>
               </a:ext>
             </a:extLst>
           </p:cNvPr>
@@ -8057,8 +8293,8 @@
         </p:nvSpPr>
         <p:spPr>
           <a:xfrm>
-            <a:off x="420129" y="223191"/>
-            <a:ext cx="1581665" cy="646331"/>
+            <a:off x="219075" y="1580050"/>
+            <a:ext cx="1115456" cy="276999"/>
           </a:xfrm>
           <a:prstGeom prst="rect">
             <a:avLst/>
@@ -8072,17 +8308,717 @@
           <a:lstStyle/>
           <a:p>
             <a:r>
-              <a:rPr lang="pt-PT" dirty="0"/>
-              <a:t>Diagrama de Classes</a:t>
-            </a:r>
-            <a:endParaRPr lang="en-US" dirty="0"/>
+              <a:rPr lang="pt-PT" sz="1200" dirty="0">
+                <a:latin typeface="Calibri" panose="020F0502020204030204" pitchFamily="34" charset="0"/>
+                <a:cs typeface="Calibri" panose="020F0502020204030204" pitchFamily="34" charset="0"/>
+              </a:rPr>
+              <a:t>empresa.txt</a:t>
+            </a:r>
+            <a:endParaRPr lang="en-US" sz="1200" dirty="0">
+              <a:latin typeface="Calibri" panose="020F0502020204030204" pitchFamily="34" charset="0"/>
+              <a:cs typeface="Calibri" panose="020F0502020204030204" pitchFamily="34" charset="0"/>
+            </a:endParaRPr>
+          </a:p>
+        </p:txBody>
+      </p:sp>
+      <p:sp>
+        <p:nvSpPr>
+          <p:cNvPr id="11" name="CaixaDeTexto 10">
+            <a:extLst>
+              <a:ext uri="{FF2B5EF4-FFF2-40B4-BE49-F238E27FC236}">
+                <a16:creationId xmlns:a16="http://schemas.microsoft.com/office/drawing/2014/main" id="{FFA48F38-97AE-42F1-A564-B1C75FBB0C99}"/>
+              </a:ext>
+            </a:extLst>
+          </p:cNvPr>
+          <p:cNvSpPr txBox="1"/>
+          <p:nvPr/>
+        </p:nvSpPr>
+        <p:spPr>
+          <a:xfrm>
+            <a:off x="307246" y="2868240"/>
+            <a:ext cx="939113" cy="276999"/>
+          </a:xfrm>
+          <a:prstGeom prst="rect">
+            <a:avLst/>
+          </a:prstGeom>
+          <a:noFill/>
+        </p:spPr>
+        <p:txBody>
+          <a:bodyPr wrap="square" rtlCol="0">
+            <a:spAutoFit/>
+          </a:bodyPr>
+          <a:lstStyle/>
+          <a:p>
+            <a:r>
+              <a:rPr lang="pt-PT" sz="1200" dirty="0">
+                <a:latin typeface="Calibri" panose="020F0502020204030204" pitchFamily="34" charset="0"/>
+                <a:cs typeface="Calibri" panose="020F0502020204030204" pitchFamily="34" charset="0"/>
+              </a:rPr>
+              <a:t>clientes.txt</a:t>
+            </a:r>
+            <a:endParaRPr lang="en-US" sz="1200" dirty="0">
+              <a:latin typeface="Calibri" panose="020F0502020204030204" pitchFamily="34" charset="0"/>
+              <a:cs typeface="Calibri" panose="020F0502020204030204" pitchFamily="34" charset="0"/>
+            </a:endParaRPr>
+          </a:p>
+        </p:txBody>
+      </p:sp>
+      <p:sp>
+        <p:nvSpPr>
+          <p:cNvPr id="12" name="CaixaDeTexto 11">
+            <a:extLst>
+              <a:ext uri="{FF2B5EF4-FFF2-40B4-BE49-F238E27FC236}">
+                <a16:creationId xmlns:a16="http://schemas.microsoft.com/office/drawing/2014/main" id="{14FA7AC9-0D8B-4267-A2DB-A828C765A07B}"/>
+              </a:ext>
+            </a:extLst>
+          </p:cNvPr>
+          <p:cNvSpPr txBox="1"/>
+          <p:nvPr/>
+        </p:nvSpPr>
+        <p:spPr>
+          <a:xfrm>
+            <a:off x="171866" y="4770236"/>
+            <a:ext cx="1209872" cy="276999"/>
+          </a:xfrm>
+          <a:prstGeom prst="rect">
+            <a:avLst/>
+          </a:prstGeom>
+          <a:noFill/>
+        </p:spPr>
+        <p:txBody>
+          <a:bodyPr wrap="square" rtlCol="0">
+            <a:spAutoFit/>
+          </a:bodyPr>
+          <a:lstStyle/>
+          <a:p>
+            <a:r>
+              <a:rPr lang="pt-PT" sz="1200" dirty="0">
+                <a:latin typeface="Calibri" panose="020F0502020204030204" pitchFamily="34" charset="0"/>
+                <a:cs typeface="Calibri" panose="020F0502020204030204" pitchFamily="34" charset="0"/>
+              </a:rPr>
+              <a:t>motoristas.txt</a:t>
+            </a:r>
+          </a:p>
+        </p:txBody>
+      </p:sp>
+      <p:sp>
+        <p:nvSpPr>
+          <p:cNvPr id="13" name="CaixaDeTexto 12">
+            <a:extLst>
+              <a:ext uri="{FF2B5EF4-FFF2-40B4-BE49-F238E27FC236}">
+                <a16:creationId xmlns:a16="http://schemas.microsoft.com/office/drawing/2014/main" id="{25BB95F2-5D81-4547-8E0E-AD0314F6D2A8}"/>
+              </a:ext>
+            </a:extLst>
+          </p:cNvPr>
+          <p:cNvSpPr txBox="1"/>
+          <p:nvPr/>
+        </p:nvSpPr>
+        <p:spPr>
+          <a:xfrm>
+            <a:off x="3428516" y="1580049"/>
+            <a:ext cx="1095633" cy="276999"/>
+          </a:xfrm>
+          <a:prstGeom prst="rect">
+            <a:avLst/>
+          </a:prstGeom>
+          <a:noFill/>
+        </p:spPr>
+        <p:txBody>
+          <a:bodyPr wrap="square" rtlCol="0">
+            <a:spAutoFit/>
+          </a:bodyPr>
+          <a:lstStyle/>
+          <a:p>
+            <a:r>
+              <a:rPr lang="pt-PT" sz="1200" dirty="0">
+                <a:latin typeface="Calibri" panose="020F0502020204030204" pitchFamily="34" charset="0"/>
+                <a:cs typeface="Calibri" panose="020F0502020204030204" pitchFamily="34" charset="0"/>
+              </a:rPr>
+              <a:t>camioes.txt</a:t>
+            </a:r>
+          </a:p>
+        </p:txBody>
+      </p:sp>
+      <p:sp>
+        <p:nvSpPr>
+          <p:cNvPr id="14" name="CaixaDeTexto 13">
+            <a:extLst>
+              <a:ext uri="{FF2B5EF4-FFF2-40B4-BE49-F238E27FC236}">
+                <a16:creationId xmlns:a16="http://schemas.microsoft.com/office/drawing/2014/main" id="{9B5BE4F1-9611-41B5-86C8-97DE11DF2EC6}"/>
+              </a:ext>
+            </a:extLst>
+          </p:cNvPr>
+          <p:cNvSpPr txBox="1"/>
+          <p:nvPr/>
+        </p:nvSpPr>
+        <p:spPr>
+          <a:xfrm>
+            <a:off x="3327521" y="4488067"/>
+            <a:ext cx="1005016" cy="276999"/>
+          </a:xfrm>
+          <a:prstGeom prst="rect">
+            <a:avLst/>
+          </a:prstGeom>
+          <a:noFill/>
+        </p:spPr>
+        <p:txBody>
+          <a:bodyPr wrap="square" rtlCol="0">
+            <a:spAutoFit/>
+          </a:bodyPr>
+          <a:lstStyle/>
+          <a:p>
+            <a:r>
+              <a:rPr lang="pt-PT" sz="1200" dirty="0">
+                <a:latin typeface="Calibri" panose="020F0502020204030204" pitchFamily="34" charset="0"/>
+                <a:cs typeface="Calibri" panose="020F0502020204030204" pitchFamily="34" charset="0"/>
+              </a:rPr>
+              <a:t>servicos.txt</a:t>
+            </a:r>
+          </a:p>
+        </p:txBody>
+      </p:sp>
+      <p:sp>
+        <p:nvSpPr>
+          <p:cNvPr id="15" name="CaixaDeTexto 14">
+            <a:extLst>
+              <a:ext uri="{FF2B5EF4-FFF2-40B4-BE49-F238E27FC236}">
+                <a16:creationId xmlns:a16="http://schemas.microsoft.com/office/drawing/2014/main" id="{B2656276-B953-44D6-A818-B595EABA0D0D}"/>
+              </a:ext>
+            </a:extLst>
+          </p:cNvPr>
+          <p:cNvSpPr txBox="1"/>
+          <p:nvPr/>
+        </p:nvSpPr>
+        <p:spPr>
+          <a:xfrm>
+            <a:off x="7540961" y="166047"/>
+            <a:ext cx="1040414" cy="276999"/>
+          </a:xfrm>
+          <a:prstGeom prst="rect">
+            <a:avLst/>
+          </a:prstGeom>
+          <a:noFill/>
+        </p:spPr>
+        <p:txBody>
+          <a:bodyPr wrap="square" rtlCol="0">
+            <a:spAutoFit/>
+          </a:bodyPr>
+          <a:lstStyle/>
+          <a:p>
+            <a:r>
+              <a:rPr lang="pt-PT" sz="1200" dirty="0">
+                <a:latin typeface="Calibri" panose="020F0502020204030204" pitchFamily="34" charset="0"/>
+                <a:cs typeface="Calibri" panose="020F0502020204030204" pitchFamily="34" charset="0"/>
+              </a:rPr>
+              <a:t>distancias.txt</a:t>
+            </a:r>
+          </a:p>
+        </p:txBody>
+      </p:sp>
+      <p:sp>
+        <p:nvSpPr>
+          <p:cNvPr id="3" name="CaixaDeTexto 2">
+            <a:extLst>
+              <a:ext uri="{FF2B5EF4-FFF2-40B4-BE49-F238E27FC236}">
+                <a16:creationId xmlns:a16="http://schemas.microsoft.com/office/drawing/2014/main" id="{E7EC8BAA-4B67-43EF-B1BC-81A0D81050F7}"/>
+              </a:ext>
+            </a:extLst>
+          </p:cNvPr>
+          <p:cNvSpPr txBox="1"/>
+          <p:nvPr/>
+        </p:nvSpPr>
+        <p:spPr>
+          <a:xfrm>
+            <a:off x="2316235" y="2901710"/>
+            <a:ext cx="1828234" cy="1200329"/>
+          </a:xfrm>
+          <a:prstGeom prst="rect">
+            <a:avLst/>
+          </a:prstGeom>
+          <a:noFill/>
+        </p:spPr>
+        <p:txBody>
+          <a:bodyPr wrap="square" rtlCol="0">
+            <a:spAutoFit/>
+          </a:bodyPr>
+          <a:lstStyle/>
+          <a:p>
+            <a:r>
+              <a:rPr lang="pt-PT" sz="1200" dirty="0"/>
+              <a:t>Nome</a:t>
+            </a:r>
+          </a:p>
+          <a:p>
+            <a:r>
+              <a:rPr lang="pt-PT" sz="1200" dirty="0"/>
+              <a:t>Idade</a:t>
+            </a:r>
+          </a:p>
+          <a:p>
+            <a:r>
+              <a:rPr lang="pt-PT" sz="1200" dirty="0"/>
+              <a:t>NIF</a:t>
+            </a:r>
+          </a:p>
+          <a:p>
+            <a:r>
+              <a:rPr lang="pt-PT" sz="1200" dirty="0"/>
+              <a:t>Serviços encomendados</a:t>
+            </a:r>
+          </a:p>
+          <a:p>
+            <a:r>
+              <a:rPr lang="pt-PT" sz="1200" dirty="0" err="1"/>
+              <a:t>Sep</a:t>
+            </a:r>
+            <a:r>
+              <a:rPr lang="pt-PT" sz="1200" dirty="0"/>
+              <a:t> (:::::)</a:t>
+            </a:r>
+          </a:p>
+          <a:p>
+            <a:r>
+              <a:rPr lang="pt-PT" sz="1200" dirty="0"/>
+              <a:t>Novo cliente</a:t>
+            </a:r>
+          </a:p>
+        </p:txBody>
+      </p:sp>
+      <p:pic>
+        <p:nvPicPr>
+          <p:cNvPr id="16" name="Imagem 15">
+            <a:extLst>
+              <a:ext uri="{FF2B5EF4-FFF2-40B4-BE49-F238E27FC236}">
+                <a16:creationId xmlns:a16="http://schemas.microsoft.com/office/drawing/2014/main" id="{65D59AA7-54EA-425E-9A5C-37BFB6F94879}"/>
+              </a:ext>
+            </a:extLst>
+          </p:cNvPr>
+          <p:cNvPicPr>
+            <a:picLocks noChangeAspect="1"/>
+          </p:cNvPicPr>
+          <p:nvPr/>
+        </p:nvPicPr>
+        <p:blipFill>
+          <a:blip r:embed="rId7"/>
+          <a:stretch>
+            <a:fillRect/>
+          </a:stretch>
+        </p:blipFill>
+        <p:spPr>
+          <a:xfrm>
+            <a:off x="1160264" y="2898952"/>
+            <a:ext cx="1217070" cy="1805454"/>
+          </a:xfrm>
+          <a:prstGeom prst="rect">
+            <a:avLst/>
+          </a:prstGeom>
+        </p:spPr>
+      </p:pic>
+      <p:sp>
+        <p:nvSpPr>
+          <p:cNvPr id="17" name="CaixaDeTexto 16">
+            <a:extLst>
+              <a:ext uri="{FF2B5EF4-FFF2-40B4-BE49-F238E27FC236}">
+                <a16:creationId xmlns:a16="http://schemas.microsoft.com/office/drawing/2014/main" id="{D8CF49BE-EF84-4D01-9785-F90AD7EF7160}"/>
+              </a:ext>
+            </a:extLst>
+          </p:cNvPr>
+          <p:cNvSpPr txBox="1"/>
+          <p:nvPr/>
+        </p:nvSpPr>
+        <p:spPr>
+          <a:xfrm>
+            <a:off x="2579251" y="4765065"/>
+            <a:ext cx="1262479" cy="1384995"/>
+          </a:xfrm>
+          <a:prstGeom prst="rect">
+            <a:avLst/>
+          </a:prstGeom>
+          <a:noFill/>
+        </p:spPr>
+        <p:txBody>
+          <a:bodyPr wrap="square" rtlCol="0">
+            <a:spAutoFit/>
+          </a:bodyPr>
+          <a:lstStyle/>
+          <a:p>
+            <a:r>
+              <a:rPr lang="pt-PT" sz="1200" dirty="0"/>
+              <a:t>Nome</a:t>
+            </a:r>
+          </a:p>
+          <a:p>
+            <a:r>
+              <a:rPr lang="pt-PT" sz="1200" dirty="0"/>
+              <a:t>Idade</a:t>
+            </a:r>
+          </a:p>
+          <a:p>
+            <a:r>
+              <a:rPr lang="pt-PT" sz="1200" dirty="0"/>
+              <a:t>Salário</a:t>
+            </a:r>
+          </a:p>
+          <a:p>
+            <a:r>
+              <a:rPr lang="pt-PT" sz="1200" dirty="0"/>
+              <a:t>Horário</a:t>
+            </a:r>
+          </a:p>
+          <a:p>
+            <a:r>
+              <a:rPr lang="pt-PT" sz="1200" dirty="0"/>
+              <a:t>Categorias</a:t>
+            </a:r>
+          </a:p>
+          <a:p>
+            <a:r>
+              <a:rPr lang="pt-PT" sz="1200" dirty="0" err="1"/>
+              <a:t>Sep</a:t>
+            </a:r>
+            <a:r>
+              <a:rPr lang="pt-PT" sz="1200" dirty="0"/>
+              <a:t> (:::::)</a:t>
+            </a:r>
+          </a:p>
+          <a:p>
+            <a:r>
+              <a:rPr lang="pt-PT" sz="1200" dirty="0"/>
+              <a:t>Novo motorista</a:t>
+            </a:r>
+            <a:endParaRPr lang="en-US" sz="1200" dirty="0"/>
+          </a:p>
+        </p:txBody>
+      </p:sp>
+      <p:sp>
+        <p:nvSpPr>
+          <p:cNvPr id="18" name="CaixaDeTexto 17">
+            <a:extLst>
+              <a:ext uri="{FF2B5EF4-FFF2-40B4-BE49-F238E27FC236}">
+                <a16:creationId xmlns:a16="http://schemas.microsoft.com/office/drawing/2014/main" id="{632F4444-4B86-44CA-A64F-0FC0510A5364}"/>
+              </a:ext>
+            </a:extLst>
+          </p:cNvPr>
+          <p:cNvSpPr txBox="1"/>
+          <p:nvPr/>
+        </p:nvSpPr>
+        <p:spPr>
+          <a:xfrm>
+            <a:off x="5854809" y="1476988"/>
+            <a:ext cx="1779915" cy="1754326"/>
+          </a:xfrm>
+          <a:prstGeom prst="rect">
+            <a:avLst/>
+          </a:prstGeom>
+          <a:noFill/>
+        </p:spPr>
+        <p:txBody>
+          <a:bodyPr wrap="square" rtlCol="0">
+            <a:spAutoFit/>
+          </a:bodyPr>
+          <a:lstStyle/>
+          <a:p>
+            <a:r>
+              <a:rPr lang="pt-PT" sz="1200" dirty="0"/>
+              <a:t>(Nº de camiões)</a:t>
+            </a:r>
+          </a:p>
+          <a:p>
+            <a:r>
+              <a:rPr lang="pt-PT" sz="1200" dirty="0"/>
+              <a:t>Tipo de camião </a:t>
+            </a:r>
+            <a:endParaRPr lang="en-US" sz="1200" dirty="0"/>
+          </a:p>
+          <a:p>
+            <a:r>
+              <a:rPr lang="en-US" sz="1200" dirty="0"/>
+              <a:t>ID </a:t>
+            </a:r>
+          </a:p>
+          <a:p>
+            <a:r>
+              <a:rPr lang="en-US" sz="1200" dirty="0"/>
+              <a:t>Marca</a:t>
+            </a:r>
+          </a:p>
+          <a:p>
+            <a:r>
+              <a:rPr lang="en-US" sz="1200" dirty="0" err="1"/>
+              <a:t>Capacidade</a:t>
+            </a:r>
+            <a:endParaRPr lang="en-US" sz="1200" dirty="0"/>
+          </a:p>
+          <a:p>
+            <a:r>
+              <a:rPr lang="en-US" sz="1200" dirty="0"/>
+              <a:t>Km </a:t>
+            </a:r>
+            <a:r>
+              <a:rPr lang="en-US" sz="1200" dirty="0" err="1"/>
+              <a:t>percorridos</a:t>
+            </a:r>
+            <a:endParaRPr lang="en-US" sz="1200" dirty="0"/>
+          </a:p>
+          <a:p>
+            <a:r>
+              <a:rPr lang="pt-PT" sz="1200" dirty="0"/>
+              <a:t>Especial para cada tipo</a:t>
+            </a:r>
+          </a:p>
+          <a:p>
+            <a:r>
+              <a:rPr lang="pt-PT" sz="1200" dirty="0" err="1"/>
+              <a:t>Sep</a:t>
+            </a:r>
+            <a:r>
+              <a:rPr lang="pt-PT" sz="1200" dirty="0"/>
+              <a:t> (:::::)</a:t>
+            </a:r>
+          </a:p>
+          <a:p>
+            <a:r>
+              <a:rPr lang="pt-PT" sz="1200" dirty="0"/>
+              <a:t>Novo camião</a:t>
+            </a:r>
+          </a:p>
+        </p:txBody>
+      </p:sp>
+      <p:sp>
+        <p:nvSpPr>
+          <p:cNvPr id="19" name="CaixaDeTexto 18">
+            <a:extLst>
+              <a:ext uri="{FF2B5EF4-FFF2-40B4-BE49-F238E27FC236}">
+                <a16:creationId xmlns:a16="http://schemas.microsoft.com/office/drawing/2014/main" id="{C088698D-549A-46DC-868A-CD67D6553B2E}"/>
+              </a:ext>
+            </a:extLst>
+          </p:cNvPr>
+          <p:cNvSpPr txBox="1"/>
+          <p:nvPr/>
+        </p:nvSpPr>
+        <p:spPr>
+          <a:xfrm>
+            <a:off x="5846987" y="4488067"/>
+            <a:ext cx="1894704" cy="1938992"/>
+          </a:xfrm>
+          <a:prstGeom prst="rect">
+            <a:avLst/>
+          </a:prstGeom>
+          <a:noFill/>
+        </p:spPr>
+        <p:txBody>
+          <a:bodyPr wrap="square" rtlCol="0">
+            <a:spAutoFit/>
+          </a:bodyPr>
+          <a:lstStyle/>
+          <a:p>
+            <a:r>
+              <a:rPr lang="pt-PT" sz="1200" dirty="0"/>
+              <a:t>ID</a:t>
+            </a:r>
+          </a:p>
+          <a:p>
+            <a:r>
+              <a:rPr lang="pt-PT" sz="1200" dirty="0"/>
+              <a:t>Categoria da encomenda</a:t>
+            </a:r>
+          </a:p>
+          <a:p>
+            <a:r>
+              <a:rPr lang="pt-PT" sz="1200" dirty="0"/>
+              <a:t>Camiões para entrega</a:t>
+            </a:r>
+          </a:p>
+          <a:p>
+            <a:r>
+              <a:rPr lang="pt-PT" sz="1200" dirty="0"/>
+              <a:t>Origem</a:t>
+            </a:r>
+          </a:p>
+          <a:p>
+            <a:r>
+              <a:rPr lang="pt-PT" sz="1200" dirty="0"/>
+              <a:t>Destino</a:t>
+            </a:r>
+          </a:p>
+          <a:p>
+            <a:r>
+              <a:rPr lang="pt-PT" sz="1200" dirty="0"/>
+              <a:t>Hora</a:t>
+            </a:r>
+          </a:p>
+          <a:p>
+            <a:r>
+              <a:rPr lang="pt-PT" sz="1200" dirty="0"/>
+              <a:t>Data</a:t>
+            </a:r>
+          </a:p>
+          <a:p>
+            <a:r>
+              <a:rPr lang="pt-PT" sz="1200" dirty="0"/>
+              <a:t>Disponibilidade</a:t>
+            </a:r>
+          </a:p>
+          <a:p>
+            <a:r>
+              <a:rPr lang="pt-PT" sz="1200" dirty="0" err="1"/>
+              <a:t>Sep</a:t>
+            </a:r>
+            <a:r>
+              <a:rPr lang="pt-PT" sz="1200" dirty="0"/>
+              <a:t> (:::::)</a:t>
+            </a:r>
+          </a:p>
+          <a:p>
+            <a:r>
+              <a:rPr lang="pt-PT" sz="1200" dirty="0"/>
+              <a:t>Novo serviço</a:t>
+            </a:r>
+            <a:endParaRPr lang="en-US" sz="1200" dirty="0"/>
+          </a:p>
+        </p:txBody>
+      </p:sp>
+      <p:pic>
+        <p:nvPicPr>
+          <p:cNvPr id="5" name="Imagem 4">
+            <a:extLst>
+              <a:ext uri="{FF2B5EF4-FFF2-40B4-BE49-F238E27FC236}">
+                <a16:creationId xmlns:a16="http://schemas.microsoft.com/office/drawing/2014/main" id="{DC1E3802-BE07-4060-85EC-31B0F1256234}"/>
+              </a:ext>
+            </a:extLst>
+          </p:cNvPr>
+          <p:cNvPicPr>
+            <a:picLocks noChangeAspect="1"/>
+          </p:cNvPicPr>
+          <p:nvPr/>
+        </p:nvPicPr>
+        <p:blipFill>
+          <a:blip r:embed="rId8"/>
+          <a:stretch>
+            <a:fillRect/>
+          </a:stretch>
+        </p:blipFill>
+        <p:spPr>
+          <a:xfrm>
+            <a:off x="8592629" y="4431957"/>
+            <a:ext cx="1661304" cy="1455546"/>
+          </a:xfrm>
+          <a:prstGeom prst="rect">
+            <a:avLst/>
+          </a:prstGeom>
+        </p:spPr>
+      </p:pic>
+      <p:sp>
+        <p:nvSpPr>
+          <p:cNvPr id="20" name="CaixaDeTexto 19">
+            <a:extLst>
+              <a:ext uri="{FF2B5EF4-FFF2-40B4-BE49-F238E27FC236}">
+                <a16:creationId xmlns:a16="http://schemas.microsoft.com/office/drawing/2014/main" id="{32B12187-F5FC-4F87-8AD4-3CD75241BFBB}"/>
+              </a:ext>
+            </a:extLst>
+          </p:cNvPr>
+          <p:cNvSpPr txBox="1"/>
+          <p:nvPr/>
+        </p:nvSpPr>
+        <p:spPr>
+          <a:xfrm>
+            <a:off x="7741691" y="4427407"/>
+            <a:ext cx="935381" cy="276999"/>
+          </a:xfrm>
+          <a:prstGeom prst="rect">
+            <a:avLst/>
+          </a:prstGeom>
+          <a:noFill/>
+        </p:spPr>
+        <p:txBody>
+          <a:bodyPr wrap="square" rtlCol="0">
+            <a:spAutoFit/>
+          </a:bodyPr>
+          <a:lstStyle/>
+          <a:p>
+            <a:r>
+              <a:rPr lang="pt-PT" sz="1200" dirty="0">
+                <a:latin typeface="Calibri" panose="020F0502020204030204" pitchFamily="34" charset="0"/>
+                <a:cs typeface="Calibri" panose="020F0502020204030204" pitchFamily="34" charset="0"/>
+              </a:rPr>
+              <a:t>Oficinas.txt</a:t>
+            </a:r>
+          </a:p>
+        </p:txBody>
+      </p:sp>
+      <p:sp>
+        <p:nvSpPr>
+          <p:cNvPr id="21" name="CaixaDeTexto 20">
+            <a:extLst>
+              <a:ext uri="{FF2B5EF4-FFF2-40B4-BE49-F238E27FC236}">
+                <a16:creationId xmlns:a16="http://schemas.microsoft.com/office/drawing/2014/main" id="{690E4B7B-FFB6-4CEB-A12D-694C8FA6464D}"/>
+              </a:ext>
+            </a:extLst>
+          </p:cNvPr>
+          <p:cNvSpPr txBox="1"/>
+          <p:nvPr/>
+        </p:nvSpPr>
+        <p:spPr>
+          <a:xfrm>
+            <a:off x="10340502" y="4427407"/>
+            <a:ext cx="1851498" cy="1200329"/>
+          </a:xfrm>
+          <a:prstGeom prst="rect">
+            <a:avLst/>
+          </a:prstGeom>
+          <a:noFill/>
+        </p:spPr>
+        <p:txBody>
+          <a:bodyPr wrap="square" rtlCol="0">
+            <a:spAutoFit/>
+          </a:bodyPr>
+          <a:lstStyle/>
+          <a:p>
+            <a:r>
+              <a:rPr lang="pt-PT" sz="1200" dirty="0"/>
+              <a:t>Nome</a:t>
+            </a:r>
+          </a:p>
+          <a:p>
+            <a:r>
+              <a:rPr lang="pt-PT" sz="1200" dirty="0"/>
+              <a:t>Marca especializada</a:t>
+            </a:r>
+          </a:p>
+          <a:p>
+            <a:r>
+              <a:rPr lang="pt-PT" sz="1200" dirty="0"/>
+              <a:t>Dias até disponível</a:t>
+            </a:r>
+          </a:p>
+          <a:p>
+            <a:r>
+              <a:rPr lang="pt-PT" sz="1200" dirty="0"/>
+              <a:t>Data até estar  disponível</a:t>
+            </a:r>
+          </a:p>
+          <a:p>
+            <a:r>
+              <a:rPr lang="pt-PT" sz="1200" dirty="0" err="1"/>
+              <a:t>Sep</a:t>
+            </a:r>
+            <a:r>
+              <a:rPr lang="pt-PT" sz="1200" dirty="0"/>
+              <a:t>(:::::)</a:t>
+            </a:r>
+          </a:p>
+          <a:p>
+            <a:r>
+              <a:rPr lang="pt-PT" sz="1200" dirty="0"/>
+              <a:t>Nova oficina</a:t>
+            </a:r>
           </a:p>
         </p:txBody>
       </p:sp>
     </p:spTree>
     <p:extLst>
       <p:ext uri="{BB962C8B-B14F-4D97-AF65-F5344CB8AC3E}">
-        <p14:creationId xmlns:p14="http://schemas.microsoft.com/office/powerpoint/2010/main" val="2399947703"/>
+        <p14:creationId xmlns:p14="http://schemas.microsoft.com/office/powerpoint/2010/main" val="2932892552"/>
       </p:ext>
     </p:extLst>
   </p:cSld>
@@ -8095,6 +9031,14 @@
 <file path=ppt/slides/slide6.xml><?xml version="1.0" encoding="utf-8"?>
 <p:sld xmlns:a="http://schemas.openxmlformats.org/drawingml/2006/main" xmlns:r="http://schemas.openxmlformats.org/officeDocument/2006/relationships" xmlns:p="http://schemas.openxmlformats.org/presentationml/2006/main">
   <p:cSld>
+    <p:bg>
+      <p:bgPr>
+        <a:solidFill>
+          <a:schemeClr val="bg1"/>
+        </a:solidFill>
+        <a:effectLst/>
+      </p:bgPr>
+    </p:bg>
     <p:spTree>
       <p:nvGrpSpPr>
         <p:cNvPr id="1" name=""/>
@@ -8109,12 +9053,298 @@
           <a:chExt cx="0" cy="0"/>
         </a:xfrm>
       </p:grpSpPr>
+      <p:sp>
+        <p:nvSpPr>
+          <p:cNvPr id="9" name="Rectangle 8">
+            <a:extLst>
+              <a:ext uri="{FF2B5EF4-FFF2-40B4-BE49-F238E27FC236}">
+                <a16:creationId xmlns:a16="http://schemas.microsoft.com/office/drawing/2014/main" id="{95CB840F-8E41-4CA5-B79B-25CC80AD234A}"/>
+              </a:ext>
+              <a:ext uri="{C183D7F6-B498-43B3-948B-1728B52AA6E4}">
+                <adec:decorative xmlns:adec="http://schemas.microsoft.com/office/drawing/2017/decorative" val="1"/>
+              </a:ext>
+            </a:extLst>
+          </p:cNvPr>
+          <p:cNvSpPr>
+            <a:spLocks noGrp="1" noRot="1" noChangeAspect="1" noMove="1" noResize="1" noEditPoints="1" noAdjustHandles="1" noChangeArrowheads="1" noChangeShapeType="1" noTextEdit="1"/>
+          </p:cNvSpPr>
+          <p:nvPr>
+            <p:extLst>
+              <p:ext uri="{386F3935-93C4-4BCD-93E2-E3B085C9AB24}">
+                <p16:designElem xmlns:p16="http://schemas.microsoft.com/office/powerpoint/2015/main" val="1"/>
+              </p:ext>
+            </p:extLst>
+          </p:nvPr>
+        </p:nvSpPr>
+        <p:spPr>
+          <a:xfrm>
+            <a:off x="0" y="0"/>
+            <a:ext cx="12192000" cy="6858000"/>
+          </a:xfrm>
+          <a:prstGeom prst="rect">
+            <a:avLst/>
+          </a:prstGeom>
+          <a:ln>
+            <a:noFill/>
+          </a:ln>
+        </p:spPr>
+        <p:style>
+          <a:lnRef idx="2">
+            <a:schemeClr val="accent1">
+              <a:shade val="50000"/>
+            </a:schemeClr>
+          </a:lnRef>
+          <a:fillRef idx="1003">
+            <a:schemeClr val="dk2"/>
+          </a:fillRef>
+          <a:effectRef idx="0">
+            <a:schemeClr val="accent1"/>
+          </a:effectRef>
+          <a:fontRef idx="minor">
+            <a:schemeClr val="lt1"/>
+          </a:fontRef>
+        </p:style>
+        <p:txBody>
+          <a:bodyPr rtlCol="0" anchor="ctr"/>
+          <a:lstStyle/>
+          <a:p>
+            <a:pPr algn="ctr"/>
+            <a:endParaRPr lang="en-US"/>
+          </a:p>
+        </p:txBody>
+      </p:sp>
+      <p:sp>
+        <p:nvSpPr>
+          <p:cNvPr id="2" name="Título 1">
+            <a:extLst>
+              <a:ext uri="{FF2B5EF4-FFF2-40B4-BE49-F238E27FC236}">
+                <a16:creationId xmlns:a16="http://schemas.microsoft.com/office/drawing/2014/main" id="{0FAD64EA-43B4-44DC-ACFD-1095DB9DDE5C}"/>
+              </a:ext>
+            </a:extLst>
+          </p:cNvPr>
+          <p:cNvSpPr>
+            <a:spLocks noGrp="1"/>
+          </p:cNvSpPr>
+          <p:nvPr>
+            <p:ph type="title"/>
+          </p:nvPr>
+        </p:nvSpPr>
+        <p:spPr>
+          <a:xfrm>
+            <a:off x="913795" y="381000"/>
+            <a:ext cx="3078749" cy="970450"/>
+          </a:xfrm>
+        </p:spPr>
+        <p:txBody>
+          <a:bodyPr anchor="b">
+            <a:normAutofit/>
+          </a:bodyPr>
+          <a:lstStyle/>
+          <a:p>
+            <a:pPr algn="l"/>
+            <a:r>
+              <a:rPr lang="pt-PT" sz="2800" dirty="0">
+                <a:ln>
+                  <a:solidFill>
+                    <a:srgbClr val="404040">
+                      <a:alpha val="10000"/>
+                    </a:srgbClr>
+                  </a:solidFill>
+                </a:ln>
+                <a:solidFill>
+                  <a:srgbClr val="DADADA"/>
+                </a:solidFill>
+              </a:rPr>
+              <a:t>Funcionalidades Implementadas</a:t>
+            </a:r>
+          </a:p>
+        </p:txBody>
+      </p:sp>
+      <p:sp>
+        <p:nvSpPr>
+          <p:cNvPr id="3" name="Marcador de Posição de Conteúdo 2">
+            <a:extLst>
+              <a:ext uri="{FF2B5EF4-FFF2-40B4-BE49-F238E27FC236}">
+                <a16:creationId xmlns:a16="http://schemas.microsoft.com/office/drawing/2014/main" id="{B624AF00-5928-47B2-BD5D-4BD3D085C2C7}"/>
+              </a:ext>
+            </a:extLst>
+          </p:cNvPr>
+          <p:cNvSpPr>
+            <a:spLocks noGrp="1"/>
+          </p:cNvSpPr>
+          <p:nvPr>
+            <p:ph idx="1"/>
+          </p:nvPr>
+        </p:nvSpPr>
+        <p:spPr>
+          <a:xfrm>
+            <a:off x="913795" y="1507787"/>
+            <a:ext cx="4533694" cy="4706746"/>
+          </a:xfrm>
+        </p:spPr>
+        <p:txBody>
+          <a:bodyPr anchor="t">
+            <a:normAutofit/>
+          </a:bodyPr>
+          <a:lstStyle/>
+          <a:p>
+            <a:pPr>
+              <a:lnSpc>
+                <a:spcPct val="90000"/>
+              </a:lnSpc>
+            </a:pPr>
+            <a:r>
+              <a:rPr lang="pt-PT" dirty="0">
+                <a:ln>
+                  <a:solidFill>
+                    <a:srgbClr val="404040">
+                      <a:alpha val="10000"/>
+                    </a:srgbClr>
+                  </a:solidFill>
+                </a:ln>
+                <a:solidFill>
+                  <a:srgbClr val="DADADA"/>
+                </a:solidFill>
+                <a:latin typeface="Calibri" panose="020F0502020204030204" pitchFamily="34" charset="0"/>
+                <a:cs typeface="Calibri" panose="020F0502020204030204" pitchFamily="34" charset="0"/>
+              </a:rPr>
+              <a:t>Como já referido anteriormente, foram implementadas no programa todas as funcionalidades que permitem adição, remoção e edição de objetos das classes </a:t>
+            </a:r>
+            <a:r>
+              <a:rPr lang="pt-PT" dirty="0" err="1">
+                <a:ln>
+                  <a:solidFill>
+                    <a:srgbClr val="404040">
+                      <a:alpha val="10000"/>
+                    </a:srgbClr>
+                  </a:solidFill>
+                </a:ln>
+                <a:solidFill>
+                  <a:srgbClr val="DADADA"/>
+                </a:solidFill>
+                <a:latin typeface="Calibri" panose="020F0502020204030204" pitchFamily="34" charset="0"/>
+                <a:cs typeface="Calibri" panose="020F0502020204030204" pitchFamily="34" charset="0"/>
+              </a:rPr>
+              <a:t>Camiao</a:t>
+            </a:r>
+            <a:r>
+              <a:rPr lang="pt-PT" dirty="0">
+                <a:ln>
+                  <a:solidFill>
+                    <a:srgbClr val="404040">
+                      <a:alpha val="10000"/>
+                    </a:srgbClr>
+                  </a:solidFill>
+                </a:ln>
+                <a:solidFill>
+                  <a:srgbClr val="DADADA"/>
+                </a:solidFill>
+                <a:latin typeface="Calibri" panose="020F0502020204030204" pitchFamily="34" charset="0"/>
+                <a:cs typeface="Calibri" panose="020F0502020204030204" pitchFamily="34" charset="0"/>
+              </a:rPr>
+              <a:t>, Cliente, </a:t>
+            </a:r>
+            <a:r>
+              <a:rPr lang="pt-PT" dirty="0" err="1">
+                <a:ln>
+                  <a:solidFill>
+                    <a:srgbClr val="404040">
+                      <a:alpha val="10000"/>
+                    </a:srgbClr>
+                  </a:solidFill>
+                </a:ln>
+                <a:solidFill>
+                  <a:srgbClr val="DADADA"/>
+                </a:solidFill>
+                <a:latin typeface="Calibri" panose="020F0502020204030204" pitchFamily="34" charset="0"/>
+                <a:cs typeface="Calibri" panose="020F0502020204030204" pitchFamily="34" charset="0"/>
+              </a:rPr>
+              <a:t>ServicoTransporte</a:t>
+            </a:r>
+            <a:r>
+              <a:rPr lang="pt-PT" dirty="0">
+                <a:ln>
+                  <a:solidFill>
+                    <a:srgbClr val="404040">
+                      <a:alpha val="10000"/>
+                    </a:srgbClr>
+                  </a:solidFill>
+                </a:ln>
+                <a:solidFill>
+                  <a:srgbClr val="DADADA"/>
+                </a:solidFill>
+                <a:latin typeface="Calibri" panose="020F0502020204030204" pitchFamily="34" charset="0"/>
+                <a:cs typeface="Calibri" panose="020F0502020204030204" pitchFamily="34" charset="0"/>
+              </a:rPr>
+              <a:t> e Motorista.</a:t>
+            </a:r>
+          </a:p>
+          <a:p>
+            <a:pPr>
+              <a:lnSpc>
+                <a:spcPct val="90000"/>
+              </a:lnSpc>
+            </a:pPr>
+            <a:r>
+              <a:rPr lang="pt-PT" dirty="0">
+                <a:ln>
+                  <a:solidFill>
+                    <a:srgbClr val="404040">
+                      <a:alpha val="10000"/>
+                    </a:srgbClr>
+                  </a:solidFill>
+                </a:ln>
+                <a:solidFill>
+                  <a:srgbClr val="DADADA"/>
+                </a:solidFill>
+                <a:latin typeface="Calibri" panose="020F0502020204030204" pitchFamily="34" charset="0"/>
+                <a:cs typeface="Calibri" panose="020F0502020204030204" pitchFamily="34" charset="0"/>
+              </a:rPr>
+              <a:t>Para além disso, é possível também visualizar toda a informação da empresa: acerca dos seus clientes, motoristas, camiões (</a:t>
+            </a:r>
+            <a:r>
+              <a:rPr lang="pt-PT" dirty="0" err="1">
+                <a:ln>
+                  <a:solidFill>
+                    <a:srgbClr val="404040">
+                      <a:alpha val="10000"/>
+                    </a:srgbClr>
+                  </a:solidFill>
+                </a:ln>
+                <a:solidFill>
+                  <a:srgbClr val="DADADA"/>
+                </a:solidFill>
+                <a:latin typeface="Calibri" panose="020F0502020204030204" pitchFamily="34" charset="0"/>
+                <a:cs typeface="Calibri" panose="020F0502020204030204" pitchFamily="34" charset="0"/>
+              </a:rPr>
+              <a:t>overload</a:t>
+            </a:r>
+            <a:r>
+              <a:rPr lang="pt-PT" dirty="0">
+                <a:ln>
+                  <a:solidFill>
+                    <a:srgbClr val="404040">
+                      <a:alpha val="10000"/>
+                    </a:srgbClr>
+                  </a:solidFill>
+                </a:ln>
+                <a:solidFill>
+                  <a:srgbClr val="DADADA"/>
+                </a:solidFill>
+                <a:latin typeface="Calibri" panose="020F0502020204030204" pitchFamily="34" charset="0"/>
+                <a:cs typeface="Calibri" panose="020F0502020204030204" pitchFamily="34" charset="0"/>
+              </a:rPr>
+              <a:t> dos operadores de extração), e informação das oficinas, bem como a informação financeira (mensal) da empresa.</a:t>
+            </a:r>
+          </a:p>
+        </p:txBody>
+      </p:sp>
       <p:pic>
         <p:nvPicPr>
-          <p:cNvPr id="7" name="Imagem 6">
+          <p:cNvPr id="4" name="Imagem 3">
             <a:extLst>
               <a:ext uri="{FF2B5EF4-FFF2-40B4-BE49-F238E27FC236}">
-                <a16:creationId xmlns:a16="http://schemas.microsoft.com/office/drawing/2014/main" id="{A19333F5-F869-4A48-9159-8D24E0CC39B5}"/>
+                <a16:creationId xmlns:a16="http://schemas.microsoft.com/office/drawing/2014/main" id="{5EF2F8BA-87D0-419F-9C2B-2F71511F5C45}"/>
               </a:ext>
             </a:extLst>
           </p:cNvPr>
@@ -8124,21 +9354,15 @@
           <p:nvPr/>
         </p:nvPicPr>
         <p:blipFill>
-          <a:blip r:embed="rId2">
-            <a:extLst>
-              <a:ext uri="{28A0092B-C50C-407E-A947-70E740481C1C}">
-                <a14:useLocalDpi xmlns:a14="http://schemas.microsoft.com/office/drawing/2010/main" val="0"/>
-              </a:ext>
-            </a:extLst>
-          </a:blip>
+          <a:blip r:embed="rId3"/>
           <a:stretch>
             <a:fillRect/>
           </a:stretch>
         </p:blipFill>
         <p:spPr>
           <a:xfrm>
-            <a:off x="505395" y="520430"/>
-            <a:ext cx="2707614" cy="5817140"/>
+            <a:off x="5447489" y="153272"/>
+            <a:ext cx="5236802" cy="5571067"/>
           </a:xfrm>
           <a:prstGeom prst="rect">
             <a:avLst/>
@@ -8147,10 +9371,10 @@
       </p:pic>
       <p:pic>
         <p:nvPicPr>
-          <p:cNvPr id="11" name="Imagem 10">
+          <p:cNvPr id="5" name="Imagem 4">
             <a:extLst>
               <a:ext uri="{FF2B5EF4-FFF2-40B4-BE49-F238E27FC236}">
-                <a16:creationId xmlns:a16="http://schemas.microsoft.com/office/drawing/2014/main" id="{6FE2B2E4-6DB1-4924-99EB-9299516A7DB6}"/>
+                <a16:creationId xmlns:a16="http://schemas.microsoft.com/office/drawing/2014/main" id="{6A087625-D258-4AC6-8BE6-6BBE9D9F7B1B}"/>
               </a:ext>
             </a:extLst>
           </p:cNvPr>
@@ -8160,186 +9384,126 @@
           <p:nvPr/>
         </p:nvPicPr>
         <p:blipFill>
-          <a:blip r:embed="rId3">
-            <a:extLst>
-              <a:ext uri="{28A0092B-C50C-407E-A947-70E740481C1C}">
-                <a14:useLocalDpi xmlns:a14="http://schemas.microsoft.com/office/drawing/2010/main" val="0"/>
-              </a:ext>
-            </a:extLst>
-          </a:blip>
+          <a:blip r:embed="rId4"/>
           <a:stretch>
             <a:fillRect/>
           </a:stretch>
         </p:blipFill>
         <p:spPr>
           <a:xfrm>
-            <a:off x="3794268" y="520430"/>
-            <a:ext cx="2629743" cy="5817140"/>
+            <a:off x="5483387" y="3060010"/>
+            <a:ext cx="6393734" cy="3231160"/>
           </a:xfrm>
           <a:prstGeom prst="rect">
             <a:avLst/>
           </a:prstGeom>
         </p:spPr>
       </p:pic>
-      <p:pic>
-        <p:nvPicPr>
-          <p:cNvPr id="15" name="Imagem 14">
+      <p:sp>
+        <p:nvSpPr>
+          <p:cNvPr id="6" name="CaixaDeTexto 5">
             <a:extLst>
               <a:ext uri="{FF2B5EF4-FFF2-40B4-BE49-F238E27FC236}">
-                <a16:creationId xmlns:a16="http://schemas.microsoft.com/office/drawing/2014/main" id="{1318F1EE-117B-4C3F-9F8F-63082AC6A0FB}"/>
+                <a16:creationId xmlns:a16="http://schemas.microsoft.com/office/drawing/2014/main" id="{FBDCE920-D058-434A-8388-30C9241609E1}"/>
               </a:ext>
             </a:extLst>
           </p:cNvPr>
-          <p:cNvPicPr>
-            <a:picLocks noChangeAspect="1"/>
-          </p:cNvPicPr>
+          <p:cNvSpPr txBox="1"/>
           <p:nvPr/>
-        </p:nvPicPr>
-        <p:blipFill>
-          <a:blip r:embed="rId4">
-            <a:extLst>
-              <a:ext uri="{28A0092B-C50C-407E-A947-70E740481C1C}">
-                <a14:useLocalDpi xmlns:a14="http://schemas.microsoft.com/office/drawing/2010/main" val="0"/>
-              </a:ext>
-            </a:extLst>
-          </a:blip>
-          <a:stretch>
-            <a:fillRect/>
-          </a:stretch>
-        </p:blipFill>
-        <p:spPr>
-          <a:xfrm>
-            <a:off x="7922300" y="520430"/>
-            <a:ext cx="3031146" cy="2822946"/>
+        </p:nvSpPr>
+        <p:spPr>
+          <a:xfrm>
+            <a:off x="9097737" y="74542"/>
+            <a:ext cx="2253006" cy="369332"/>
           </a:xfrm>
           <a:prstGeom prst="rect">
             <a:avLst/>
           </a:prstGeom>
-        </p:spPr>
-      </p:pic>
-      <p:pic>
-        <p:nvPicPr>
-          <p:cNvPr id="17" name="Imagem 16">
+          <a:noFill/>
+        </p:spPr>
+        <p:txBody>
+          <a:bodyPr wrap="square" rtlCol="0">
+            <a:spAutoFit/>
+          </a:bodyPr>
+          <a:lstStyle/>
+          <a:p>
+            <a:r>
+              <a:rPr lang="pt-PT" dirty="0" err="1">
+                <a:solidFill>
+                  <a:schemeClr val="bg1"/>
+                </a:solidFill>
+                <a:latin typeface="Calibri" panose="020F0502020204030204" pitchFamily="34" charset="0"/>
+                <a:cs typeface="Calibri" panose="020F0502020204030204" pitchFamily="34" charset="0"/>
+              </a:rPr>
+              <a:t>Empresa.h</a:t>
+            </a:r>
+            <a:endParaRPr lang="pt-PT" dirty="0">
+              <a:solidFill>
+                <a:schemeClr val="bg1"/>
+              </a:solidFill>
+              <a:latin typeface="Calibri" panose="020F0502020204030204" pitchFamily="34" charset="0"/>
+              <a:cs typeface="Calibri" panose="020F0502020204030204" pitchFamily="34" charset="0"/>
+            </a:endParaRPr>
+          </a:p>
+        </p:txBody>
+      </p:sp>
+      <p:sp>
+        <p:nvSpPr>
+          <p:cNvPr id="7" name="CaixaDeTexto 6">
             <a:extLst>
               <a:ext uri="{FF2B5EF4-FFF2-40B4-BE49-F238E27FC236}">
-                <a16:creationId xmlns:a16="http://schemas.microsoft.com/office/drawing/2014/main" id="{793E5680-AE8C-471C-9D42-3C64B8E1D1EA}"/>
+                <a16:creationId xmlns:a16="http://schemas.microsoft.com/office/drawing/2014/main" id="{F558E077-AAE7-44A4-A64E-A79673A3F940}"/>
               </a:ext>
             </a:extLst>
           </p:cNvPr>
-          <p:cNvPicPr>
-            <a:picLocks noChangeAspect="1"/>
-          </p:cNvPicPr>
+          <p:cNvSpPr txBox="1"/>
           <p:nvPr/>
-        </p:nvPicPr>
-        <p:blipFill>
-          <a:blip r:embed="rId5">
-            <a:extLst>
-              <a:ext uri="{28A0092B-C50C-407E-A947-70E740481C1C}">
-                <a14:useLocalDpi xmlns:a14="http://schemas.microsoft.com/office/drawing/2010/main" val="0"/>
-              </a:ext>
-            </a:extLst>
-          </a:blip>
-          <a:stretch>
-            <a:fillRect/>
-          </a:stretch>
-        </p:blipFill>
-        <p:spPr>
-          <a:xfrm>
-            <a:off x="6859349" y="3886853"/>
-            <a:ext cx="5157048" cy="2044433"/>
+        </p:nvSpPr>
+        <p:spPr>
+          <a:xfrm>
+            <a:off x="6400800" y="2938805"/>
+            <a:ext cx="2394408" cy="369332"/>
           </a:xfrm>
           <a:prstGeom prst="rect">
             <a:avLst/>
           </a:prstGeom>
-        </p:spPr>
-      </p:pic>
-      <p:cxnSp>
-        <p:nvCxnSpPr>
-          <p:cNvPr id="21" name="Conexão reta unidirecional 20">
-            <a:extLst>
-              <a:ext uri="{FF2B5EF4-FFF2-40B4-BE49-F238E27FC236}">
-                <a16:creationId xmlns:a16="http://schemas.microsoft.com/office/drawing/2014/main" id="{5283F860-144B-450C-A3FB-D0431C723B81}"/>
-              </a:ext>
-            </a:extLst>
-          </p:cNvPr>
-          <p:cNvCxnSpPr/>
-          <p:nvPr/>
-        </p:nvCxnSpPr>
-        <p:spPr>
-          <a:xfrm flipV="1">
-            <a:off x="5332652" y="4547286"/>
-            <a:ext cx="1694224" cy="568411"/>
-          </a:xfrm>
-          <a:prstGeom prst="straightConnector1">
-            <a:avLst/>
-          </a:prstGeom>
-          <a:ln>
-            <a:tailEnd type="triangle"/>
-          </a:ln>
-        </p:spPr>
-        <p:style>
-          <a:lnRef idx="1">
-            <a:schemeClr val="accent1"/>
-          </a:lnRef>
-          <a:fillRef idx="0">
-            <a:schemeClr val="accent1"/>
-          </a:fillRef>
-          <a:effectRef idx="0">
-            <a:schemeClr val="accent1"/>
-          </a:effectRef>
-          <a:fontRef idx="minor">
-            <a:schemeClr val="tx1"/>
-          </a:fontRef>
-        </p:style>
-      </p:cxnSp>
-      <p:cxnSp>
-        <p:nvCxnSpPr>
-          <p:cNvPr id="23" name="Conexão reta unidirecional 22">
-            <a:extLst>
-              <a:ext uri="{FF2B5EF4-FFF2-40B4-BE49-F238E27FC236}">
-                <a16:creationId xmlns:a16="http://schemas.microsoft.com/office/drawing/2014/main" id="{28C4ACEF-A9ED-4366-B233-4C2E80FFDF67}"/>
-              </a:ext>
-            </a:extLst>
-          </p:cNvPr>
-          <p:cNvCxnSpPr/>
-          <p:nvPr/>
-        </p:nvCxnSpPr>
-        <p:spPr>
-          <a:xfrm flipV="1">
-            <a:off x="5519351" y="1227438"/>
-            <a:ext cx="2603157" cy="57665"/>
-          </a:xfrm>
-          <a:prstGeom prst="straightConnector1">
-            <a:avLst/>
-          </a:prstGeom>
-          <a:ln>
-            <a:tailEnd type="triangle"/>
-          </a:ln>
-        </p:spPr>
-        <p:style>
-          <a:lnRef idx="1">
-            <a:schemeClr val="accent1"/>
-          </a:lnRef>
-          <a:fillRef idx="0">
-            <a:schemeClr val="accent1"/>
-          </a:fillRef>
-          <a:effectRef idx="0">
-            <a:schemeClr val="accent1"/>
-          </a:effectRef>
-          <a:fontRef idx="minor">
-            <a:schemeClr val="tx1"/>
-          </a:fontRef>
-        </p:style>
-      </p:cxnSp>
+          <a:noFill/>
+        </p:spPr>
+        <p:txBody>
+          <a:bodyPr wrap="square" rtlCol="0">
+            <a:spAutoFit/>
+          </a:bodyPr>
+          <a:lstStyle/>
+          <a:p>
+            <a:r>
+              <a:rPr lang="pt-PT" dirty="0" err="1">
+                <a:solidFill>
+                  <a:schemeClr val="bg1"/>
+                </a:solidFill>
+                <a:latin typeface="Calibri" panose="020F0502020204030204" pitchFamily="34" charset="0"/>
+                <a:cs typeface="Calibri" panose="020F0502020204030204" pitchFamily="34" charset="0"/>
+              </a:rPr>
+              <a:t>Menus.h</a:t>
+            </a:r>
+            <a:endParaRPr lang="pt-PT" dirty="0">
+              <a:solidFill>
+                <a:schemeClr val="bg1"/>
+              </a:solidFill>
+              <a:latin typeface="Calibri" panose="020F0502020204030204" pitchFamily="34" charset="0"/>
+              <a:cs typeface="Calibri" panose="020F0502020204030204" pitchFamily="34" charset="0"/>
+            </a:endParaRPr>
+          </a:p>
+        </p:txBody>
+      </p:sp>
     </p:spTree>
     <p:extLst>
       <p:ext uri="{BB962C8B-B14F-4D97-AF65-F5344CB8AC3E}">
-        <p14:creationId xmlns:p14="http://schemas.microsoft.com/office/powerpoint/2010/main" val="2823730416"/>
+        <p14:creationId xmlns:p14="http://schemas.microsoft.com/office/powerpoint/2010/main" val="2385203287"/>
       </p:ext>
     </p:extLst>
   </p:cSld>
   <p:clrMapOvr>
-    <a:masterClrMapping/>
+    <a:overrideClrMapping bg1="lt1" tx1="dk1" bg2="lt2" tx2="dk2" accent1="accent1" accent2="accent2" accent3="accent3" accent4="accent4" accent5="accent5" accent6="accent6" hlink="hlink" folHlink="folHlink"/>
   </p:clrMapOvr>
 </p:sld>
 </file>
@@ -8361,12 +9525,70 @@
           <a:chExt cx="0" cy="0"/>
         </a:xfrm>
       </p:grpSpPr>
+      <p:sp>
+        <p:nvSpPr>
+          <p:cNvPr id="2" name="Título 1">
+            <a:extLst>
+              <a:ext uri="{FF2B5EF4-FFF2-40B4-BE49-F238E27FC236}">
+                <a16:creationId xmlns:a16="http://schemas.microsoft.com/office/drawing/2014/main" id="{EF1D8FB9-AD72-4842-AADB-02BBD8866358}"/>
+              </a:ext>
+            </a:extLst>
+          </p:cNvPr>
+          <p:cNvSpPr>
+            <a:spLocks noGrp="1"/>
+          </p:cNvSpPr>
+          <p:nvPr>
+            <p:ph type="title"/>
+          </p:nvPr>
+        </p:nvSpPr>
+        <p:spPr/>
+        <p:txBody>
+          <a:bodyPr/>
+          <a:lstStyle/>
+          <a:p>
+            <a:pPr algn="l"/>
+            <a:r>
+              <a:rPr lang="pt-PT" dirty="0"/>
+              <a:t>Objetivos Globais</a:t>
+            </a:r>
+          </a:p>
+        </p:txBody>
+      </p:sp>
+      <p:sp>
+        <p:nvSpPr>
+          <p:cNvPr id="3" name="Marcador de Posição de Conteúdo 2">
+            <a:extLst>
+              <a:ext uri="{FF2B5EF4-FFF2-40B4-BE49-F238E27FC236}">
+                <a16:creationId xmlns:a16="http://schemas.microsoft.com/office/drawing/2014/main" id="{645AB9E9-AD6F-45E8-AA0A-A4A1FC15B1EA}"/>
+              </a:ext>
+            </a:extLst>
+          </p:cNvPr>
+          <p:cNvSpPr>
+            <a:spLocks noGrp="1"/>
+          </p:cNvSpPr>
+          <p:nvPr>
+            <p:ph idx="1"/>
+          </p:nvPr>
+        </p:nvSpPr>
+        <p:spPr/>
+        <p:txBody>
+          <a:bodyPr/>
+          <a:lstStyle/>
+          <a:p>
+            <a:pPr algn="just"/>
+            <a:r>
+              <a:rPr lang="pt-PT" dirty="0"/>
+              <a:t>Relativamente aos objetivos do projeto no geral, consideramos que estes foram cumpridos, dado que se encontram funcionais no programa, sendo assim possível ao utilizador realizar operações de CRUD.</a:t>
+            </a:r>
+          </a:p>
+        </p:txBody>
+      </p:sp>
       <p:pic>
         <p:nvPicPr>
-          <p:cNvPr id="5" name="Imagem 4">
+          <p:cNvPr id="4" name="Imagem 3">
             <a:extLst>
               <a:ext uri="{FF2B5EF4-FFF2-40B4-BE49-F238E27FC236}">
-                <a16:creationId xmlns:a16="http://schemas.microsoft.com/office/drawing/2014/main" id="{61412FA2-BD12-4051-B3C8-50C1EC4BED07}"/>
+                <a16:creationId xmlns:a16="http://schemas.microsoft.com/office/drawing/2014/main" id="{428F22BE-98DC-4156-9A9A-8B75A19C2535}"/>
               </a:ext>
             </a:extLst>
           </p:cNvPr>
@@ -8376,181 +9598,25 @@
           <p:nvPr/>
         </p:nvPicPr>
         <p:blipFill>
-          <a:blip r:embed="rId2">
-            <a:extLst>
-              <a:ext uri="{28A0092B-C50C-407E-A947-70E740481C1C}">
-                <a14:useLocalDpi xmlns:a14="http://schemas.microsoft.com/office/drawing/2010/main" val="0"/>
-              </a:ext>
-            </a:extLst>
-          </a:blip>
+          <a:blip r:embed="rId2"/>
           <a:stretch>
             <a:fillRect/>
           </a:stretch>
         </p:blipFill>
         <p:spPr>
           <a:xfrm>
-            <a:off x="228986" y="213789"/>
-            <a:ext cx="2178851" cy="6191050"/>
+            <a:off x="5167829" y="2693773"/>
+            <a:ext cx="5456041" cy="2393977"/>
           </a:xfrm>
           <a:prstGeom prst="rect">
             <a:avLst/>
           </a:prstGeom>
         </p:spPr>
       </p:pic>
-      <p:pic>
-        <p:nvPicPr>
-          <p:cNvPr id="7" name="Imagem 6">
-            <a:extLst>
-              <a:ext uri="{FF2B5EF4-FFF2-40B4-BE49-F238E27FC236}">
-                <a16:creationId xmlns:a16="http://schemas.microsoft.com/office/drawing/2014/main" id="{EC839C12-753E-445A-BFA3-8C1BE374087C}"/>
-              </a:ext>
-            </a:extLst>
-          </p:cNvPr>
-          <p:cNvPicPr>
-            <a:picLocks noChangeAspect="1"/>
-          </p:cNvPicPr>
-          <p:nvPr/>
-        </p:nvPicPr>
-        <p:blipFill>
-          <a:blip r:embed="rId3">
-            <a:extLst>
-              <a:ext uri="{28A0092B-C50C-407E-A947-70E740481C1C}">
-                <a14:useLocalDpi xmlns:a14="http://schemas.microsoft.com/office/drawing/2010/main" val="0"/>
-              </a:ext>
-            </a:extLst>
-          </a:blip>
-          <a:stretch>
-            <a:fillRect/>
-          </a:stretch>
-        </p:blipFill>
-        <p:spPr>
-          <a:xfrm>
-            <a:off x="2903987" y="213789"/>
-            <a:ext cx="4127366" cy="6191050"/>
-          </a:xfrm>
-          <a:prstGeom prst="rect">
-            <a:avLst/>
-          </a:prstGeom>
-        </p:spPr>
-      </p:pic>
-      <p:pic>
-        <p:nvPicPr>
-          <p:cNvPr id="9" name="Imagem 8">
-            <a:extLst>
-              <a:ext uri="{FF2B5EF4-FFF2-40B4-BE49-F238E27FC236}">
-                <a16:creationId xmlns:a16="http://schemas.microsoft.com/office/drawing/2014/main" id="{B8AE4CD0-8332-466D-B032-7E1B0CDB6D2F}"/>
-              </a:ext>
-            </a:extLst>
-          </p:cNvPr>
-          <p:cNvPicPr>
-            <a:picLocks noChangeAspect="1"/>
-          </p:cNvPicPr>
-          <p:nvPr/>
-        </p:nvPicPr>
-        <p:blipFill>
-          <a:blip r:embed="rId4">
-            <a:extLst>
-              <a:ext uri="{28A0092B-C50C-407E-A947-70E740481C1C}">
-                <a14:useLocalDpi xmlns:a14="http://schemas.microsoft.com/office/drawing/2010/main" val="0"/>
-              </a:ext>
-            </a:extLst>
-          </a:blip>
-          <a:stretch>
-            <a:fillRect/>
-          </a:stretch>
-        </p:blipFill>
-        <p:spPr>
-          <a:xfrm>
-            <a:off x="7284914" y="213790"/>
-            <a:ext cx="4358049" cy="6191050"/>
-          </a:xfrm>
-          <a:prstGeom prst="rect">
-            <a:avLst/>
-          </a:prstGeom>
-        </p:spPr>
-      </p:pic>
-      <p:cxnSp>
-        <p:nvCxnSpPr>
-          <p:cNvPr id="11" name="Conexão reta unidirecional 10">
-            <a:extLst>
-              <a:ext uri="{FF2B5EF4-FFF2-40B4-BE49-F238E27FC236}">
-                <a16:creationId xmlns:a16="http://schemas.microsoft.com/office/drawing/2014/main" id="{F1995CF5-5CFF-46CE-89FF-0AAA2C247743}"/>
-              </a:ext>
-            </a:extLst>
-          </p:cNvPr>
-          <p:cNvCxnSpPr/>
-          <p:nvPr/>
-        </p:nvCxnSpPr>
-        <p:spPr>
-          <a:xfrm>
-            <a:off x="2169268" y="1138136"/>
-            <a:ext cx="787941" cy="0"/>
-          </a:xfrm>
-          <a:prstGeom prst="straightConnector1">
-            <a:avLst/>
-          </a:prstGeom>
-          <a:ln>
-            <a:tailEnd type="triangle"/>
-          </a:ln>
-        </p:spPr>
-        <p:style>
-          <a:lnRef idx="1">
-            <a:schemeClr val="accent1"/>
-          </a:lnRef>
-          <a:fillRef idx="0">
-            <a:schemeClr val="accent1"/>
-          </a:fillRef>
-          <a:effectRef idx="0">
-            <a:schemeClr val="accent1"/>
-          </a:effectRef>
-          <a:fontRef idx="minor">
-            <a:schemeClr val="tx1"/>
-          </a:fontRef>
-        </p:style>
-      </p:cxnSp>
-      <p:cxnSp>
-        <p:nvCxnSpPr>
-          <p:cNvPr id="23" name="Conexão reta unidirecional 22">
-            <a:extLst>
-              <a:ext uri="{FF2B5EF4-FFF2-40B4-BE49-F238E27FC236}">
-                <a16:creationId xmlns:a16="http://schemas.microsoft.com/office/drawing/2014/main" id="{DCE92306-5103-403F-9123-8A9404D4F57F}"/>
-              </a:ext>
-            </a:extLst>
-          </p:cNvPr>
-          <p:cNvCxnSpPr/>
-          <p:nvPr/>
-        </p:nvCxnSpPr>
-        <p:spPr>
-          <a:xfrm flipV="1">
-            <a:off x="1334530" y="5807676"/>
-            <a:ext cx="6079524" cy="131805"/>
-          </a:xfrm>
-          <a:prstGeom prst="straightConnector1">
-            <a:avLst/>
-          </a:prstGeom>
-          <a:ln>
-            <a:tailEnd type="triangle"/>
-          </a:ln>
-        </p:spPr>
-        <p:style>
-          <a:lnRef idx="1">
-            <a:schemeClr val="accent1"/>
-          </a:lnRef>
-          <a:fillRef idx="0">
-            <a:schemeClr val="accent1"/>
-          </a:fillRef>
-          <a:effectRef idx="0">
-            <a:schemeClr val="accent1"/>
-          </a:effectRef>
-          <a:fontRef idx="minor">
-            <a:schemeClr val="tx1"/>
-          </a:fontRef>
-        </p:style>
-      </p:cxnSp>
     </p:spTree>
     <p:extLst>
       <p:ext uri="{BB962C8B-B14F-4D97-AF65-F5344CB8AC3E}">
-        <p14:creationId xmlns:p14="http://schemas.microsoft.com/office/powerpoint/2010/main" val="2848646958"/>
+        <p14:creationId xmlns:p14="http://schemas.microsoft.com/office/powerpoint/2010/main" val="614668911"/>
       </p:ext>
     </p:extLst>
   </p:cSld>
@@ -8582,7 +9648,7 @@
           <p:cNvPr id="2" name="Título 1">
             <a:extLst>
               <a:ext uri="{FF2B5EF4-FFF2-40B4-BE49-F238E27FC236}">
-                <a16:creationId xmlns:a16="http://schemas.microsoft.com/office/drawing/2014/main" id="{F1EDC7DB-E2C8-46A8-B8B4-18EA92524156}"/>
+                <a16:creationId xmlns:a16="http://schemas.microsoft.com/office/drawing/2014/main" id="{600637A5-C200-411A-9D41-0E755939638D}"/>
               </a:ext>
             </a:extLst>
           </p:cNvPr>
@@ -8593,40 +9659,53 @@
             <p:ph type="title"/>
           </p:nvPr>
         </p:nvSpPr>
-        <p:spPr>
-          <a:xfrm>
-            <a:off x="913795" y="609600"/>
-            <a:ext cx="10353762" cy="970450"/>
-          </a:xfrm>
-        </p:spPr>
+        <p:spPr/>
         <p:txBody>
           <a:bodyPr/>
           <a:lstStyle/>
           <a:p>
-            <a:pPr algn="l"/>
-            <a:r>
-              <a:rPr lang="pt-PT" dirty="0"/>
-              <a:t>Estrutura de Ficheiros</a:t>
-            </a:r>
-            <a:endParaRPr lang="en-US" dirty="0"/>
+            <a:endParaRPr lang="pt-PT" dirty="0"/>
+          </a:p>
+        </p:txBody>
+      </p:sp>
+      <p:sp>
+        <p:nvSpPr>
+          <p:cNvPr id="3" name="Marcador de Posição de Conteúdo 2">
+            <a:extLst>
+              <a:ext uri="{FF2B5EF4-FFF2-40B4-BE49-F238E27FC236}">
+                <a16:creationId xmlns:a16="http://schemas.microsoft.com/office/drawing/2014/main" id="{EE8BF6D7-B94B-4543-ADC6-ACDB42910120}"/>
+              </a:ext>
+            </a:extLst>
+          </p:cNvPr>
+          <p:cNvSpPr>
+            <a:spLocks noGrp="1"/>
+          </p:cNvSpPr>
+          <p:nvPr>
+            <p:ph idx="1"/>
+          </p:nvPr>
+        </p:nvSpPr>
+        <p:spPr/>
+        <p:txBody>
+          <a:bodyPr/>
+          <a:lstStyle/>
+          <a:p>
+            <a:endParaRPr lang="pt-PT" dirty="0"/>
           </a:p>
         </p:txBody>
       </p:sp>
       <p:pic>
         <p:nvPicPr>
-          <p:cNvPr id="4" name="Marcador de Posição de Conteúdo 3">
+          <p:cNvPr id="4" name="Imagem 3">
             <a:extLst>
               <a:ext uri="{FF2B5EF4-FFF2-40B4-BE49-F238E27FC236}">
-                <a16:creationId xmlns:a16="http://schemas.microsoft.com/office/drawing/2014/main" id="{BE0AD5C5-4AED-44B7-902D-FF90F91F6FD7}"/>
+                <a16:creationId xmlns:a16="http://schemas.microsoft.com/office/drawing/2014/main" id="{CF7CED6E-12C0-491F-8064-209141C6FC9E}"/>
               </a:ext>
             </a:extLst>
           </p:cNvPr>
           <p:cNvPicPr>
-            <a:picLocks noGrp="1" noChangeAspect="1"/>
+            <a:picLocks noChangeAspect="1"/>
           </p:cNvPicPr>
-          <p:nvPr>
-            <p:ph idx="1"/>
-          </p:nvPr>
+          <p:nvPr/>
         </p:nvPicPr>
         <p:blipFill>
           <a:blip r:embed="rId2"/>
@@ -8636,8 +9715,8 @@
         </p:blipFill>
         <p:spPr>
           <a:xfrm>
-            <a:off x="1158188" y="1479074"/>
-            <a:ext cx="1920406" cy="1112616"/>
+            <a:off x="428332" y="348228"/>
+            <a:ext cx="3556757" cy="4530704"/>
           </a:xfrm>
           <a:prstGeom prst="rect">
             <a:avLst/>
@@ -8649,7 +9728,7 @@
           <p:cNvPr id="5" name="Imagem 4">
             <a:extLst>
               <a:ext uri="{FF2B5EF4-FFF2-40B4-BE49-F238E27FC236}">
-                <a16:creationId xmlns:a16="http://schemas.microsoft.com/office/drawing/2014/main" id="{6FDB9B50-134C-41C6-B16F-41BDD7E6AF2B}"/>
+                <a16:creationId xmlns:a16="http://schemas.microsoft.com/office/drawing/2014/main" id="{6820D661-254C-43E6-85D3-6AC0E8899016}"/>
               </a:ext>
             </a:extLst>
           </p:cNvPr>
@@ -8666,8 +9745,8 @@
         </p:blipFill>
         <p:spPr>
           <a:xfrm>
-            <a:off x="1158188" y="2870507"/>
-            <a:ext cx="1219306" cy="1699407"/>
+            <a:off x="4717914" y="192585"/>
+            <a:ext cx="6639757" cy="3413596"/>
           </a:xfrm>
           <a:prstGeom prst="rect">
             <a:avLst/>
@@ -8679,7 +9758,7 @@
           <p:cNvPr id="6" name="Imagem 5">
             <a:extLst>
               <a:ext uri="{FF2B5EF4-FFF2-40B4-BE49-F238E27FC236}">
-                <a16:creationId xmlns:a16="http://schemas.microsoft.com/office/drawing/2014/main" id="{82DFF612-5B4A-4189-8F2F-319D2D570B9C}"/>
+                <a16:creationId xmlns:a16="http://schemas.microsoft.com/office/drawing/2014/main" id="{F5451BFF-F838-42CD-9858-ECE73BEC89FA}"/>
               </a:ext>
             </a:extLst>
           </p:cNvPr>
@@ -8696,344 +9775,18 @@
         </p:blipFill>
         <p:spPr>
           <a:xfrm>
-            <a:off x="1158188" y="4770236"/>
-            <a:ext cx="1486029" cy="1973751"/>
+            <a:off x="7847134" y="2613580"/>
+            <a:ext cx="3420423" cy="3745874"/>
           </a:xfrm>
           <a:prstGeom prst="rect">
             <a:avLst/>
           </a:prstGeom>
         </p:spPr>
       </p:pic>
-      <p:pic>
-        <p:nvPicPr>
-          <p:cNvPr id="7" name="Imagem 6">
-            <a:extLst>
-              <a:ext uri="{FF2B5EF4-FFF2-40B4-BE49-F238E27FC236}">
-                <a16:creationId xmlns:a16="http://schemas.microsoft.com/office/drawing/2014/main" id="{B6BA7210-8367-42B7-9CE7-343A45F2BAFD}"/>
-              </a:ext>
-            </a:extLst>
-          </p:cNvPr>
-          <p:cNvPicPr>
-            <a:picLocks noChangeAspect="1"/>
-          </p:cNvPicPr>
-          <p:nvPr/>
-        </p:nvPicPr>
-        <p:blipFill>
-          <a:blip r:embed="rId5"/>
-          <a:stretch>
-            <a:fillRect/>
-          </a:stretch>
-        </p:blipFill>
-        <p:spPr>
-          <a:xfrm>
-            <a:off x="4391270" y="4488067"/>
-            <a:ext cx="1514846" cy="2315375"/>
-          </a:xfrm>
-          <a:prstGeom prst="rect">
-            <a:avLst/>
-          </a:prstGeom>
-        </p:spPr>
-      </p:pic>
-      <p:pic>
-        <p:nvPicPr>
-          <p:cNvPr id="8" name="Imagem 7">
-            <a:extLst>
-              <a:ext uri="{FF2B5EF4-FFF2-40B4-BE49-F238E27FC236}">
-                <a16:creationId xmlns:a16="http://schemas.microsoft.com/office/drawing/2014/main" id="{7E0F9D54-73D7-4E2A-A348-A38389E0CF25}"/>
-              </a:ext>
-            </a:extLst>
-          </p:cNvPr>
-          <p:cNvPicPr>
-            <a:picLocks noChangeAspect="1"/>
-          </p:cNvPicPr>
-          <p:nvPr/>
-        </p:nvPicPr>
-        <p:blipFill>
-          <a:blip r:embed="rId6"/>
-          <a:stretch>
-            <a:fillRect/>
-          </a:stretch>
-        </p:blipFill>
-        <p:spPr>
-          <a:xfrm>
-            <a:off x="4391270" y="1476988"/>
-            <a:ext cx="1514846" cy="2954969"/>
-          </a:xfrm>
-          <a:prstGeom prst="rect">
-            <a:avLst/>
-          </a:prstGeom>
-        </p:spPr>
-      </p:pic>
-      <p:pic>
-        <p:nvPicPr>
-          <p:cNvPr id="9" name="Imagem 8">
-            <a:extLst>
-              <a:ext uri="{FF2B5EF4-FFF2-40B4-BE49-F238E27FC236}">
-                <a16:creationId xmlns:a16="http://schemas.microsoft.com/office/drawing/2014/main" id="{848CA364-195A-4263-93F4-C34A8021301E}"/>
-              </a:ext>
-            </a:extLst>
-          </p:cNvPr>
-          <p:cNvPicPr>
-            <a:picLocks noChangeAspect="1"/>
-          </p:cNvPicPr>
-          <p:nvPr/>
-        </p:nvPicPr>
-        <p:blipFill>
-          <a:blip r:embed="rId7"/>
-          <a:stretch>
-            <a:fillRect/>
-          </a:stretch>
-        </p:blipFill>
-        <p:spPr>
-          <a:xfrm>
-            <a:off x="7336258" y="1476988"/>
-            <a:ext cx="3292125" cy="3612193"/>
-          </a:xfrm>
-          <a:prstGeom prst="rect">
-            <a:avLst/>
-          </a:prstGeom>
-        </p:spPr>
-      </p:pic>
-      <p:sp>
-        <p:nvSpPr>
-          <p:cNvPr id="10" name="CaixaDeTexto 9">
-            <a:extLst>
-              <a:ext uri="{FF2B5EF4-FFF2-40B4-BE49-F238E27FC236}">
-                <a16:creationId xmlns:a16="http://schemas.microsoft.com/office/drawing/2014/main" id="{907F21C2-D0D8-4220-8AD3-532058FA1580}"/>
-              </a:ext>
-            </a:extLst>
-          </p:cNvPr>
-          <p:cNvSpPr txBox="1"/>
-          <p:nvPr/>
-        </p:nvSpPr>
-        <p:spPr>
-          <a:xfrm>
-            <a:off x="219075" y="1580050"/>
-            <a:ext cx="1115456" cy="276999"/>
-          </a:xfrm>
-          <a:prstGeom prst="rect">
-            <a:avLst/>
-          </a:prstGeom>
-          <a:noFill/>
-        </p:spPr>
-        <p:txBody>
-          <a:bodyPr wrap="square" rtlCol="0">
-            <a:spAutoFit/>
-          </a:bodyPr>
-          <a:lstStyle/>
-          <a:p>
-            <a:r>
-              <a:rPr lang="pt-PT" sz="1200" dirty="0">
-                <a:latin typeface="Calibri" panose="020F0502020204030204" pitchFamily="34" charset="0"/>
-                <a:cs typeface="Calibri" panose="020F0502020204030204" pitchFamily="34" charset="0"/>
-              </a:rPr>
-              <a:t>empresa.txt</a:t>
-            </a:r>
-            <a:endParaRPr lang="en-US" sz="1200" dirty="0">
-              <a:latin typeface="Calibri" panose="020F0502020204030204" pitchFamily="34" charset="0"/>
-              <a:cs typeface="Calibri" panose="020F0502020204030204" pitchFamily="34" charset="0"/>
-            </a:endParaRPr>
-          </a:p>
-        </p:txBody>
-      </p:sp>
-      <p:sp>
-        <p:nvSpPr>
-          <p:cNvPr id="11" name="CaixaDeTexto 10">
-            <a:extLst>
-              <a:ext uri="{FF2B5EF4-FFF2-40B4-BE49-F238E27FC236}">
-                <a16:creationId xmlns:a16="http://schemas.microsoft.com/office/drawing/2014/main" id="{FFA48F38-97AE-42F1-A564-B1C75FBB0C99}"/>
-              </a:ext>
-            </a:extLst>
-          </p:cNvPr>
-          <p:cNvSpPr txBox="1"/>
-          <p:nvPr/>
-        </p:nvSpPr>
-        <p:spPr>
-          <a:xfrm>
-            <a:off x="307246" y="2868240"/>
-            <a:ext cx="939113" cy="276999"/>
-          </a:xfrm>
-          <a:prstGeom prst="rect">
-            <a:avLst/>
-          </a:prstGeom>
-          <a:noFill/>
-        </p:spPr>
-        <p:txBody>
-          <a:bodyPr wrap="square" rtlCol="0">
-            <a:spAutoFit/>
-          </a:bodyPr>
-          <a:lstStyle/>
-          <a:p>
-            <a:r>
-              <a:rPr lang="pt-PT" sz="1200" dirty="0">
-                <a:latin typeface="Calibri" panose="020F0502020204030204" pitchFamily="34" charset="0"/>
-                <a:cs typeface="Calibri" panose="020F0502020204030204" pitchFamily="34" charset="0"/>
-              </a:rPr>
-              <a:t>clientes.txt</a:t>
-            </a:r>
-            <a:endParaRPr lang="en-US" sz="1200" dirty="0">
-              <a:latin typeface="Calibri" panose="020F0502020204030204" pitchFamily="34" charset="0"/>
-              <a:cs typeface="Calibri" panose="020F0502020204030204" pitchFamily="34" charset="0"/>
-            </a:endParaRPr>
-          </a:p>
-        </p:txBody>
-      </p:sp>
-      <p:sp>
-        <p:nvSpPr>
-          <p:cNvPr id="12" name="CaixaDeTexto 11">
-            <a:extLst>
-              <a:ext uri="{FF2B5EF4-FFF2-40B4-BE49-F238E27FC236}">
-                <a16:creationId xmlns:a16="http://schemas.microsoft.com/office/drawing/2014/main" id="{14FA7AC9-0D8B-4267-A2DB-A828C765A07B}"/>
-              </a:ext>
-            </a:extLst>
-          </p:cNvPr>
-          <p:cNvSpPr txBox="1"/>
-          <p:nvPr/>
-        </p:nvSpPr>
-        <p:spPr>
-          <a:xfrm>
-            <a:off x="171866" y="4770236"/>
-            <a:ext cx="1209872" cy="276999"/>
-          </a:xfrm>
-          <a:prstGeom prst="rect">
-            <a:avLst/>
-          </a:prstGeom>
-          <a:noFill/>
-        </p:spPr>
-        <p:txBody>
-          <a:bodyPr wrap="square" rtlCol="0">
-            <a:spAutoFit/>
-          </a:bodyPr>
-          <a:lstStyle/>
-          <a:p>
-            <a:r>
-              <a:rPr lang="pt-PT" sz="1200" dirty="0">
-                <a:latin typeface="Calibri" panose="020F0502020204030204" pitchFamily="34" charset="0"/>
-                <a:cs typeface="Calibri" panose="020F0502020204030204" pitchFamily="34" charset="0"/>
-              </a:rPr>
-              <a:t>motoristas.txt</a:t>
-            </a:r>
-          </a:p>
-        </p:txBody>
-      </p:sp>
-      <p:sp>
-        <p:nvSpPr>
-          <p:cNvPr id="13" name="CaixaDeTexto 12">
-            <a:extLst>
-              <a:ext uri="{FF2B5EF4-FFF2-40B4-BE49-F238E27FC236}">
-                <a16:creationId xmlns:a16="http://schemas.microsoft.com/office/drawing/2014/main" id="{25BB95F2-5D81-4547-8E0E-AD0314F6D2A8}"/>
-              </a:ext>
-            </a:extLst>
-          </p:cNvPr>
-          <p:cNvSpPr txBox="1"/>
-          <p:nvPr/>
-        </p:nvSpPr>
-        <p:spPr>
-          <a:xfrm>
-            <a:off x="3428516" y="1580049"/>
-            <a:ext cx="1095633" cy="276999"/>
-          </a:xfrm>
-          <a:prstGeom prst="rect">
-            <a:avLst/>
-          </a:prstGeom>
-          <a:noFill/>
-        </p:spPr>
-        <p:txBody>
-          <a:bodyPr wrap="square" rtlCol="0">
-            <a:spAutoFit/>
-          </a:bodyPr>
-          <a:lstStyle/>
-          <a:p>
-            <a:r>
-              <a:rPr lang="pt-PT" sz="1200" dirty="0">
-                <a:latin typeface="Calibri" panose="020F0502020204030204" pitchFamily="34" charset="0"/>
-                <a:cs typeface="Calibri" panose="020F0502020204030204" pitchFamily="34" charset="0"/>
-              </a:rPr>
-              <a:t>camioes.txt</a:t>
-            </a:r>
-          </a:p>
-        </p:txBody>
-      </p:sp>
-      <p:sp>
-        <p:nvSpPr>
-          <p:cNvPr id="14" name="CaixaDeTexto 13">
-            <a:extLst>
-              <a:ext uri="{FF2B5EF4-FFF2-40B4-BE49-F238E27FC236}">
-                <a16:creationId xmlns:a16="http://schemas.microsoft.com/office/drawing/2014/main" id="{9B5BE4F1-9611-41B5-86C8-97DE11DF2EC6}"/>
-              </a:ext>
-            </a:extLst>
-          </p:cNvPr>
-          <p:cNvSpPr txBox="1"/>
-          <p:nvPr/>
-        </p:nvSpPr>
-        <p:spPr>
-          <a:xfrm>
-            <a:off x="3327521" y="4488067"/>
-            <a:ext cx="1005016" cy="276999"/>
-          </a:xfrm>
-          <a:prstGeom prst="rect">
-            <a:avLst/>
-          </a:prstGeom>
-          <a:noFill/>
-        </p:spPr>
-        <p:txBody>
-          <a:bodyPr wrap="square" rtlCol="0">
-            <a:spAutoFit/>
-          </a:bodyPr>
-          <a:lstStyle/>
-          <a:p>
-            <a:r>
-              <a:rPr lang="pt-PT" sz="1200" dirty="0">
-                <a:latin typeface="Calibri" panose="020F0502020204030204" pitchFamily="34" charset="0"/>
-                <a:cs typeface="Calibri" panose="020F0502020204030204" pitchFamily="34" charset="0"/>
-              </a:rPr>
-              <a:t>servicos.txt</a:t>
-            </a:r>
-          </a:p>
-        </p:txBody>
-      </p:sp>
-      <p:sp>
-        <p:nvSpPr>
-          <p:cNvPr id="15" name="CaixaDeTexto 14">
-            <a:extLst>
-              <a:ext uri="{FF2B5EF4-FFF2-40B4-BE49-F238E27FC236}">
-                <a16:creationId xmlns:a16="http://schemas.microsoft.com/office/drawing/2014/main" id="{B2656276-B953-44D6-A818-B595EABA0D0D}"/>
-              </a:ext>
-            </a:extLst>
-          </p:cNvPr>
-          <p:cNvSpPr txBox="1"/>
-          <p:nvPr/>
-        </p:nvSpPr>
-        <p:spPr>
-          <a:xfrm>
-            <a:off x="6178378" y="1580048"/>
-            <a:ext cx="1040414" cy="276999"/>
-          </a:xfrm>
-          <a:prstGeom prst="rect">
-            <a:avLst/>
-          </a:prstGeom>
-          <a:noFill/>
-        </p:spPr>
-        <p:txBody>
-          <a:bodyPr wrap="square" rtlCol="0">
-            <a:spAutoFit/>
-          </a:bodyPr>
-          <a:lstStyle/>
-          <a:p>
-            <a:r>
-              <a:rPr lang="pt-PT" sz="1200" dirty="0">
-                <a:latin typeface="Calibri" panose="020F0502020204030204" pitchFamily="34" charset="0"/>
-                <a:cs typeface="Calibri" panose="020F0502020204030204" pitchFamily="34" charset="0"/>
-              </a:rPr>
-              <a:t>distancias.txt</a:t>
-            </a:r>
-          </a:p>
-        </p:txBody>
-      </p:sp>
     </p:spTree>
     <p:extLst>
       <p:ext uri="{BB962C8B-B14F-4D97-AF65-F5344CB8AC3E}">
-        <p14:creationId xmlns:p14="http://schemas.microsoft.com/office/powerpoint/2010/main" val="2932892552"/>
+        <p14:creationId xmlns:p14="http://schemas.microsoft.com/office/powerpoint/2010/main" val="3186403717"/>
       </p:ext>
     </p:extLst>
   </p:cSld>
@@ -9065,7 +9818,7 @@
           <p:cNvPr id="2" name="Título 1">
             <a:extLst>
               <a:ext uri="{FF2B5EF4-FFF2-40B4-BE49-F238E27FC236}">
-                <a16:creationId xmlns:a16="http://schemas.microsoft.com/office/drawing/2014/main" id="{C256D56E-7A3F-43CF-B421-040E64A88BF6}"/>
+                <a16:creationId xmlns:a16="http://schemas.microsoft.com/office/drawing/2014/main" id="{05BABEE3-4BA3-4573-9CBB-8EBB1E61DC05}"/>
               </a:ext>
             </a:extLst>
           </p:cNvPr>
@@ -9076,12 +9829,7 @@
             <p:ph type="title"/>
           </p:nvPr>
         </p:nvSpPr>
-        <p:spPr>
-          <a:xfrm>
-            <a:off x="913795" y="337751"/>
-            <a:ext cx="10353762" cy="970450"/>
-          </a:xfrm>
-        </p:spPr>
+        <p:spPr/>
         <p:txBody>
           <a:bodyPr/>
           <a:lstStyle/>
@@ -9089,53 +9837,47 @@
             <a:pPr algn="l"/>
             <a:r>
               <a:rPr lang="pt-PT" dirty="0"/>
-              <a:t>Tratamento de Exceções</a:t>
-            </a:r>
-            <a:endParaRPr lang="en-US" dirty="0"/>
+              <a:t>Outras funcionalidades</a:t>
+            </a:r>
           </a:p>
         </p:txBody>
       </p:sp>
       <p:pic>
         <p:nvPicPr>
-          <p:cNvPr id="5" name="Marcador de Posição de Conteúdo 4">
+          <p:cNvPr id="4" name="Imagem 3">
             <a:extLst>
               <a:ext uri="{FF2B5EF4-FFF2-40B4-BE49-F238E27FC236}">
-                <a16:creationId xmlns:a16="http://schemas.microsoft.com/office/drawing/2014/main" id="{CCD7AA89-DB23-4A62-8805-E5A37879CFE7}"/>
+                <a16:creationId xmlns:a16="http://schemas.microsoft.com/office/drawing/2014/main" id="{90F998BA-A8FF-452E-8C93-B84E223B9D5E}"/>
               </a:ext>
             </a:extLst>
           </p:cNvPr>
           <p:cNvPicPr>
-            <a:picLocks noGrp="1" noChangeAspect="1"/>
+            <a:picLocks noChangeAspect="1"/>
           </p:cNvPicPr>
-          <p:nvPr>
-            <p:ph idx="1"/>
-          </p:nvPr>
+          <p:nvPr/>
         </p:nvPicPr>
         <p:blipFill>
-          <a:blip r:embed="rId2">
-            <a:extLst>
-              <a:ext uri="{28A0092B-C50C-407E-A947-70E740481C1C}">
-                <a14:useLocalDpi xmlns:a14="http://schemas.microsoft.com/office/drawing/2010/main" val="0"/>
-              </a:ext>
-            </a:extLst>
-          </a:blip>
+          <a:blip r:embed="rId2"/>
           <a:stretch>
             <a:fillRect/>
           </a:stretch>
         </p:blipFill>
         <p:spPr>
           <a:xfrm>
-            <a:off x="8039333" y="106160"/>
-            <a:ext cx="3744455" cy="6645679"/>
-          </a:xfrm>
+            <a:off x="8657617" y="2580677"/>
+            <a:ext cx="2756170" cy="4094467"/>
+          </a:xfrm>
+          <a:prstGeom prst="rect">
+            <a:avLst/>
+          </a:prstGeom>
         </p:spPr>
       </p:pic>
       <p:sp>
         <p:nvSpPr>
-          <p:cNvPr id="3" name="CaixaDeTexto 2">
+          <p:cNvPr id="5" name="CaixaDeTexto 4">
             <a:extLst>
               <a:ext uri="{FF2B5EF4-FFF2-40B4-BE49-F238E27FC236}">
-                <a16:creationId xmlns:a16="http://schemas.microsoft.com/office/drawing/2014/main" id="{8ECF4D29-01C6-4B4D-9BE7-A7207D5F8606}"/>
+                <a16:creationId xmlns:a16="http://schemas.microsoft.com/office/drawing/2014/main" id="{D0EE12EA-351C-4DE8-BC1B-63C2A170A415}"/>
               </a:ext>
             </a:extLst>
           </p:cNvPr>
@@ -9144,8 +9886,8 @@
         </p:nvSpPr>
         <p:spPr>
           <a:xfrm>
-            <a:off x="650449" y="1583703"/>
-            <a:ext cx="6683605" cy="2308324"/>
+            <a:off x="778213" y="1867711"/>
+            <a:ext cx="7110919" cy="3785652"/>
           </a:xfrm>
           <a:prstGeom prst="rect">
             <a:avLst/>
@@ -9158,42 +9900,219 @@
           </a:bodyPr>
           <a:lstStyle/>
           <a:p>
-            <a:r>
-              <a:rPr lang="pt-PT" dirty="0"/>
-              <a:t>A implementação das operações CRUD exigiu também a existência de exceções que tratam os casos em que certos objetos não podem ser adicionados/removidos.</a:t>
-            </a:r>
-          </a:p>
-          <a:p>
+            <a:pPr algn="just"/>
+            <a:r>
+              <a:rPr lang="pt-PT" sz="2000" dirty="0">
+                <a:ln>
+                  <a:solidFill>
+                    <a:schemeClr val="bg1">
+                      <a:lumMod val="75000"/>
+                      <a:lumOff val="25000"/>
+                      <a:alpha val="10000"/>
+                    </a:schemeClr>
+                  </a:solidFill>
+                </a:ln>
+                <a:solidFill>
+                  <a:schemeClr val="tx2"/>
+                </a:solidFill>
+                <a:effectLst>
+                  <a:outerShdw blurRad="9525" dist="25400" dir="14640000" algn="tl" rotWithShape="0">
+                    <a:schemeClr val="bg1">
+                      <a:alpha val="30000"/>
+                    </a:schemeClr>
+                  </a:outerShdw>
+                </a:effectLst>
+              </a:rPr>
+              <a:t>	Para além das funcionalidades já referidas anteriormente, implementamos também algumas funções e métodos que permitiram auxiliar a organização da informação e, de modo geral, a resolução do problema dado.</a:t>
+            </a:r>
             <a:endParaRPr lang="pt-PT" dirty="0"/>
           </a:p>
           <a:p>
-            <a:r>
-              <a:rPr lang="pt-PT" dirty="0"/>
-              <a:t>Por exemplo, não é possível adicionar serviços de transporte se não existirem camiões disponíveis (classe </a:t>
-            </a:r>
-            <a:r>
-              <a:rPr lang="pt-PT" dirty="0" err="1"/>
-              <a:t>CamioesIndisponiveis</a:t>
-            </a:r>
-            <a:r>
-              <a:rPr lang="pt-PT" dirty="0"/>
-              <a:t>) para esse serviço ou se não existirem motoristas que possam trabalhar nessa hora/data (classe </a:t>
-            </a:r>
-            <a:r>
-              <a:rPr lang="pt-PT" dirty="0" err="1"/>
-              <a:t>MotoristasIndisponiveis</a:t>
-            </a:r>
-            <a:r>
-              <a:rPr lang="pt-PT" dirty="0"/>
-              <a:t>).</a:t>
-            </a:r>
-          </a:p>
-        </p:txBody>
-      </p:sp>
+            <a:pPr algn="just"/>
+            <a:r>
+              <a:rPr lang="pt-PT" sz="2000" dirty="0">
+                <a:ln>
+                  <a:solidFill>
+                    <a:schemeClr val="bg1">
+                      <a:lumMod val="75000"/>
+                      <a:lumOff val="25000"/>
+                      <a:alpha val="10000"/>
+                    </a:schemeClr>
+                  </a:solidFill>
+                </a:ln>
+                <a:solidFill>
+                  <a:schemeClr val="tx2"/>
+                </a:solidFill>
+                <a:effectLst>
+                  <a:outerShdw blurRad="9525" dist="25400" dir="14640000" algn="tl" rotWithShape="0">
+                    <a:schemeClr val="bg1">
+                      <a:alpha val="30000"/>
+                    </a:schemeClr>
+                  </a:outerShdw>
+                </a:effectLst>
+              </a:rPr>
+              <a:t>	Uma dessas funcionalidades é o método público </a:t>
+            </a:r>
+            <a:r>
+              <a:rPr lang="pt-PT" sz="2000" dirty="0" err="1">
+                <a:ln>
+                  <a:solidFill>
+                    <a:schemeClr val="bg1">
+                      <a:lumMod val="75000"/>
+                      <a:lumOff val="25000"/>
+                      <a:alpha val="10000"/>
+                    </a:schemeClr>
+                  </a:solidFill>
+                </a:ln>
+                <a:solidFill>
+                  <a:schemeClr val="tx2"/>
+                </a:solidFill>
+                <a:effectLst>
+                  <a:outerShdw blurRad="9525" dist="25400" dir="14640000" algn="tl" rotWithShape="0">
+                    <a:schemeClr val="bg1">
+                      <a:alpha val="30000"/>
+                    </a:schemeClr>
+                  </a:outerShdw>
+                </a:effectLst>
+              </a:rPr>
+              <a:t>getPreco</a:t>
+            </a:r>
+            <a:r>
+              <a:rPr lang="pt-PT" sz="2000" dirty="0">
+                <a:ln>
+                  <a:solidFill>
+                    <a:schemeClr val="bg1">
+                      <a:lumMod val="75000"/>
+                      <a:lumOff val="25000"/>
+                      <a:alpha val="10000"/>
+                    </a:schemeClr>
+                  </a:solidFill>
+                </a:ln>
+                <a:solidFill>
+                  <a:schemeClr val="tx2"/>
+                </a:solidFill>
+                <a:effectLst>
+                  <a:outerShdw blurRad="9525" dist="25400" dir="14640000" algn="tl" rotWithShape="0">
+                    <a:schemeClr val="bg1">
+                      <a:alpha val="30000"/>
+                    </a:schemeClr>
+                  </a:outerShdw>
+                </a:effectLst>
+              </a:rPr>
+              <a:t>() da classe </a:t>
+            </a:r>
+            <a:r>
+              <a:rPr lang="pt-PT" sz="2000" dirty="0" err="1">
+                <a:ln>
+                  <a:solidFill>
+                    <a:schemeClr val="bg1">
+                      <a:lumMod val="75000"/>
+                      <a:lumOff val="25000"/>
+                      <a:alpha val="10000"/>
+                    </a:schemeClr>
+                  </a:solidFill>
+                </a:ln>
+                <a:solidFill>
+                  <a:schemeClr val="tx2"/>
+                </a:solidFill>
+                <a:effectLst>
+                  <a:outerShdw blurRad="9525" dist="25400" dir="14640000" algn="tl" rotWithShape="0">
+                    <a:schemeClr val="bg1">
+                      <a:alpha val="30000"/>
+                    </a:schemeClr>
+                  </a:outerShdw>
+                </a:effectLst>
+              </a:rPr>
+              <a:t>ServicoTransporte</a:t>
+            </a:r>
+            <a:r>
+              <a:rPr lang="pt-PT" sz="2000" dirty="0">
+                <a:ln>
+                  <a:solidFill>
+                    <a:schemeClr val="bg1">
+                      <a:lumMod val="75000"/>
+                      <a:lumOff val="25000"/>
+                      <a:alpha val="10000"/>
+                    </a:schemeClr>
+                  </a:solidFill>
+                </a:ln>
+                <a:solidFill>
+                  <a:schemeClr val="tx2"/>
+                </a:solidFill>
+                <a:effectLst>
+                  <a:outerShdw blurRad="9525" dist="25400" dir="14640000" algn="tl" rotWithShape="0">
+                    <a:schemeClr val="bg1">
+                      <a:alpha val="30000"/>
+                    </a:schemeClr>
+                  </a:outerShdw>
+                </a:effectLst>
+              </a:rPr>
+              <a:t>. O preço de cada serviço de transporte é, deste modo, calculado a partir da distância entre a origem e o destino, sendo que esta informação se encontra guardada no ficheiro distancias.txt. </a:t>
+            </a:r>
+          </a:p>
+          <a:p>
+            <a:pPr algn="just"/>
+            <a:r>
+              <a:rPr lang="pt-PT" sz="2000" dirty="0">
+                <a:ln>
+                  <a:solidFill>
+                    <a:schemeClr val="bg1">
+                      <a:lumMod val="75000"/>
+                      <a:lumOff val="25000"/>
+                      <a:alpha val="10000"/>
+                    </a:schemeClr>
+                  </a:solidFill>
+                </a:ln>
+                <a:solidFill>
+                  <a:schemeClr val="tx2"/>
+                </a:solidFill>
+                <a:effectLst>
+                  <a:outerShdw blurRad="9525" dist="25400" dir="14640000" algn="tl" rotWithShape="0">
+                    <a:schemeClr val="bg1">
+                      <a:alpha val="30000"/>
+                    </a:schemeClr>
+                  </a:outerShdw>
+                </a:effectLst>
+              </a:rPr>
+              <a:t>	O preço tem em conta também outras características do serviço, como o número de camiões necessários e o tipo de mercadorias transportadas.</a:t>
+            </a:r>
+          </a:p>
+        </p:txBody>
+      </p:sp>
+      <p:pic>
+        <p:nvPicPr>
+          <p:cNvPr id="3" name="Imagem 2">
+            <a:extLst>
+              <a:ext uri="{FF2B5EF4-FFF2-40B4-BE49-F238E27FC236}">
+                <a16:creationId xmlns:a16="http://schemas.microsoft.com/office/drawing/2014/main" id="{67118493-2E3B-4224-B3BA-2AB12D372460}"/>
+              </a:ext>
+            </a:extLst>
+          </p:cNvPr>
+          <p:cNvPicPr>
+            <a:picLocks noChangeAspect="1"/>
+          </p:cNvPicPr>
+          <p:nvPr/>
+        </p:nvPicPr>
+        <p:blipFill>
+          <a:blip r:embed="rId3"/>
+          <a:stretch>
+            <a:fillRect/>
+          </a:stretch>
+        </p:blipFill>
+        <p:spPr>
+          <a:xfrm>
+            <a:off x="6551806" y="416586"/>
+            <a:ext cx="4861981" cy="1356478"/>
+          </a:xfrm>
+          <a:prstGeom prst="rect">
+            <a:avLst/>
+          </a:prstGeom>
+        </p:spPr>
+      </p:pic>
     </p:spTree>
     <p:extLst>
       <p:ext uri="{BB962C8B-B14F-4D97-AF65-F5344CB8AC3E}">
-        <p14:creationId xmlns:p14="http://schemas.microsoft.com/office/powerpoint/2010/main" val="217370830"/>
+        <p14:creationId xmlns:p14="http://schemas.microsoft.com/office/powerpoint/2010/main" val="2519560806"/>
       </p:ext>
     </p:extLst>
   </p:cSld>
@@ -9443,4 +10362,299 @@
     </a:ext>
   </a:extLst>
 </a:theme>
+</file>
+
+<file path=ppt/theme/theme2.xml><?xml version="1.0" encoding="utf-8"?>
+<a:theme xmlns:a="http://schemas.openxmlformats.org/drawingml/2006/main" name="Tema do Office">
+  <a:themeElements>
+    <a:clrScheme name="Office">
+      <a:dk1>
+        <a:sysClr val="windowText" lastClr="000000"/>
+      </a:dk1>
+      <a:lt1>
+        <a:sysClr val="window" lastClr="FFFFFF"/>
+      </a:lt1>
+      <a:dk2>
+        <a:srgbClr val="44546A"/>
+      </a:dk2>
+      <a:lt2>
+        <a:srgbClr val="E7E6E6"/>
+      </a:lt2>
+      <a:accent1>
+        <a:srgbClr val="4472C4"/>
+      </a:accent1>
+      <a:accent2>
+        <a:srgbClr val="ED7D31"/>
+      </a:accent2>
+      <a:accent3>
+        <a:srgbClr val="A5A5A5"/>
+      </a:accent3>
+      <a:accent4>
+        <a:srgbClr val="FFC000"/>
+      </a:accent4>
+      <a:accent5>
+        <a:srgbClr val="5B9BD5"/>
+      </a:accent5>
+      <a:accent6>
+        <a:srgbClr val="70AD47"/>
+      </a:accent6>
+      <a:hlink>
+        <a:srgbClr val="0563C1"/>
+      </a:hlink>
+      <a:folHlink>
+        <a:srgbClr val="954F72"/>
+      </a:folHlink>
+    </a:clrScheme>
+    <a:fontScheme name="Office">
+      <a:majorFont>
+        <a:latin typeface="Calibri Light" panose="020F0302020204030204"/>
+        <a:ea typeface=""/>
+        <a:cs typeface=""/>
+        <a:font script="Jpan" typeface="游ゴシック Light"/>
+        <a:font script="Hang" typeface="맑은 고딕"/>
+        <a:font script="Hans" typeface="等线 Light"/>
+        <a:font script="Hant" typeface="新細明體"/>
+        <a:font script="Arab" typeface="Times New Roman"/>
+        <a:font script="Hebr" typeface="Times New Roman"/>
+        <a:font script="Thai" typeface="Angsana New"/>
+        <a:font script="Ethi" typeface="Nyala"/>
+        <a:font script="Beng" typeface="Vrinda"/>
+        <a:font script="Gujr" typeface="Shruti"/>
+        <a:font script="Khmr" typeface="MoolBoran"/>
+        <a:font script="Knda" typeface="Tunga"/>
+        <a:font script="Guru" typeface="Raavi"/>
+        <a:font script="Cans" typeface="Euphemia"/>
+        <a:font script="Cher" typeface="Plantagenet Cherokee"/>
+        <a:font script="Yiii" typeface="Microsoft Yi Baiti"/>
+        <a:font script="Tibt" typeface="Microsoft Himalaya"/>
+        <a:font script="Thaa" typeface="MV Boli"/>
+        <a:font script="Deva" typeface="Mangal"/>
+        <a:font script="Telu" typeface="Gautami"/>
+        <a:font script="Taml" typeface="Latha"/>
+        <a:font script="Syrc" typeface="Estrangelo Edessa"/>
+        <a:font script="Orya" typeface="Kalinga"/>
+        <a:font script="Mlym" typeface="Kartika"/>
+        <a:font script="Laoo" typeface="DokChampa"/>
+        <a:font script="Sinh" typeface="Iskoola Pota"/>
+        <a:font script="Mong" typeface="Mongolian Baiti"/>
+        <a:font script="Viet" typeface="Times New Roman"/>
+        <a:font script="Uigh" typeface="Microsoft Uighur"/>
+        <a:font script="Geor" typeface="Sylfaen"/>
+        <a:font script="Armn" typeface="Arial"/>
+        <a:font script="Bugi" typeface="Leelawadee UI"/>
+        <a:font script="Bopo" typeface="Microsoft JhengHei"/>
+        <a:font script="Java" typeface="Javanese Text"/>
+        <a:font script="Lisu" typeface="Segoe UI"/>
+        <a:font script="Mymr" typeface="Myanmar Text"/>
+        <a:font script="Nkoo" typeface="Ebrima"/>
+        <a:font script="Olck" typeface="Nirmala UI"/>
+        <a:font script="Osma" typeface="Ebrima"/>
+        <a:font script="Phag" typeface="Phagspa"/>
+        <a:font script="Syrn" typeface="Estrangelo Edessa"/>
+        <a:font script="Syrj" typeface="Estrangelo Edessa"/>
+        <a:font script="Syre" typeface="Estrangelo Edessa"/>
+        <a:font script="Sora" typeface="Nirmala UI"/>
+        <a:font script="Tale" typeface="Microsoft Tai Le"/>
+        <a:font script="Talu" typeface="Microsoft New Tai Lue"/>
+        <a:font script="Tfng" typeface="Ebrima"/>
+      </a:majorFont>
+      <a:minorFont>
+        <a:latin typeface="Calibri" panose="020F0502020204030204"/>
+        <a:ea typeface=""/>
+        <a:cs typeface=""/>
+        <a:font script="Jpan" typeface="游ゴシック"/>
+        <a:font script="Hang" typeface="맑은 고딕"/>
+        <a:font script="Hans" typeface="等线"/>
+        <a:font script="Hant" typeface="新細明體"/>
+        <a:font script="Arab" typeface="Arial"/>
+        <a:font script="Hebr" typeface="Arial"/>
+        <a:font script="Thai" typeface="Cordia New"/>
+        <a:font script="Ethi" typeface="Nyala"/>
+        <a:font script="Beng" typeface="Vrinda"/>
+        <a:font script="Gujr" typeface="Shruti"/>
+        <a:font script="Khmr" typeface="DaunPenh"/>
+        <a:font script="Knda" typeface="Tunga"/>
+        <a:font script="Guru" typeface="Raavi"/>
+        <a:font script="Cans" typeface="Euphemia"/>
+        <a:font script="Cher" typeface="Plantagenet Cherokee"/>
+        <a:font script="Yiii" typeface="Microsoft Yi Baiti"/>
+        <a:font script="Tibt" typeface="Microsoft Himalaya"/>
+        <a:font script="Thaa" typeface="MV Boli"/>
+        <a:font script="Deva" typeface="Mangal"/>
+        <a:font script="Telu" typeface="Gautami"/>
+        <a:font script="Taml" typeface="Latha"/>
+        <a:font script="Syrc" typeface="Estrangelo Edessa"/>
+        <a:font script="Orya" typeface="Kalinga"/>
+        <a:font script="Mlym" typeface="Kartika"/>
+        <a:font script="Laoo" typeface="DokChampa"/>
+        <a:font script="Sinh" typeface="Iskoola Pota"/>
+        <a:font script="Mong" typeface="Mongolian Baiti"/>
+        <a:font script="Viet" typeface="Arial"/>
+        <a:font script="Uigh" typeface="Microsoft Uighur"/>
+        <a:font script="Geor" typeface="Sylfaen"/>
+        <a:font script="Armn" typeface="Arial"/>
+        <a:font script="Bugi" typeface="Leelawadee UI"/>
+        <a:font script="Bopo" typeface="Microsoft JhengHei"/>
+        <a:font script="Java" typeface="Javanese Text"/>
+        <a:font script="Lisu" typeface="Segoe UI"/>
+        <a:font script="Mymr" typeface="Myanmar Text"/>
+        <a:font script="Nkoo" typeface="Ebrima"/>
+        <a:font script="Olck" typeface="Nirmala UI"/>
+        <a:font script="Osma" typeface="Ebrima"/>
+        <a:font script="Phag" typeface="Phagspa"/>
+        <a:font script="Syrn" typeface="Estrangelo Edessa"/>
+        <a:font script="Syrj" typeface="Estrangelo Edessa"/>
+        <a:font script="Syre" typeface="Estrangelo Edessa"/>
+        <a:font script="Sora" typeface="Nirmala UI"/>
+        <a:font script="Tale" typeface="Microsoft Tai Le"/>
+        <a:font script="Talu" typeface="Microsoft New Tai Lue"/>
+        <a:font script="Tfng" typeface="Ebrima"/>
+      </a:minorFont>
+    </a:fontScheme>
+    <a:fmtScheme name="Office">
+      <a:fillStyleLst>
+        <a:solidFill>
+          <a:schemeClr val="phClr"/>
+        </a:solidFill>
+        <a:gradFill rotWithShape="1">
+          <a:gsLst>
+            <a:gs pos="0">
+              <a:schemeClr val="phClr">
+                <a:lumMod val="110000"/>
+                <a:satMod val="105000"/>
+                <a:tint val="67000"/>
+              </a:schemeClr>
+            </a:gs>
+            <a:gs pos="50000">
+              <a:schemeClr val="phClr">
+                <a:lumMod val="105000"/>
+                <a:satMod val="103000"/>
+                <a:tint val="73000"/>
+              </a:schemeClr>
+            </a:gs>
+            <a:gs pos="100000">
+              <a:schemeClr val="phClr">
+                <a:lumMod val="105000"/>
+                <a:satMod val="109000"/>
+                <a:tint val="81000"/>
+              </a:schemeClr>
+            </a:gs>
+          </a:gsLst>
+          <a:lin ang="5400000" scaled="0"/>
+        </a:gradFill>
+        <a:gradFill rotWithShape="1">
+          <a:gsLst>
+            <a:gs pos="0">
+              <a:schemeClr val="phClr">
+                <a:satMod val="103000"/>
+                <a:lumMod val="102000"/>
+                <a:tint val="94000"/>
+              </a:schemeClr>
+            </a:gs>
+            <a:gs pos="50000">
+              <a:schemeClr val="phClr">
+                <a:satMod val="110000"/>
+                <a:lumMod val="100000"/>
+                <a:shade val="100000"/>
+              </a:schemeClr>
+            </a:gs>
+            <a:gs pos="100000">
+              <a:schemeClr val="phClr">
+                <a:lumMod val="99000"/>
+                <a:satMod val="120000"/>
+                <a:shade val="78000"/>
+              </a:schemeClr>
+            </a:gs>
+          </a:gsLst>
+          <a:lin ang="5400000" scaled="0"/>
+        </a:gradFill>
+      </a:fillStyleLst>
+      <a:lnStyleLst>
+        <a:ln w="6350" cap="flat" cmpd="sng" algn="ctr">
+          <a:solidFill>
+            <a:schemeClr val="phClr"/>
+          </a:solidFill>
+          <a:prstDash val="solid"/>
+          <a:miter lim="800000"/>
+        </a:ln>
+        <a:ln w="12700" cap="flat" cmpd="sng" algn="ctr">
+          <a:solidFill>
+            <a:schemeClr val="phClr"/>
+          </a:solidFill>
+          <a:prstDash val="solid"/>
+          <a:miter lim="800000"/>
+        </a:ln>
+        <a:ln w="19050" cap="flat" cmpd="sng" algn="ctr">
+          <a:solidFill>
+            <a:schemeClr val="phClr"/>
+          </a:solidFill>
+          <a:prstDash val="solid"/>
+          <a:miter lim="800000"/>
+        </a:ln>
+      </a:lnStyleLst>
+      <a:effectStyleLst>
+        <a:effectStyle>
+          <a:effectLst/>
+        </a:effectStyle>
+        <a:effectStyle>
+          <a:effectLst/>
+        </a:effectStyle>
+        <a:effectStyle>
+          <a:effectLst>
+            <a:outerShdw blurRad="57150" dist="19050" dir="5400000" algn="ctr" rotWithShape="0">
+              <a:srgbClr val="000000">
+                <a:alpha val="63000"/>
+              </a:srgbClr>
+            </a:outerShdw>
+          </a:effectLst>
+        </a:effectStyle>
+      </a:effectStyleLst>
+      <a:bgFillStyleLst>
+        <a:solidFill>
+          <a:schemeClr val="phClr"/>
+        </a:solidFill>
+        <a:solidFill>
+          <a:schemeClr val="phClr">
+            <a:tint val="95000"/>
+            <a:satMod val="170000"/>
+          </a:schemeClr>
+        </a:solidFill>
+        <a:gradFill rotWithShape="1">
+          <a:gsLst>
+            <a:gs pos="0">
+              <a:schemeClr val="phClr">
+                <a:tint val="93000"/>
+                <a:satMod val="150000"/>
+                <a:shade val="98000"/>
+                <a:lumMod val="102000"/>
+              </a:schemeClr>
+            </a:gs>
+            <a:gs pos="50000">
+              <a:schemeClr val="phClr">
+                <a:tint val="98000"/>
+                <a:satMod val="130000"/>
+                <a:shade val="90000"/>
+                <a:lumMod val="103000"/>
+              </a:schemeClr>
+            </a:gs>
+            <a:gs pos="100000">
+              <a:schemeClr val="phClr">
+                <a:shade val="63000"/>
+                <a:satMod val="120000"/>
+              </a:schemeClr>
+            </a:gs>
+          </a:gsLst>
+          <a:lin ang="5400000" scaled="0"/>
+        </a:gradFill>
+      </a:bgFillStyleLst>
+    </a:fmtScheme>
+  </a:themeElements>
+  <a:objectDefaults/>
+  <a:extraClrSchemeLst/>
+  <a:extLst>
+    <a:ext uri="{05A4C25C-085E-4340-85A3-A5531E510DB2}">
+      <thm15:themeFamily xmlns:thm15="http://schemas.microsoft.com/office/thememl/2012/main" name="Office Theme" id="{62F939B6-93AF-4DB8-9C6B-D6C7DFDC589F}" vid="{4A3C46E8-61CC-4603-A589-7422A47A8E4A}"/>
+    </a:ext>
+  </a:extLst>
+</a:theme>
 </file>
--- a/empresa_transportes.pptx
+++ b/empresa_transportes.pptx
@@ -208,7 +208,7 @@
           <a:p>
             <a:fld id="{8E46E5FD-2FAE-460F-A3B4-899AE2469349}" type="datetimeFigureOut">
               <a:rPr lang="pt-PT" smtClean="0"/>
-              <a:t>02/01/2020</a:t>
+              <a:t>04/01/2020</a:t>
             </a:fld>
             <a:endParaRPr lang="pt-PT"/>
           </a:p>
@@ -744,7 +744,7 @@
           <a:p>
             <a:fld id="{AC7A7699-1FF8-489F-80BC-322EFC6E40CC}" type="datetimeFigureOut">
               <a:rPr lang="en-US" smtClean="0"/>
-              <a:t>1/2/2020</a:t>
+              <a:t>1/4/2020</a:t>
             </a:fld>
             <a:endParaRPr lang="en-US"/>
           </a:p>
@@ -1042,7 +1042,7 @@
           <a:p>
             <a:fld id="{AC7A7699-1FF8-489F-80BC-322EFC6E40CC}" type="datetimeFigureOut">
               <a:rPr lang="en-US" smtClean="0"/>
-              <a:t>1/2/2020</a:t>
+              <a:t>1/4/2020</a:t>
             </a:fld>
             <a:endParaRPr lang="en-US"/>
           </a:p>
@@ -1234,7 +1234,7 @@
           <a:p>
             <a:fld id="{AC7A7699-1FF8-489F-80BC-322EFC6E40CC}" type="datetimeFigureOut">
               <a:rPr lang="en-US" smtClean="0"/>
-              <a:t>1/2/2020</a:t>
+              <a:t>1/4/2020</a:t>
             </a:fld>
             <a:endParaRPr lang="en-US"/>
           </a:p>
@@ -1495,7 +1495,7 @@
           <a:p>
             <a:fld id="{AC7A7699-1FF8-489F-80BC-322EFC6E40CC}" type="datetimeFigureOut">
               <a:rPr lang="en-US" smtClean="0"/>
-              <a:t>1/2/2020</a:t>
+              <a:t>1/4/2020</a:t>
             </a:fld>
             <a:endParaRPr lang="en-US"/>
           </a:p>
@@ -1919,7 +1919,7 @@
           <a:p>
             <a:fld id="{AC7A7699-1FF8-489F-80BC-322EFC6E40CC}" type="datetimeFigureOut">
               <a:rPr lang="en-US" smtClean="0"/>
-              <a:t>1/2/2020</a:t>
+              <a:t>1/4/2020</a:t>
             </a:fld>
             <a:endParaRPr lang="en-US"/>
           </a:p>
@@ -2456,7 +2456,7 @@
           <a:p>
             <a:fld id="{AC7A7699-1FF8-489F-80BC-322EFC6E40CC}" type="datetimeFigureOut">
               <a:rPr lang="en-US" smtClean="0"/>
-              <a:t>1/2/2020</a:t>
+              <a:t>1/4/2020</a:t>
             </a:fld>
             <a:endParaRPr lang="en-US"/>
           </a:p>
@@ -3320,7 +3320,7 @@
           <a:p>
             <a:fld id="{AC7A7699-1FF8-489F-80BC-322EFC6E40CC}" type="datetimeFigureOut">
               <a:rPr lang="en-US" smtClean="0"/>
-              <a:t>1/2/2020</a:t>
+              <a:t>1/4/2020</a:t>
             </a:fld>
             <a:endParaRPr lang="en-US"/>
           </a:p>
@@ -3490,7 +3490,7 @@
           <a:p>
             <a:fld id="{AC7A7699-1FF8-489F-80BC-322EFC6E40CC}" type="datetimeFigureOut">
               <a:rPr lang="en-US" smtClean="0"/>
-              <a:t>1/2/2020</a:t>
+              <a:t>1/4/2020</a:t>
             </a:fld>
             <a:endParaRPr lang="en-US"/>
           </a:p>
@@ -3674,7 +3674,7 @@
           <a:p>
             <a:fld id="{AC7A7699-1FF8-489F-80BC-322EFC6E40CC}" type="datetimeFigureOut">
               <a:rPr lang="en-US" smtClean="0"/>
-              <a:t>1/2/2020</a:t>
+              <a:t>1/4/2020</a:t>
             </a:fld>
             <a:endParaRPr lang="en-US"/>
           </a:p>
@@ -3844,7 +3844,7 @@
           <a:p>
             <a:fld id="{AC7A7699-1FF8-489F-80BC-322EFC6E40CC}" type="datetimeFigureOut">
               <a:rPr lang="en-US" smtClean="0"/>
-              <a:t>1/2/2020</a:t>
+              <a:t>1/4/2020</a:t>
             </a:fld>
             <a:endParaRPr lang="en-US"/>
           </a:p>
@@ -4088,7 +4088,7 @@
           <a:p>
             <a:fld id="{AC7A7699-1FF8-489F-80BC-322EFC6E40CC}" type="datetimeFigureOut">
               <a:rPr lang="en-US" smtClean="0"/>
-              <a:t>1/2/2020</a:t>
+              <a:t>1/4/2020</a:t>
             </a:fld>
             <a:endParaRPr lang="en-US"/>
           </a:p>
@@ -4324,7 +4324,7 @@
           <a:p>
             <a:fld id="{AC7A7699-1FF8-489F-80BC-322EFC6E40CC}" type="datetimeFigureOut">
               <a:rPr lang="en-US" smtClean="0"/>
-              <a:t>1/2/2020</a:t>
+              <a:t>1/4/2020</a:t>
             </a:fld>
             <a:endParaRPr lang="en-US"/>
           </a:p>
@@ -4790,7 +4790,7 @@
           <a:p>
             <a:fld id="{AC7A7699-1FF8-489F-80BC-322EFC6E40CC}" type="datetimeFigureOut">
               <a:rPr lang="en-US" smtClean="0"/>
-              <a:t>1/2/2020</a:t>
+              <a:t>1/4/2020</a:t>
             </a:fld>
             <a:endParaRPr lang="en-US"/>
           </a:p>
@@ -4908,7 +4908,7 @@
           <a:p>
             <a:fld id="{AC7A7699-1FF8-489F-80BC-322EFC6E40CC}" type="datetimeFigureOut">
               <a:rPr lang="en-US" smtClean="0"/>
-              <a:t>1/2/2020</a:t>
+              <a:t>1/4/2020</a:t>
             </a:fld>
             <a:endParaRPr lang="en-US"/>
           </a:p>
@@ -5003,7 +5003,7 @@
           <a:p>
             <a:fld id="{AC7A7699-1FF8-489F-80BC-322EFC6E40CC}" type="datetimeFigureOut">
               <a:rPr lang="en-US" smtClean="0"/>
-              <a:t>1/2/2020</a:t>
+              <a:t>1/4/2020</a:t>
             </a:fld>
             <a:endParaRPr lang="en-US"/>
           </a:p>
@@ -5258,7 +5258,7 @@
           <a:p>
             <a:fld id="{AC7A7699-1FF8-489F-80BC-322EFC6E40CC}" type="datetimeFigureOut">
               <a:rPr lang="en-US" smtClean="0"/>
-              <a:t>1/2/2020</a:t>
+              <a:t>1/4/2020</a:t>
             </a:fld>
             <a:endParaRPr lang="en-US"/>
           </a:p>
@@ -5558,7 +5558,7 @@
           <a:p>
             <a:fld id="{AC7A7699-1FF8-489F-80BC-322EFC6E40CC}" type="datetimeFigureOut">
               <a:rPr lang="en-US" smtClean="0"/>
-              <a:t>1/2/2020</a:t>
+              <a:t>1/4/2020</a:t>
             </a:fld>
             <a:endParaRPr lang="en-US"/>
           </a:p>
@@ -5792,7 +5792,7 @@
           <a:p>
             <a:fld id="{AC7A7699-1FF8-489F-80BC-322EFC6E40CC}" type="datetimeFigureOut">
               <a:rPr lang="en-US" smtClean="0"/>
-              <a:t>1/2/2020</a:t>
+              <a:t>1/4/2020</a:t>
             </a:fld>
             <a:endParaRPr lang="en-US"/>
           </a:p>
@@ -8110,7 +8110,7 @@
         </p:nvSpPr>
         <p:spPr>
           <a:xfrm>
-            <a:off x="913795" y="609600"/>
+            <a:off x="912489" y="83633"/>
             <a:ext cx="10353762" cy="970450"/>
           </a:xfrm>
         </p:spPr>
@@ -8191,10 +8191,10 @@
       </p:pic>
       <p:pic>
         <p:nvPicPr>
-          <p:cNvPr id="7" name="Imagem 6">
+          <p:cNvPr id="8" name="Imagem 7">
             <a:extLst>
               <a:ext uri="{FF2B5EF4-FFF2-40B4-BE49-F238E27FC236}">
-                <a16:creationId xmlns:a16="http://schemas.microsoft.com/office/drawing/2014/main" id="{B6BA7210-8367-42B7-9CE7-343A45F2BAFD}"/>
+                <a16:creationId xmlns:a16="http://schemas.microsoft.com/office/drawing/2014/main" id="{7E0F9D54-73D7-4E2A-A348-A38389E0CF25}"/>
               </a:ext>
             </a:extLst>
           </p:cNvPr>
@@ -8211,37 +8211,7 @@
         </p:blipFill>
         <p:spPr>
           <a:xfrm>
-            <a:off x="4391270" y="4488067"/>
-            <a:ext cx="1514846" cy="2315375"/>
-          </a:xfrm>
-          <a:prstGeom prst="rect">
-            <a:avLst/>
-          </a:prstGeom>
-        </p:spPr>
-      </p:pic>
-      <p:pic>
-        <p:nvPicPr>
-          <p:cNvPr id="8" name="Imagem 7">
-            <a:extLst>
-              <a:ext uri="{FF2B5EF4-FFF2-40B4-BE49-F238E27FC236}">
-                <a16:creationId xmlns:a16="http://schemas.microsoft.com/office/drawing/2014/main" id="{7E0F9D54-73D7-4E2A-A348-A38389E0CF25}"/>
-              </a:ext>
-            </a:extLst>
-          </p:cNvPr>
-          <p:cNvPicPr>
-            <a:picLocks noChangeAspect="1"/>
-          </p:cNvPicPr>
-          <p:nvPr/>
-        </p:nvPicPr>
-        <p:blipFill>
-          <a:blip r:embed="rId5"/>
-          <a:stretch>
-            <a:fillRect/>
-          </a:stretch>
-        </p:blipFill>
-        <p:spPr>
-          <a:xfrm>
-            <a:off x="4391270" y="1476988"/>
+            <a:off x="4389078" y="1027789"/>
             <a:ext cx="1514846" cy="2954969"/>
           </a:xfrm>
           <a:prstGeom prst="rect">
@@ -8264,7 +8234,7 @@
           <p:nvPr/>
         </p:nvPicPr>
         <p:blipFill>
-          <a:blip r:embed="rId6"/>
+          <a:blip r:embed="rId5"/>
           <a:stretch>
             <a:fillRect/>
           </a:stretch>
@@ -8415,7 +8385,7 @@
         </p:nvSpPr>
         <p:spPr>
           <a:xfrm>
-            <a:off x="3428516" y="1580049"/>
+            <a:off x="3485077" y="970097"/>
             <a:ext cx="1095633" cy="276999"/>
           </a:xfrm>
           <a:prstGeom prst="rect">
@@ -8453,7 +8423,7 @@
         </p:nvSpPr>
         <p:spPr>
           <a:xfrm>
-            <a:off x="3327521" y="4488067"/>
+            <a:off x="3530385" y="4104797"/>
             <a:ext cx="1005016" cy="276999"/>
           </a:xfrm>
           <a:prstGeom prst="rect">
@@ -8529,8 +8499,8 @@
         </p:nvSpPr>
         <p:spPr>
           <a:xfrm>
-            <a:off x="2316235" y="2901710"/>
-            <a:ext cx="1828234" cy="1200329"/>
+            <a:off x="2329055" y="2807926"/>
+            <a:ext cx="2038379" cy="1384995"/>
           </a:xfrm>
           <a:prstGeom prst="rect">
             <a:avLst/>
@@ -8568,6 +8538,12 @@
           </a:p>
           <a:p>
             <a:r>
+              <a:rPr lang="pt-PT" sz="1200" dirty="0"/>
+              <a:t>Cliente ativo/inativo (1/0)</a:t>
+            </a:r>
+          </a:p>
+          <a:p>
+            <a:r>
               <a:rPr lang="pt-PT" sz="1200" dirty="0" err="1"/>
               <a:t>Sep</a:t>
             </a:r>
@@ -8584,36 +8560,6 @@
           </a:p>
         </p:txBody>
       </p:sp>
-      <p:pic>
-        <p:nvPicPr>
-          <p:cNvPr id="16" name="Imagem 15">
-            <a:extLst>
-              <a:ext uri="{FF2B5EF4-FFF2-40B4-BE49-F238E27FC236}">
-                <a16:creationId xmlns:a16="http://schemas.microsoft.com/office/drawing/2014/main" id="{65D59AA7-54EA-425E-9A5C-37BFB6F94879}"/>
-              </a:ext>
-            </a:extLst>
-          </p:cNvPr>
-          <p:cNvPicPr>
-            <a:picLocks noChangeAspect="1"/>
-          </p:cNvPicPr>
-          <p:nvPr/>
-        </p:nvPicPr>
-        <p:blipFill>
-          <a:blip r:embed="rId7"/>
-          <a:stretch>
-            <a:fillRect/>
-          </a:stretch>
-        </p:blipFill>
-        <p:spPr>
-          <a:xfrm>
-            <a:off x="1160264" y="2898952"/>
-            <a:ext cx="1217070" cy="1805454"/>
-          </a:xfrm>
-          <a:prstGeom prst="rect">
-            <a:avLst/>
-          </a:prstGeom>
-        </p:spPr>
-      </p:pic>
       <p:sp>
         <p:nvSpPr>
           <p:cNvPr id="17" name="CaixaDeTexto 16">
@@ -8704,7 +8650,7 @@
         </p:nvSpPr>
         <p:spPr>
           <a:xfrm>
-            <a:off x="5854809" y="1476988"/>
+            <a:off x="5856036" y="979886"/>
             <a:ext cx="1779915" cy="1754326"/>
           </a:xfrm>
           <a:prstGeom prst="rect">
@@ -8798,8 +8744,8 @@
         </p:nvSpPr>
         <p:spPr>
           <a:xfrm>
-            <a:off x="5846987" y="4488067"/>
-            <a:ext cx="1894704" cy="1938992"/>
+            <a:off x="5825344" y="4101744"/>
+            <a:ext cx="1894704" cy="2123658"/>
           </a:xfrm>
           <a:prstGeom prst="rect">
             <a:avLst/>
@@ -8857,6 +8803,12 @@
             <a:r>
               <a:rPr lang="pt-PT" sz="1200" dirty="0"/>
               <a:t>Disponibilidade</a:t>
+            </a:r>
+          </a:p>
+          <a:p>
+            <a:r>
+              <a:rPr lang="pt-PT" sz="1200" dirty="0"/>
+              <a:t>Horas de viagem</a:t>
             </a:r>
           </a:p>
           <a:p>
@@ -8893,7 +8845,7 @@
           <p:nvPr/>
         </p:nvPicPr>
         <p:blipFill>
-          <a:blip r:embed="rId8"/>
+          <a:blip r:embed="rId6"/>
           <a:stretch>
             <a:fillRect/>
           </a:stretch>
@@ -8988,7 +8940,7 @@
           <a:p>
             <a:r>
               <a:rPr lang="pt-PT" sz="1200" dirty="0"/>
-              <a:t>Dias até disponível</a:t>
+              <a:t>Dias até estar disponível</a:t>
             </a:r>
           </a:p>
           <a:p>
@@ -9015,6 +8967,66 @@
           </a:p>
         </p:txBody>
       </p:sp>
+      <p:pic>
+        <p:nvPicPr>
+          <p:cNvPr id="23" name="Imagem 22">
+            <a:extLst>
+              <a:ext uri="{FF2B5EF4-FFF2-40B4-BE49-F238E27FC236}">
+                <a16:creationId xmlns:a16="http://schemas.microsoft.com/office/drawing/2014/main" id="{83CAFE91-FD95-44C6-A2A4-46AECB2A97E0}"/>
+              </a:ext>
+            </a:extLst>
+          </p:cNvPr>
+          <p:cNvPicPr>
+            <a:picLocks noChangeAspect="1"/>
+          </p:cNvPicPr>
+          <p:nvPr/>
+        </p:nvPicPr>
+        <p:blipFill>
+          <a:blip r:embed="rId7"/>
+          <a:stretch>
+            <a:fillRect/>
+          </a:stretch>
+        </p:blipFill>
+        <p:spPr>
+          <a:xfrm>
+            <a:off x="4408495" y="4102039"/>
+            <a:ext cx="1395207" cy="2754639"/>
+          </a:xfrm>
+          <a:prstGeom prst="rect">
+            <a:avLst/>
+          </a:prstGeom>
+        </p:spPr>
+      </p:pic>
+      <p:pic>
+        <p:nvPicPr>
+          <p:cNvPr id="22" name="Imagem 21">
+            <a:extLst>
+              <a:ext uri="{FF2B5EF4-FFF2-40B4-BE49-F238E27FC236}">
+                <a16:creationId xmlns:a16="http://schemas.microsoft.com/office/drawing/2014/main" id="{A6BC366F-56DC-4AAB-8E56-138C44CD84DE}"/>
+              </a:ext>
+            </a:extLst>
+          </p:cNvPr>
+          <p:cNvPicPr>
+            <a:picLocks noChangeAspect="1"/>
+          </p:cNvPicPr>
+          <p:nvPr/>
+        </p:nvPicPr>
+        <p:blipFill>
+          <a:blip r:embed="rId8"/>
+          <a:stretch>
+            <a:fillRect/>
+          </a:stretch>
+        </p:blipFill>
+        <p:spPr>
+          <a:xfrm>
+            <a:off x="1160089" y="2868240"/>
+            <a:ext cx="1217070" cy="1805454"/>
+          </a:xfrm>
+          <a:prstGeom prst="rect">
+            <a:avLst/>
+          </a:prstGeom>
+        </p:spPr>
+      </p:pic>
     </p:spTree>
     <p:extLst>
       <p:ext uri="{BB962C8B-B14F-4D97-AF65-F5344CB8AC3E}">

--- a/empresa_transportes.pptx
+++ b/empresa_transportes.pptx
@@ -6642,15 +6642,14 @@
             <a:pPr algn="just"/>
             <a:r>
               <a:rPr lang="pt-PT" dirty="0"/>
-              <a:t>Uma das funcionalidades extra (não exigidas pelo enunciado do problema), é o horário de trabalho dos funcionários e dos serviços de transporte, que têm que coincidir para que o serviço de transporte seja bem sucedido, isto é, para que um serviço de transporte se possa realizar, é necessário que exista pelo menos um motorista devidamente preparado, cujo horário de trabalho abranja o horário marcado para o serviço de transporte. Caso isto não aconteça, é lançada a exceção </a:t>
-            </a:r>
-            <a:r>
-              <a:rPr lang="pt-PT" dirty="0" err="1"/>
-              <a:t>MotoristasIndisponiveis</a:t>
-            </a:r>
+              <a:t>Uma das funcionalidades extra (não exigidas pelo enunciado do problema), é o horário de trabalho dos funcionários e dos serviços de transporte. Se um serviço ocorre a uma determinada hora, é necessário que haja um motorista cujo horário de trabalho coincida com o horário do serviço. </a:t>
+            </a:r>
+          </a:p>
+          <a:p>
+            <a:pPr algn="just"/>
             <a:r>
               <a:rPr lang="pt-PT" dirty="0"/>
-              <a:t>.</a:t>
+              <a:t>Este método permite também atualizar o número total de horas de trabalho do motorista.</a:t>
             </a:r>
           </a:p>
         </p:txBody>
@@ -6874,7 +6873,7 @@
         <p:spPr>
           <a:xfrm>
             <a:off x="1035270" y="3307724"/>
-            <a:ext cx="5055406" cy="2862322"/>
+            <a:ext cx="5055406" cy="1631216"/>
           </a:xfrm>
           <a:prstGeom prst="rect">
             <a:avLst/>
@@ -6913,14 +6912,32 @@
                   </a:outerShdw>
                 </a:effectLst>
               </a:rPr>
-              <a:t>Outra dificuldade encontrada foi a organização e distribuição da informação nos ficheiros de texto.</a:t>
-            </a:r>
-          </a:p>
-          <a:p>
-            <a:pPr marL="342900" indent="-342900" algn="just">
-              <a:buFont typeface="Arial" panose="020B0604020202020204" pitchFamily="34" charset="0"/>
-              <a:buChar char="•"/>
-            </a:pPr>
+              <a:t>Outra dificuldade encontrada foi permitir o avançar do tempo, atualizando os membros-dado da oficina (disponibilidade ) e data (</a:t>
+            </a:r>
+            <a:r>
+              <a:rPr lang="pt-PT" sz="2000" dirty="0" err="1">
+                <a:ln>
+                  <a:solidFill>
+                    <a:schemeClr val="bg1">
+                      <a:lumMod val="75000"/>
+                      <a:lumOff val="25000"/>
+                      <a:alpha val="10000"/>
+                    </a:schemeClr>
+                  </a:solidFill>
+                </a:ln>
+                <a:solidFill>
+                  <a:schemeClr val="tx2"/>
+                </a:solidFill>
+                <a:effectLst>
+                  <a:outerShdw blurRad="9525" dist="25400" dir="14640000" algn="tl" rotWithShape="0">
+                    <a:schemeClr val="bg1">
+                      <a:alpha val="30000"/>
+                    </a:schemeClr>
+                  </a:outerShdw>
+                </a:effectLst>
+              </a:rPr>
+              <a:t>next_available_date</a:t>
+            </a:r>
             <a:r>
               <a:rPr lang="pt-PT" sz="2000" dirty="0">
                 <a:ln>
@@ -6943,7 +6960,7 @@
                   </a:outerShdw>
                 </a:effectLst>
               </a:rPr>
-              <a:t>Para além disso, o enunciado parecia-nos um pouco vago, o que acabou por nos dar mais liberdade no desenvolvimento do projeto, mas que, no início, nos deixou um pouco confusos sobre como deveriam ser implementados diversos objetivos.</a:t>
+              <a:t>).</a:t>
             </a:r>
           </a:p>
         </p:txBody>
@@ -7411,15 +7428,7 @@
             </a:r>
             <a:r>
               <a:rPr lang="en-US" dirty="0"/>
-              <a:t> de horas </a:t>
-            </a:r>
-            <a:r>
-              <a:rPr lang="en-US" dirty="0" err="1"/>
-              <a:t>díarias</a:t>
-            </a:r>
-            <a:r>
-              <a:rPr lang="en-US" dirty="0"/>
-              <a:t> </a:t>
+              <a:t> de total de horas </a:t>
             </a:r>
             <a:r>
               <a:rPr lang="en-US" dirty="0" err="1"/>
@@ -7938,12 +7947,106 @@
           </a:prstGeom>
         </p:spPr>
       </p:pic>
+      <p:sp>
+        <p:nvSpPr>
+          <p:cNvPr id="6" name="CaixaDeTexto 5">
+            <a:extLst>
+              <a:ext uri="{FF2B5EF4-FFF2-40B4-BE49-F238E27FC236}">
+                <a16:creationId xmlns:a16="http://schemas.microsoft.com/office/drawing/2014/main" id="{3AE6A475-683B-4862-8969-A60E21E4E2FB}"/>
+              </a:ext>
+            </a:extLst>
+          </p:cNvPr>
+          <p:cNvSpPr txBox="1"/>
+          <p:nvPr/>
+        </p:nvSpPr>
+        <p:spPr>
+          <a:xfrm>
+            <a:off x="1004052" y="2834294"/>
+            <a:ext cx="3612193" cy="369332"/>
+          </a:xfrm>
+          <a:prstGeom prst="rect">
+            <a:avLst/>
+          </a:prstGeom>
+          <a:noFill/>
+        </p:spPr>
+        <p:txBody>
+          <a:bodyPr wrap="square" rtlCol="0">
+            <a:spAutoFit/>
+          </a:bodyPr>
+          <a:lstStyle/>
+          <a:p>
+            <a:r>
+              <a:rPr lang="pt-PT" dirty="0"/>
+              <a:t>Operadores para BST</a:t>
+            </a:r>
+          </a:p>
+        </p:txBody>
+      </p:sp>
+      <p:sp>
+        <p:nvSpPr>
+          <p:cNvPr id="8" name="CaixaDeTexto 7">
+            <a:extLst>
+              <a:ext uri="{FF2B5EF4-FFF2-40B4-BE49-F238E27FC236}">
+                <a16:creationId xmlns:a16="http://schemas.microsoft.com/office/drawing/2014/main" id="{33467F67-CB23-4561-A959-7ACBF47CCF91}"/>
+              </a:ext>
+            </a:extLst>
+          </p:cNvPr>
+          <p:cNvSpPr txBox="1"/>
+          <p:nvPr/>
+        </p:nvSpPr>
+        <p:spPr>
+          <a:xfrm>
+            <a:off x="6206248" y="2677212"/>
+            <a:ext cx="5151566" cy="646331"/>
+          </a:xfrm>
+          <a:prstGeom prst="rect">
+            <a:avLst/>
+          </a:prstGeom>
+          <a:noFill/>
+        </p:spPr>
+        <p:txBody>
+          <a:bodyPr wrap="square" rtlCol="0">
+            <a:spAutoFit/>
+          </a:bodyPr>
+          <a:lstStyle/>
+          <a:p>
+            <a:r>
+              <a:rPr lang="pt-PT" dirty="0"/>
+              <a:t>Criação de uma </a:t>
+            </a:r>
+            <a:r>
+              <a:rPr lang="pt-PT" dirty="0" err="1"/>
+              <a:t>struct</a:t>
+            </a:r>
+            <a:r>
+              <a:rPr lang="pt-PT" dirty="0"/>
+              <a:t> para a </a:t>
+            </a:r>
+            <a:r>
+              <a:rPr lang="pt-PT" dirty="0" err="1"/>
+              <a:t>hash</a:t>
+            </a:r>
+            <a:r>
+              <a:rPr lang="pt-PT" dirty="0"/>
+              <a:t> </a:t>
+            </a:r>
+            <a:r>
+              <a:rPr lang="pt-PT" dirty="0" err="1"/>
+              <a:t>table</a:t>
+            </a:r>
+            <a:r>
+              <a:rPr lang="pt-PT" dirty="0"/>
+              <a:t> dos clientes inativos</a:t>
+            </a:r>
+          </a:p>
+        </p:txBody>
+      </p:sp>
       <p:pic>
         <p:nvPicPr>
-          <p:cNvPr id="5" name="Imagem 4">
+          <p:cNvPr id="7" name="Imagem 6">
             <a:extLst>
               <a:ext uri="{FF2B5EF4-FFF2-40B4-BE49-F238E27FC236}">
-                <a16:creationId xmlns:a16="http://schemas.microsoft.com/office/drawing/2014/main" id="{194727B3-7A72-4732-A243-98714C70E1CD}"/>
+                <a16:creationId xmlns:a16="http://schemas.microsoft.com/office/drawing/2014/main" id="{949CDC09-DAA2-44D9-AF8F-43CE4D2B48A4}"/>
               </a:ext>
             </a:extLst>
           </p:cNvPr>
@@ -7960,108 +8063,14 @@
         </p:blipFill>
         <p:spPr>
           <a:xfrm>
-            <a:off x="6206248" y="3305172"/>
-            <a:ext cx="5151566" cy="1905165"/>
+            <a:off x="5381005" y="3323543"/>
+            <a:ext cx="5806943" cy="1981372"/>
           </a:xfrm>
           <a:prstGeom prst="rect">
             <a:avLst/>
           </a:prstGeom>
         </p:spPr>
       </p:pic>
-      <p:sp>
-        <p:nvSpPr>
-          <p:cNvPr id="6" name="CaixaDeTexto 5">
-            <a:extLst>
-              <a:ext uri="{FF2B5EF4-FFF2-40B4-BE49-F238E27FC236}">
-                <a16:creationId xmlns:a16="http://schemas.microsoft.com/office/drawing/2014/main" id="{3AE6A475-683B-4862-8969-A60E21E4E2FB}"/>
-              </a:ext>
-            </a:extLst>
-          </p:cNvPr>
-          <p:cNvSpPr txBox="1"/>
-          <p:nvPr/>
-        </p:nvSpPr>
-        <p:spPr>
-          <a:xfrm>
-            <a:off x="1004052" y="2834294"/>
-            <a:ext cx="3612193" cy="369332"/>
-          </a:xfrm>
-          <a:prstGeom prst="rect">
-            <a:avLst/>
-          </a:prstGeom>
-          <a:noFill/>
-        </p:spPr>
-        <p:txBody>
-          <a:bodyPr wrap="square" rtlCol="0">
-            <a:spAutoFit/>
-          </a:bodyPr>
-          <a:lstStyle/>
-          <a:p>
-            <a:r>
-              <a:rPr lang="pt-PT" dirty="0"/>
-              <a:t>Operadores para BST</a:t>
-            </a:r>
-          </a:p>
-        </p:txBody>
-      </p:sp>
-      <p:sp>
-        <p:nvSpPr>
-          <p:cNvPr id="8" name="CaixaDeTexto 7">
-            <a:extLst>
-              <a:ext uri="{FF2B5EF4-FFF2-40B4-BE49-F238E27FC236}">
-                <a16:creationId xmlns:a16="http://schemas.microsoft.com/office/drawing/2014/main" id="{33467F67-CB23-4561-A959-7ACBF47CCF91}"/>
-              </a:ext>
-            </a:extLst>
-          </p:cNvPr>
-          <p:cNvSpPr txBox="1"/>
-          <p:nvPr/>
-        </p:nvSpPr>
-        <p:spPr>
-          <a:xfrm>
-            <a:off x="6206248" y="2677212"/>
-            <a:ext cx="5151566" cy="646331"/>
-          </a:xfrm>
-          <a:prstGeom prst="rect">
-            <a:avLst/>
-          </a:prstGeom>
-          <a:noFill/>
-        </p:spPr>
-        <p:txBody>
-          <a:bodyPr wrap="square" rtlCol="0">
-            <a:spAutoFit/>
-          </a:bodyPr>
-          <a:lstStyle/>
-          <a:p>
-            <a:r>
-              <a:rPr lang="pt-PT" dirty="0"/>
-              <a:t>Criação de uma </a:t>
-            </a:r>
-            <a:r>
-              <a:rPr lang="pt-PT" dirty="0" err="1"/>
-              <a:t>struct</a:t>
-            </a:r>
-            <a:r>
-              <a:rPr lang="pt-PT" dirty="0"/>
-              <a:t> para a </a:t>
-            </a:r>
-            <a:r>
-              <a:rPr lang="pt-PT" dirty="0" err="1"/>
-              <a:t>hash</a:t>
-            </a:r>
-            <a:r>
-              <a:rPr lang="pt-PT" dirty="0"/>
-              <a:t> </a:t>
-            </a:r>
-            <a:r>
-              <a:rPr lang="pt-PT" dirty="0" err="1"/>
-              <a:t>table</a:t>
-            </a:r>
-            <a:r>
-              <a:rPr lang="pt-PT" dirty="0"/>
-              <a:t> dos clientes inativos</a:t>
-            </a:r>
-          </a:p>
-        </p:txBody>
-      </p:sp>
     </p:spTree>
     <p:extLst>
       <p:ext uri="{BB962C8B-B14F-4D97-AF65-F5344CB8AC3E}">
@@ -9595,12 +9604,71 @@
           </a:p>
         </p:txBody>
       </p:sp>
+      <p:sp>
+        <p:nvSpPr>
+          <p:cNvPr id="5" name="CaixaDeTexto 4">
+            <a:extLst>
+              <a:ext uri="{FF2B5EF4-FFF2-40B4-BE49-F238E27FC236}">
+                <a16:creationId xmlns:a16="http://schemas.microsoft.com/office/drawing/2014/main" id="{6D39ACDF-DD3A-4CB2-AA80-7F29DC22A880}"/>
+              </a:ext>
+            </a:extLst>
+          </p:cNvPr>
+          <p:cNvSpPr txBox="1"/>
+          <p:nvPr/>
+        </p:nvSpPr>
+        <p:spPr>
+          <a:xfrm>
+            <a:off x="1197204" y="2865748"/>
+            <a:ext cx="3733015" cy="1323439"/>
+          </a:xfrm>
+          <a:prstGeom prst="rect">
+            <a:avLst/>
+          </a:prstGeom>
+          <a:noFill/>
+        </p:spPr>
+        <p:txBody>
+          <a:bodyPr wrap="square" rtlCol="0">
+            <a:spAutoFit/>
+          </a:bodyPr>
+          <a:lstStyle/>
+          <a:p>
+            <a:r>
+              <a:rPr lang="pt-PT" sz="2000" dirty="0">
+                <a:ln>
+                  <a:solidFill>
+                    <a:schemeClr val="bg1">
+                      <a:lumMod val="75000"/>
+                      <a:lumOff val="25000"/>
+                      <a:alpha val="10000"/>
+                    </a:schemeClr>
+                  </a:solidFill>
+                </a:ln>
+                <a:solidFill>
+                  <a:schemeClr val="tx2"/>
+                </a:solidFill>
+                <a:effectLst>
+                  <a:outerShdw blurRad="9525" dist="25400" dir="14640000" algn="tl" rotWithShape="0">
+                    <a:schemeClr val="bg1">
+                      <a:alpha val="30000"/>
+                    </a:schemeClr>
+                  </a:outerShdw>
+                </a:effectLst>
+              </a:rPr>
+              <a:t>Quanto ao uso de estruturas de dados, foram implementadas as estruturas desejadas com sucesso</a:t>
+            </a:r>
+            <a:r>
+              <a:rPr lang="pt-PT" dirty="0"/>
+              <a:t>.</a:t>
+            </a:r>
+          </a:p>
+        </p:txBody>
+      </p:sp>
       <p:pic>
         <p:nvPicPr>
-          <p:cNvPr id="4" name="Imagem 3">
+          <p:cNvPr id="6" name="Imagem 5">
             <a:extLst>
               <a:ext uri="{FF2B5EF4-FFF2-40B4-BE49-F238E27FC236}">
-                <a16:creationId xmlns:a16="http://schemas.microsoft.com/office/drawing/2014/main" id="{428F22BE-98DC-4156-9A9A-8B75A19C2535}"/>
+                <a16:creationId xmlns:a16="http://schemas.microsoft.com/office/drawing/2014/main" id="{FA1C8132-571C-4B1E-9572-85B86F3FAFBD}"/>
               </a:ext>
             </a:extLst>
           </p:cNvPr>
@@ -9617,8 +9685,8 @@
         </p:blipFill>
         <p:spPr>
           <a:xfrm>
-            <a:off x="5167829" y="2693773"/>
-            <a:ext cx="5456041" cy="2393977"/>
+            <a:off x="5656531" y="2654025"/>
+            <a:ext cx="6054314" cy="2793463"/>
           </a:xfrm>
           <a:prstGeom prst="rect">
             <a:avLst/>
@@ -9727,7 +9795,7 @@
         </p:blipFill>
         <p:spPr>
           <a:xfrm>
-            <a:off x="428332" y="348228"/>
+            <a:off x="447186" y="536764"/>
             <a:ext cx="3556757" cy="4530704"/>
           </a:xfrm>
           <a:prstGeom prst="rect">
